--- a/Apresentação_B3_Microserviços.pptx
+++ b/Apresentação_B3_Microserviços.pptx
@@ -4661,9 +4661,10 @@
         <a:p>
           <a:r>
             <a:rPr lang="pt-BR" sz="1200" dirty="0">
-              <a:latin typeface="Arial Black" panose="020B0A04020102020204" pitchFamily="34" charset="0"/>
+              <a:latin typeface="Arial" panose="020B0604020202020204" pitchFamily="34" charset="0"/>
+              <a:cs typeface="Arial" panose="020B0604020202020204" pitchFamily="34" charset="0"/>
             </a:rPr>
-            <a:t>Banco Pai</a:t>
+            <a:t>Banco</a:t>
           </a:r>
         </a:p>
       </dgm:t>
@@ -4699,7 +4700,8 @@
         <a:p>
           <a:r>
             <a:rPr lang="pt-BR" sz="1200" dirty="0">
-              <a:latin typeface="Arial Black" panose="020B0A04020102020204" pitchFamily="34" charset="0"/>
+              <a:latin typeface="Arial" panose="020B0604020202020204" pitchFamily="34" charset="0"/>
+              <a:cs typeface="Arial" panose="020B0604020202020204" pitchFamily="34" charset="0"/>
             </a:rPr>
             <a:t>Pague sua Divida</a:t>
           </a:r>
@@ -4741,13 +4743,15 @@
         <a:p>
           <a:r>
             <a:rPr lang="pt-BR" dirty="0" err="1">
-              <a:latin typeface="Arial Black" panose="020B0A04020102020204" pitchFamily="34" charset="0"/>
+              <a:latin typeface="Arial" panose="020B0604020202020204" pitchFamily="34" charset="0"/>
+              <a:cs typeface="Arial" panose="020B0604020202020204" pitchFamily="34" charset="0"/>
             </a:rPr>
             <a:t>Adm</a:t>
           </a:r>
           <a:r>
             <a:rPr lang="pt-BR" dirty="0">
-              <a:latin typeface="Arial Black" panose="020B0A04020102020204" pitchFamily="34" charset="0"/>
+              <a:latin typeface="Arial" panose="020B0604020202020204" pitchFamily="34" charset="0"/>
+              <a:cs typeface="Arial" panose="020B0604020202020204" pitchFamily="34" charset="0"/>
             </a:rPr>
             <a:t> A</a:t>
           </a:r>
@@ -4789,13 +4793,15 @@
         <a:p>
           <a:r>
             <a:rPr lang="pt-BR" dirty="0" err="1">
-              <a:latin typeface="Arial Black" panose="020B0A04020102020204" pitchFamily="34" charset="0"/>
+              <a:latin typeface="Arial" panose="020B0604020202020204" pitchFamily="34" charset="0"/>
+              <a:cs typeface="Arial" panose="020B0604020202020204" pitchFamily="34" charset="0"/>
             </a:rPr>
             <a:t>Adm</a:t>
           </a:r>
           <a:r>
             <a:rPr lang="pt-BR" dirty="0">
-              <a:latin typeface="Arial Black" panose="020B0A04020102020204" pitchFamily="34" charset="0"/>
+              <a:latin typeface="Arial" panose="020B0604020202020204" pitchFamily="34" charset="0"/>
+              <a:cs typeface="Arial" panose="020B0604020202020204" pitchFamily="34" charset="0"/>
             </a:rPr>
             <a:t> B</a:t>
           </a:r>
@@ -4837,13 +4843,15 @@
         <a:p>
           <a:r>
             <a:rPr lang="pt-BR" dirty="0" err="1">
-              <a:latin typeface="Arial Black" panose="020B0A04020102020204" pitchFamily="34" charset="0"/>
+              <a:latin typeface="Arial" panose="020B0604020202020204" pitchFamily="34" charset="0"/>
+              <a:cs typeface="Arial" panose="020B0604020202020204" pitchFamily="34" charset="0"/>
             </a:rPr>
             <a:t>Adm</a:t>
           </a:r>
           <a:r>
             <a:rPr lang="pt-BR" dirty="0">
-              <a:latin typeface="Arial Black" panose="020B0A04020102020204" pitchFamily="34" charset="0"/>
+              <a:latin typeface="Arial" panose="020B0604020202020204" pitchFamily="34" charset="0"/>
+              <a:cs typeface="Arial" panose="020B0604020202020204" pitchFamily="34" charset="0"/>
             </a:rPr>
             <a:t> C</a:t>
           </a:r>
@@ -4885,13 +4893,15 @@
         <a:p>
           <a:r>
             <a:rPr lang="pt-BR" dirty="0" err="1">
-              <a:latin typeface="Arial Black" panose="020B0A04020102020204" pitchFamily="34" charset="0"/>
+              <a:latin typeface="Arial" panose="020B0604020202020204" pitchFamily="34" charset="0"/>
+              <a:cs typeface="Arial" panose="020B0604020202020204" pitchFamily="34" charset="0"/>
             </a:rPr>
             <a:t>Adm</a:t>
           </a:r>
           <a:r>
             <a:rPr lang="pt-BR" dirty="0">
-              <a:latin typeface="Arial Black" panose="020B0A04020102020204" pitchFamily="34" charset="0"/>
+              <a:latin typeface="Arial" panose="020B0604020202020204" pitchFamily="34" charset="0"/>
+              <a:cs typeface="Arial" panose="020B0604020202020204" pitchFamily="34" charset="0"/>
             </a:rPr>
             <a:t> D</a:t>
           </a:r>
@@ -4932,7 +4942,10 @@
         <a:lstStyle/>
         <a:p>
           <a:r>
-            <a:rPr lang="pt-BR" dirty="0"/>
+            <a:rPr lang="pt-BR" dirty="0">
+              <a:latin typeface="Arial" panose="020B0604020202020204" pitchFamily="34" charset="0"/>
+              <a:cs typeface="Arial" panose="020B0604020202020204" pitchFamily="34" charset="0"/>
+            </a:rPr>
             <a:t>Agência A1</a:t>
           </a:r>
         </a:p>
@@ -4972,7 +4985,10 @@
         <a:lstStyle/>
         <a:p>
           <a:r>
-            <a:rPr lang="pt-BR" dirty="0"/>
+            <a:rPr lang="pt-BR" dirty="0">
+              <a:latin typeface="Arial" panose="020B0604020202020204" pitchFamily="34" charset="0"/>
+              <a:cs typeface="Arial" panose="020B0604020202020204" pitchFamily="34" charset="0"/>
+            </a:rPr>
             <a:t>Agência A2</a:t>
           </a:r>
         </a:p>
@@ -5012,7 +5028,10 @@
         <a:lstStyle/>
         <a:p>
           <a:r>
-            <a:rPr lang="pt-BR" dirty="0"/>
+            <a:rPr lang="pt-BR" dirty="0">
+              <a:latin typeface="Arial" panose="020B0604020202020204" pitchFamily="34" charset="0"/>
+              <a:cs typeface="Arial" panose="020B0604020202020204" pitchFamily="34" charset="0"/>
+            </a:rPr>
             <a:t>Agência B1</a:t>
           </a:r>
         </a:p>
@@ -5052,7 +5071,10 @@
         <a:lstStyle/>
         <a:p>
           <a:r>
-            <a:rPr lang="pt-BR" dirty="0"/>
+            <a:rPr lang="pt-BR" dirty="0">
+              <a:latin typeface="Arial" panose="020B0604020202020204" pitchFamily="34" charset="0"/>
+              <a:cs typeface="Arial" panose="020B0604020202020204" pitchFamily="34" charset="0"/>
+            </a:rPr>
             <a:t>Agência B2</a:t>
           </a:r>
         </a:p>
@@ -5092,7 +5114,10 @@
         <a:lstStyle/>
         <a:p>
           <a:r>
-            <a:rPr lang="pt-BR" dirty="0"/>
+            <a:rPr lang="pt-BR" dirty="0">
+              <a:latin typeface="Arial" panose="020B0604020202020204" pitchFamily="34" charset="0"/>
+              <a:cs typeface="Arial" panose="020B0604020202020204" pitchFamily="34" charset="0"/>
+            </a:rPr>
             <a:t>Agência C1</a:t>
           </a:r>
         </a:p>
@@ -5132,7 +5157,10 @@
         <a:lstStyle/>
         <a:p>
           <a:r>
-            <a:rPr lang="pt-BR" dirty="0"/>
+            <a:rPr lang="pt-BR" dirty="0">
+              <a:latin typeface="Arial" panose="020B0604020202020204" pitchFamily="34" charset="0"/>
+              <a:cs typeface="Arial" panose="020B0604020202020204" pitchFamily="34" charset="0"/>
+            </a:rPr>
             <a:t>Agência C2</a:t>
           </a:r>
         </a:p>
@@ -5172,7 +5200,10 @@
         <a:lstStyle/>
         <a:p>
           <a:r>
-            <a:rPr lang="pt-BR" dirty="0"/>
+            <a:rPr lang="pt-BR" dirty="0">
+              <a:latin typeface="Arial" panose="020B0604020202020204" pitchFamily="34" charset="0"/>
+              <a:cs typeface="Arial" panose="020B0604020202020204" pitchFamily="34" charset="0"/>
+            </a:rPr>
             <a:t>Agência D1</a:t>
           </a:r>
         </a:p>
@@ -5212,7 +5243,10 @@
         <a:lstStyle/>
         <a:p>
           <a:r>
-            <a:rPr lang="pt-BR" dirty="0"/>
+            <a:rPr lang="pt-BR" dirty="0">
+              <a:latin typeface="Arial" panose="020B0604020202020204" pitchFamily="34" charset="0"/>
+              <a:cs typeface="Arial" panose="020B0604020202020204" pitchFamily="34" charset="0"/>
+            </a:rPr>
             <a:t>Agência D2</a:t>
           </a:r>
         </a:p>
@@ -5630,7 +5664,8 @@
         <a:p>
           <a:r>
             <a:rPr lang="pt-BR" sz="1050" dirty="0">
-              <a:latin typeface="Arial Black" panose="020B0A04020102020204" pitchFamily="34" charset="0"/>
+              <a:latin typeface="Arial" panose="020B0604020202020204" pitchFamily="34" charset="0"/>
+              <a:cs typeface="Arial" panose="020B0604020202020204" pitchFamily="34" charset="0"/>
             </a:rPr>
             <a:t>Fornecedor</a:t>
           </a:r>
@@ -5668,7 +5703,8 @@
         <a:p>
           <a:r>
             <a:rPr lang="pt-BR" sz="1000" dirty="0">
-              <a:latin typeface="Arial Black" panose="020B0A04020102020204" pitchFamily="34" charset="0"/>
+              <a:latin typeface="Arial" panose="020B0604020202020204" pitchFamily="34" charset="0"/>
+              <a:cs typeface="Arial" panose="020B0604020202020204" pitchFamily="34" charset="0"/>
             </a:rPr>
             <a:t>Consumidor</a:t>
           </a:r>
@@ -5706,7 +5742,8 @@
         <a:p>
           <a:r>
             <a:rPr lang="pt-BR" dirty="0">
-              <a:latin typeface="Arial Black" panose="020B0A04020102020204" pitchFamily="34" charset="0"/>
+              <a:latin typeface="Arial" panose="020B0604020202020204" pitchFamily="34" charset="0"/>
+              <a:cs typeface="Arial" panose="020B0604020202020204" pitchFamily="34" charset="0"/>
             </a:rPr>
             <a:t>Consumidor</a:t>
           </a:r>
@@ -5745,7 +5782,7 @@
       <dgm:spPr/>
     </dgm:pt>
     <dgm:pt modelId="{F88B1E78-12E6-41A2-8766-5B346D675A4F}" type="pres">
-      <dgm:prSet presAssocID="{3250A6B4-7C3D-4E34-A003-A3B787675E96}" presName="node" presStyleLbl="node1" presStyleIdx="0" presStyleCnt="3" custRadScaleRad="100993">
+      <dgm:prSet presAssocID="{3250A6B4-7C3D-4E34-A003-A3B787675E96}" presName="node" presStyleLbl="node1" presStyleIdx="0" presStyleCnt="3" custRadScaleRad="88746" custRadScaleInc="-1680">
         <dgm:presLayoutVars>
           <dgm:bulletEnabled val="1"/>
         </dgm:presLayoutVars>
@@ -5761,7 +5798,7 @@
       <dgm:spPr/>
     </dgm:pt>
     <dgm:pt modelId="{1AEAE374-E81D-474C-A16C-463D4312841F}" type="pres">
-      <dgm:prSet presAssocID="{DFF90FD1-A072-4BDA-8CAB-433C92B24906}" presName="node" presStyleLbl="node1" presStyleIdx="1" presStyleCnt="3">
+      <dgm:prSet presAssocID="{DFF90FD1-A072-4BDA-8CAB-433C92B24906}" presName="node" presStyleLbl="node1" presStyleIdx="1" presStyleCnt="3" custRadScaleRad="106426" custRadScaleInc="-4171">
         <dgm:presLayoutVars>
           <dgm:bulletEnabled val="1"/>
         </dgm:presLayoutVars>
@@ -5781,7 +5818,7 @@
       <dgm:spPr/>
     </dgm:pt>
     <dgm:pt modelId="{2DE332B6-7D20-438B-8E35-568BC6E80611}" type="pres">
-      <dgm:prSet presAssocID="{CA709C56-0A3E-4C72-BDDC-39FD370652A3}" presName="node" presStyleLbl="node1" presStyleIdx="2" presStyleCnt="3">
+      <dgm:prSet presAssocID="{CA709C56-0A3E-4C72-BDDC-39FD370652A3}" presName="node" presStyleLbl="node1" presStyleIdx="2" presStyleCnt="3" custRadScaleRad="119224" custRadScaleInc="10190">
         <dgm:presLayoutVars>
           <dgm:bulletEnabled val="1"/>
         </dgm:presLayoutVars>
@@ -5853,7 +5890,13 @@
         <a:lstStyle/>
         <a:p>
           <a:r>
-            <a:rPr lang="pt-BR" dirty="0"/>
+            <a:rPr lang="pt-BR" b="1" dirty="0">
+              <a:solidFill>
+                <a:schemeClr val="bg2"/>
+              </a:solidFill>
+              <a:latin typeface="Arial" panose="020B0604020202020204" pitchFamily="34" charset="0"/>
+              <a:cs typeface="Arial" panose="020B0604020202020204" pitchFamily="34" charset="0"/>
+            </a:rPr>
             <a:t>Alguma características</a:t>
           </a:r>
         </a:p>
@@ -5882,15 +5925,21 @@
       </dgm:t>
     </dgm:pt>
     <dgm:pt modelId="{57BA9DB2-9052-4BAE-A4CF-6C7441906350}">
-      <dgm:prSet phldrT="[Texto]"/>
+      <dgm:prSet phldrT="[Texto]" custT="1"/>
       <dgm:spPr/>
       <dgm:t>
         <a:bodyPr/>
         <a:lstStyle/>
         <a:p>
           <a:r>
-            <a:rPr lang="pt-BR" dirty="0"/>
-            <a:t>Redução no tempo de Desenvolvido .	</a:t>
+            <a:rPr lang="pt-BR" sz="2800" dirty="0">
+              <a:solidFill>
+                <a:schemeClr val="bg2"/>
+              </a:solidFill>
+              <a:latin typeface="Arial" panose="020B0604020202020204" pitchFamily="34" charset="0"/>
+              <a:cs typeface="Arial" panose="020B0604020202020204" pitchFamily="34" charset="0"/>
+            </a:rPr>
+            <a:t>Redução no tempo de Desenvolvimento .	</a:t>
           </a:r>
         </a:p>
       </dgm:t>
@@ -5918,14 +5967,20 @@
       </dgm:t>
     </dgm:pt>
     <dgm:pt modelId="{84080DA6-103F-4F21-A414-C135A427AA48}">
-      <dgm:prSet phldrT="[Texto]"/>
+      <dgm:prSet phldrT="[Texto]" custT="1"/>
       <dgm:spPr/>
       <dgm:t>
         <a:bodyPr/>
         <a:lstStyle/>
         <a:p>
           <a:r>
-            <a:rPr lang="pt-BR" dirty="0"/>
+            <a:rPr lang="pt-BR" sz="2800" dirty="0">
+              <a:solidFill>
+                <a:schemeClr val="bg2"/>
+              </a:solidFill>
+              <a:latin typeface="Arial" panose="020B0604020202020204" pitchFamily="34" charset="0"/>
+              <a:cs typeface="Arial" panose="020B0604020202020204" pitchFamily="34" charset="0"/>
+            </a:rPr>
             <a:t>Envolve pouca colaboração de outros times.</a:t>
           </a:r>
         </a:p>
@@ -5954,14 +6009,20 @@
       </dgm:t>
     </dgm:pt>
     <dgm:pt modelId="{40372B69-C93B-49C5-807B-4433253D43CF}">
-      <dgm:prSet phldrT="[Texto]"/>
+      <dgm:prSet phldrT="[Texto]" custT="1"/>
       <dgm:spPr/>
       <dgm:t>
         <a:bodyPr/>
         <a:lstStyle/>
         <a:p>
           <a:r>
-            <a:rPr lang="pt-BR" dirty="0"/>
+            <a:rPr lang="pt-BR" sz="2800" dirty="0">
+              <a:solidFill>
+                <a:schemeClr val="bg2"/>
+              </a:solidFill>
+              <a:latin typeface="Arial" panose="020B0604020202020204" pitchFamily="34" charset="0"/>
+              <a:cs typeface="Arial" panose="020B0604020202020204" pitchFamily="34" charset="0"/>
+            </a:rPr>
             <a:t>Se há muita manutenção após outros serviços sofrerem alteração é um indicativo ruim de acoplamento.</a:t>
           </a:r>
         </a:p>
@@ -6060,14 +6121,20 @@
       </dgm:t>
     </dgm:pt>
     <dgm:pt modelId="{A190400B-155A-4844-BB26-C82DD0366D66}">
-      <dgm:prSet phldrT="[Texto]"/>
+      <dgm:prSet phldrT="[Texto]" custT="1"/>
       <dgm:spPr/>
       <dgm:t>
         <a:bodyPr/>
         <a:lstStyle/>
         <a:p>
           <a:r>
-            <a:rPr lang="pt-BR" dirty="0"/>
+            <a:rPr lang="pt-BR" sz="2000" b="1" dirty="0">
+              <a:solidFill>
+                <a:schemeClr val="bg2"/>
+              </a:solidFill>
+              <a:latin typeface="Arial" panose="020B0604020202020204" pitchFamily="34" charset="0"/>
+              <a:cs typeface="Arial" panose="020B0604020202020204" pitchFamily="34" charset="0"/>
+            </a:rPr>
             <a:t>Não há um gabarito para definir a arquitetura.</a:t>
           </a:r>
         </a:p>
@@ -6096,14 +6163,20 @@
       </dgm:t>
     </dgm:pt>
     <dgm:pt modelId="{3376D4FA-D7F3-4A78-9A8F-AA82994C44B3}">
-      <dgm:prSet phldrT="[Texto]"/>
+      <dgm:prSet phldrT="[Texto]" custT="1"/>
       <dgm:spPr/>
       <dgm:t>
         <a:bodyPr/>
         <a:lstStyle/>
         <a:p>
           <a:r>
-            <a:rPr lang="pt-BR" dirty="0"/>
+            <a:rPr lang="pt-BR" sz="2000" b="1" dirty="0">
+              <a:solidFill>
+                <a:schemeClr val="bg2"/>
+              </a:solidFill>
+              <a:latin typeface="Arial" panose="020B0604020202020204" pitchFamily="34" charset="0"/>
+              <a:cs typeface="Arial" panose="020B0604020202020204" pitchFamily="34" charset="0"/>
+            </a:rPr>
             <a:t>Não é um processo mecânico.</a:t>
           </a:r>
         </a:p>
@@ -6132,14 +6205,17 @@
       </dgm:t>
     </dgm:pt>
     <dgm:pt modelId="{95F5D02D-FEB1-4E9E-96C4-D1AF19AB0C03}">
-      <dgm:prSet/>
+      <dgm:prSet custT="1"/>
       <dgm:spPr/>
       <dgm:t>
         <a:bodyPr/>
         <a:lstStyle/>
         <a:p>
           <a:r>
-            <a:rPr lang="pt-BR" dirty="0"/>
+            <a:rPr lang="pt-BR" sz="1600" b="1" dirty="0">
+              <a:latin typeface="Arial" panose="020B0604020202020204" pitchFamily="34" charset="0"/>
+              <a:cs typeface="Arial" panose="020B0604020202020204" pitchFamily="34" charset="0"/>
+            </a:rPr>
             <a:t>De Acordo com as particularidades da empresa pode-se ter uma arquitetura diferente.</a:t>
           </a:r>
         </a:p>
@@ -6168,14 +6244,17 @@
       </dgm:t>
     </dgm:pt>
     <dgm:pt modelId="{1DBEA422-60CC-4E26-9086-13222FFED8E6}">
-      <dgm:prSet/>
+      <dgm:prSet custT="1"/>
       <dgm:spPr/>
       <dgm:t>
         <a:bodyPr/>
         <a:lstStyle/>
         <a:p>
           <a:r>
-            <a:rPr lang="pt-BR" dirty="0"/>
+            <a:rPr lang="pt-BR" sz="1600" b="1" dirty="0">
+              <a:latin typeface="Arial" panose="020B0604020202020204" pitchFamily="34" charset="0"/>
+              <a:cs typeface="Arial" panose="020B0604020202020204" pitchFamily="34" charset="0"/>
+            </a:rPr>
             <a:t>Envolve muita vivência e criatividade.</a:t>
           </a:r>
         </a:p>
@@ -6204,14 +6283,20 @@
       </dgm:t>
     </dgm:pt>
     <dgm:pt modelId="{C3F5F503-D7AE-4A0E-8B98-2A84D44D5629}">
-      <dgm:prSet/>
+      <dgm:prSet custT="1"/>
       <dgm:spPr/>
       <dgm:t>
         <a:bodyPr/>
         <a:lstStyle/>
         <a:p>
           <a:r>
-            <a:rPr lang="pt-BR" dirty="0"/>
+            <a:rPr lang="pt-BR" sz="2000" b="1" dirty="0">
+              <a:solidFill>
+                <a:schemeClr val="bg2"/>
+              </a:solidFill>
+              <a:latin typeface="Arial" panose="020B0604020202020204" pitchFamily="34" charset="0"/>
+              <a:cs typeface="Arial" panose="020B0604020202020204" pitchFamily="34" charset="0"/>
+            </a:rPr>
             <a:t>Deve levar em conta as particularidades da empresa e do negócio no processo.</a:t>
           </a:r>
         </a:p>
@@ -6240,14 +6325,17 @@
       </dgm:t>
     </dgm:pt>
     <dgm:pt modelId="{BC3E306C-5A8B-4085-8457-D936C3D165F1}">
-      <dgm:prSet/>
+      <dgm:prSet custT="1"/>
       <dgm:spPr/>
       <dgm:t>
         <a:bodyPr/>
         <a:lstStyle/>
         <a:p>
           <a:r>
-            <a:rPr lang="pt-BR" dirty="0"/>
+            <a:rPr lang="pt-BR" sz="1600" b="1" dirty="0">
+              <a:latin typeface="Arial" panose="020B0604020202020204" pitchFamily="34" charset="0"/>
+              <a:cs typeface="Arial" panose="020B0604020202020204" pitchFamily="34" charset="0"/>
+            </a:rPr>
             <a:t>O conhecimento do negócio é essencial. </a:t>
           </a:r>
         </a:p>
@@ -6448,7 +6536,13 @@
         <a:lstStyle/>
         <a:p>
           <a:r>
-            <a:rPr lang="pt-BR" dirty="0"/>
+            <a:rPr lang="pt-BR" b="1" dirty="0">
+              <a:solidFill>
+                <a:schemeClr val="bg2"/>
+              </a:solidFill>
+              <a:latin typeface="Arial" panose="020B0604020202020204" pitchFamily="34" charset="0"/>
+              <a:cs typeface="Arial" panose="020B0604020202020204" pitchFamily="34" charset="0"/>
+            </a:rPr>
             <a:t>1.Identificar as operações do sistema.</a:t>
           </a:r>
         </a:p>
@@ -6477,14 +6571,20 @@
       </dgm:t>
     </dgm:pt>
     <dgm:pt modelId="{2E7F36B7-439A-425A-A154-968E58C7F734}">
-      <dgm:prSet phldrT="[Texto]"/>
+      <dgm:prSet phldrT="[Texto]" custT="1"/>
       <dgm:spPr/>
       <dgm:t>
         <a:bodyPr/>
         <a:lstStyle/>
         <a:p>
           <a:r>
-            <a:rPr lang="pt-BR" dirty="0"/>
+            <a:rPr lang="pt-BR" sz="1800" b="1" dirty="0">
+              <a:solidFill>
+                <a:schemeClr val="bg2"/>
+              </a:solidFill>
+              <a:latin typeface="Arial" panose="020B0604020202020204" pitchFamily="34" charset="0"/>
+              <a:cs typeface="Arial" panose="020B0604020202020204" pitchFamily="34" charset="0"/>
+            </a:rPr>
             <a:t>O que a aplicação irá processar?</a:t>
           </a:r>
         </a:p>
@@ -6513,14 +6613,20 @@
       </dgm:t>
     </dgm:pt>
     <dgm:pt modelId="{6ED5DA35-9995-4BFC-B541-3B100B917DBA}">
-      <dgm:prSet phldrT="[Texto]"/>
+      <dgm:prSet phldrT="[Texto]" custT="1"/>
       <dgm:spPr/>
       <dgm:t>
         <a:bodyPr/>
         <a:lstStyle/>
         <a:p>
           <a:r>
-            <a:rPr lang="pt-BR" dirty="0"/>
+            <a:rPr lang="pt-BR" sz="2800" b="1" dirty="0">
+              <a:solidFill>
+                <a:schemeClr val="bg2"/>
+              </a:solidFill>
+              <a:latin typeface="Arial" panose="020B0604020202020204" pitchFamily="34" charset="0"/>
+              <a:cs typeface="Arial" panose="020B0604020202020204" pitchFamily="34" charset="0"/>
+            </a:rPr>
             <a:t>2. Identificar os Serviços</a:t>
           </a:r>
         </a:p>
@@ -6549,14 +6655,20 @@
       </dgm:t>
     </dgm:pt>
     <dgm:pt modelId="{83F62A4F-4694-4CB2-814F-1A1F5A18F008}">
-      <dgm:prSet phldrT="[Texto]"/>
+      <dgm:prSet phldrT="[Texto]" custT="1"/>
       <dgm:spPr/>
       <dgm:t>
         <a:bodyPr/>
         <a:lstStyle/>
         <a:p>
           <a:r>
-            <a:rPr lang="pt-BR" dirty="0"/>
+            <a:rPr lang="pt-BR" sz="2400" b="1" dirty="0">
+              <a:solidFill>
+                <a:schemeClr val="bg2"/>
+              </a:solidFill>
+              <a:latin typeface="Arial" panose="020B0604020202020204" pitchFamily="34" charset="0"/>
+              <a:cs typeface="Arial" panose="020B0604020202020204" pitchFamily="34" charset="0"/>
+            </a:rPr>
             <a:t>Entrega de agrupamentos em conceitos de negócios.</a:t>
           </a:r>
         </a:p>
@@ -6585,14 +6697,20 @@
       </dgm:t>
     </dgm:pt>
     <dgm:pt modelId="{C4C6C358-84DC-46AD-A1FA-BBC508627554}">
-      <dgm:prSet phldrT="[Texto]"/>
+      <dgm:prSet phldrT="[Texto]" custT="1"/>
       <dgm:spPr/>
       <dgm:t>
         <a:bodyPr/>
         <a:lstStyle/>
         <a:p>
           <a:r>
-            <a:rPr lang="pt-BR" dirty="0"/>
+            <a:rPr lang="pt-BR" sz="1800" b="1" dirty="0">
+              <a:solidFill>
+                <a:schemeClr val="bg2"/>
+              </a:solidFill>
+              <a:latin typeface="Arial" panose="020B0604020202020204" pitchFamily="34" charset="0"/>
+              <a:cs typeface="Arial" panose="020B0604020202020204" pitchFamily="34" charset="0"/>
+            </a:rPr>
             <a:t>Essas Operações se transformam em algum cenário arquitetural.</a:t>
           </a:r>
         </a:p>
@@ -6621,14 +6739,20 @@
       </dgm:t>
     </dgm:pt>
     <dgm:pt modelId="{8DFEC1F3-BB78-41C5-BA57-80EE73ABC187}">
-      <dgm:prSet phldrT="[Texto]"/>
+      <dgm:prSet phldrT="[Texto]" custT="1"/>
       <dgm:spPr/>
       <dgm:t>
         <a:bodyPr/>
         <a:lstStyle/>
         <a:p>
           <a:r>
-            <a:rPr lang="pt-BR" dirty="0"/>
+            <a:rPr lang="pt-BR" sz="2000" b="1" dirty="0">
+              <a:solidFill>
+                <a:schemeClr val="bg2"/>
+              </a:solidFill>
+              <a:latin typeface="Arial" panose="020B0604020202020204" pitchFamily="34" charset="0"/>
+              <a:cs typeface="Arial" panose="020B0604020202020204" pitchFamily="34" charset="0"/>
+            </a:rPr>
             <a:t>Todas as operações devem ser convertidas em APIS dentro do serviço.</a:t>
           </a:r>
         </a:p>
@@ -6657,14 +6781,20 @@
       </dgm:t>
     </dgm:pt>
     <dgm:pt modelId="{75F725AA-8733-43E7-8F8F-7C15BD4995EF}">
-      <dgm:prSet phldrT="[Texto]"/>
+      <dgm:prSet phldrT="[Texto]" custT="1"/>
       <dgm:spPr/>
       <dgm:t>
         <a:bodyPr/>
         <a:lstStyle/>
         <a:p>
           <a:r>
-            <a:rPr lang="pt-BR" dirty="0"/>
+            <a:rPr lang="pt-BR" sz="3600" b="1" dirty="0">
+              <a:solidFill>
+                <a:schemeClr val="bg2"/>
+              </a:solidFill>
+              <a:latin typeface="Arial" panose="020B0604020202020204" pitchFamily="34" charset="0"/>
+              <a:cs typeface="Arial" panose="020B0604020202020204" pitchFamily="34" charset="0"/>
+            </a:rPr>
             <a:t>3. Definir APIS e colaboração.</a:t>
           </a:r>
         </a:p>
@@ -6847,12 +6977,8 @@
         <a:lstStyle/>
         <a:p>
           <a:r>
-            <a:rPr lang="pt-BR" dirty="0" err="1"/>
-            <a:t>Rabbit</a:t>
-          </a:r>
-          <a:r>
             <a:rPr lang="pt-BR" dirty="0"/>
-            <a:t> MQ</a:t>
+            <a:t>Rabbit MQ</a:t>
           </a:r>
         </a:p>
       </dgm:t>
@@ -6926,7 +7052,7 @@
       <dgm:spPr/>
     </dgm:pt>
     <dgm:pt modelId="{50C18EF1-2B25-439F-B080-45BC02E95398}" type="pres">
-      <dgm:prSet presAssocID="{59936BB7-2402-4356-8CCE-73F8DF85873C}" presName="Accent1Text" presStyleLbl="node1" presStyleIdx="1" presStyleCnt="4"/>
+      <dgm:prSet presAssocID="{59936BB7-2402-4356-8CCE-73F8DF85873C}" presName="Accent1Text" presStyleLbl="node1" presStyleIdx="1" presStyleCnt="4" custLinFactNeighborX="2203" custLinFactNeighborY="1437"/>
       <dgm:spPr/>
     </dgm:pt>
     <dgm:pt modelId="{BAA1F019-6998-4A14-B6AB-AD8C9F38FF79}" type="pres">
@@ -7075,9 +7201,10 @@
           </a:pPr>
           <a:r>
             <a:rPr lang="pt-BR" sz="1200" kern="1200" dirty="0">
-              <a:latin typeface="Arial Black" panose="020B0A04020102020204" pitchFamily="34" charset="0"/>
+              <a:latin typeface="Arial" panose="020B0604020202020204" pitchFamily="34" charset="0"/>
+              <a:cs typeface="Arial" panose="020B0604020202020204" pitchFamily="34" charset="0"/>
             </a:rPr>
-            <a:t>Banco Pai</a:t>
+            <a:t>Banco</a:t>
           </a:r>
         </a:p>
       </dsp:txBody>
@@ -7211,7 +7338,8 @@
           </a:pPr>
           <a:r>
             <a:rPr lang="pt-BR" sz="1200" kern="1200" dirty="0">
-              <a:latin typeface="Arial Black" panose="020B0A04020102020204" pitchFamily="34" charset="0"/>
+              <a:latin typeface="Arial" panose="020B0604020202020204" pitchFamily="34" charset="0"/>
+              <a:cs typeface="Arial" panose="020B0604020202020204" pitchFamily="34" charset="0"/>
             </a:rPr>
             <a:t>Pague sua Divida</a:t>
           </a:r>
@@ -7329,12 +7457,12 @@
         </a:fontRef>
       </dsp:style>
       <dsp:txBody>
-        <a:bodyPr spcFirstLastPara="0" vert="horz" wrap="square" lIns="72390" tIns="72390" rIns="72390" bIns="72390" numCol="1" spcCol="1270" anchor="ctr" anchorCtr="0">
+        <a:bodyPr spcFirstLastPara="0" vert="horz" wrap="square" lIns="68580" tIns="68580" rIns="68580" bIns="68580" numCol="1" spcCol="1270" anchor="ctr" anchorCtr="0">
           <a:noAutofit/>
         </a:bodyPr>
         <a:lstStyle/>
         <a:p>
-          <a:pPr marL="0" lvl="0" indent="0" algn="ctr" defTabSz="844550">
+          <a:pPr marL="0" lvl="0" indent="0" algn="ctr" defTabSz="800100">
             <a:lnSpc>
               <a:spcPct val="90000"/>
             </a:lnSpc>
@@ -7347,14 +7475,16 @@
             <a:buNone/>
           </a:pPr>
           <a:r>
-            <a:rPr lang="pt-BR" sz="1900" kern="1200" dirty="0" err="1">
-              <a:latin typeface="Arial Black" panose="020B0A04020102020204" pitchFamily="34" charset="0"/>
+            <a:rPr lang="pt-BR" sz="1800" kern="1200" dirty="0" err="1">
+              <a:latin typeface="Arial" panose="020B0604020202020204" pitchFamily="34" charset="0"/>
+              <a:cs typeface="Arial" panose="020B0604020202020204" pitchFamily="34" charset="0"/>
             </a:rPr>
             <a:t>Adm</a:t>
           </a:r>
           <a:r>
-            <a:rPr lang="pt-BR" sz="1900" kern="1200" dirty="0">
-              <a:latin typeface="Arial Black" panose="020B0A04020102020204" pitchFamily="34" charset="0"/>
+            <a:rPr lang="pt-BR" sz="1800" kern="1200" dirty="0">
+              <a:latin typeface="Arial" panose="020B0604020202020204" pitchFamily="34" charset="0"/>
+              <a:cs typeface="Arial" panose="020B0604020202020204" pitchFamily="34" charset="0"/>
             </a:rPr>
             <a:t> A</a:t>
           </a:r>
@@ -7472,12 +7602,12 @@
         </a:fontRef>
       </dsp:style>
       <dsp:txBody>
-        <a:bodyPr spcFirstLastPara="0" vert="horz" wrap="square" lIns="72390" tIns="72390" rIns="72390" bIns="72390" numCol="1" spcCol="1270" anchor="ctr" anchorCtr="0">
+        <a:bodyPr spcFirstLastPara="0" vert="horz" wrap="square" lIns="68580" tIns="68580" rIns="68580" bIns="68580" numCol="1" spcCol="1270" anchor="ctr" anchorCtr="0">
           <a:noAutofit/>
         </a:bodyPr>
         <a:lstStyle/>
         <a:p>
-          <a:pPr marL="0" lvl="0" indent="0" algn="ctr" defTabSz="844550">
+          <a:pPr marL="0" lvl="0" indent="0" algn="ctr" defTabSz="800100">
             <a:lnSpc>
               <a:spcPct val="90000"/>
             </a:lnSpc>
@@ -7490,7 +7620,10 @@
             <a:buNone/>
           </a:pPr>
           <a:r>
-            <a:rPr lang="pt-BR" sz="1900" kern="1200" dirty="0"/>
+            <a:rPr lang="pt-BR" sz="1800" kern="1200" dirty="0">
+              <a:latin typeface="Arial" panose="020B0604020202020204" pitchFamily="34" charset="0"/>
+              <a:cs typeface="Arial" panose="020B0604020202020204" pitchFamily="34" charset="0"/>
+            </a:rPr>
             <a:t>Agência A1</a:t>
           </a:r>
         </a:p>
@@ -7607,12 +7740,12 @@
         </a:fontRef>
       </dsp:style>
       <dsp:txBody>
-        <a:bodyPr spcFirstLastPara="0" vert="horz" wrap="square" lIns="72390" tIns="72390" rIns="72390" bIns="72390" numCol="1" spcCol="1270" anchor="ctr" anchorCtr="0">
+        <a:bodyPr spcFirstLastPara="0" vert="horz" wrap="square" lIns="68580" tIns="68580" rIns="68580" bIns="68580" numCol="1" spcCol="1270" anchor="ctr" anchorCtr="0">
           <a:noAutofit/>
         </a:bodyPr>
         <a:lstStyle/>
         <a:p>
-          <a:pPr marL="0" lvl="0" indent="0" algn="ctr" defTabSz="844550">
+          <a:pPr marL="0" lvl="0" indent="0" algn="ctr" defTabSz="800100">
             <a:lnSpc>
               <a:spcPct val="90000"/>
             </a:lnSpc>
@@ -7625,7 +7758,10 @@
             <a:buNone/>
           </a:pPr>
           <a:r>
-            <a:rPr lang="pt-BR" sz="1900" kern="1200" dirty="0"/>
+            <a:rPr lang="pt-BR" sz="1800" kern="1200" dirty="0">
+              <a:latin typeface="Arial" panose="020B0604020202020204" pitchFamily="34" charset="0"/>
+              <a:cs typeface="Arial" panose="020B0604020202020204" pitchFamily="34" charset="0"/>
+            </a:rPr>
             <a:t>Agência A2</a:t>
           </a:r>
         </a:p>
@@ -7742,12 +7878,12 @@
         </a:fontRef>
       </dsp:style>
       <dsp:txBody>
-        <a:bodyPr spcFirstLastPara="0" vert="horz" wrap="square" lIns="72390" tIns="72390" rIns="72390" bIns="72390" numCol="1" spcCol="1270" anchor="ctr" anchorCtr="0">
+        <a:bodyPr spcFirstLastPara="0" vert="horz" wrap="square" lIns="68580" tIns="68580" rIns="68580" bIns="68580" numCol="1" spcCol="1270" anchor="ctr" anchorCtr="0">
           <a:noAutofit/>
         </a:bodyPr>
         <a:lstStyle/>
         <a:p>
-          <a:pPr marL="0" lvl="0" indent="0" algn="ctr" defTabSz="844550">
+          <a:pPr marL="0" lvl="0" indent="0" algn="ctr" defTabSz="800100">
             <a:lnSpc>
               <a:spcPct val="90000"/>
             </a:lnSpc>
@@ -7760,14 +7896,16 @@
             <a:buNone/>
           </a:pPr>
           <a:r>
-            <a:rPr lang="pt-BR" sz="1900" kern="1200" dirty="0" err="1">
-              <a:latin typeface="Arial Black" panose="020B0A04020102020204" pitchFamily="34" charset="0"/>
+            <a:rPr lang="pt-BR" sz="1800" kern="1200" dirty="0" err="1">
+              <a:latin typeface="Arial" panose="020B0604020202020204" pitchFamily="34" charset="0"/>
+              <a:cs typeface="Arial" panose="020B0604020202020204" pitchFamily="34" charset="0"/>
             </a:rPr>
             <a:t>Adm</a:t>
           </a:r>
           <a:r>
-            <a:rPr lang="pt-BR" sz="1900" kern="1200" dirty="0">
-              <a:latin typeface="Arial Black" panose="020B0A04020102020204" pitchFamily="34" charset="0"/>
+            <a:rPr lang="pt-BR" sz="1800" kern="1200" dirty="0">
+              <a:latin typeface="Arial" panose="020B0604020202020204" pitchFamily="34" charset="0"/>
+              <a:cs typeface="Arial" panose="020B0604020202020204" pitchFamily="34" charset="0"/>
             </a:rPr>
             <a:t> B</a:t>
           </a:r>
@@ -7885,12 +8023,12 @@
         </a:fontRef>
       </dsp:style>
       <dsp:txBody>
-        <a:bodyPr spcFirstLastPara="0" vert="horz" wrap="square" lIns="72390" tIns="72390" rIns="72390" bIns="72390" numCol="1" spcCol="1270" anchor="ctr" anchorCtr="0">
+        <a:bodyPr spcFirstLastPara="0" vert="horz" wrap="square" lIns="68580" tIns="68580" rIns="68580" bIns="68580" numCol="1" spcCol="1270" anchor="ctr" anchorCtr="0">
           <a:noAutofit/>
         </a:bodyPr>
         <a:lstStyle/>
         <a:p>
-          <a:pPr marL="0" lvl="0" indent="0" algn="ctr" defTabSz="844550">
+          <a:pPr marL="0" lvl="0" indent="0" algn="ctr" defTabSz="800100">
             <a:lnSpc>
               <a:spcPct val="90000"/>
             </a:lnSpc>
@@ -7903,7 +8041,10 @@
             <a:buNone/>
           </a:pPr>
           <a:r>
-            <a:rPr lang="pt-BR" sz="1900" kern="1200" dirty="0"/>
+            <a:rPr lang="pt-BR" sz="1800" kern="1200" dirty="0">
+              <a:latin typeface="Arial" panose="020B0604020202020204" pitchFamily="34" charset="0"/>
+              <a:cs typeface="Arial" panose="020B0604020202020204" pitchFamily="34" charset="0"/>
+            </a:rPr>
             <a:t>Agência B1</a:t>
           </a:r>
         </a:p>
@@ -8020,12 +8161,12 @@
         </a:fontRef>
       </dsp:style>
       <dsp:txBody>
-        <a:bodyPr spcFirstLastPara="0" vert="horz" wrap="square" lIns="72390" tIns="72390" rIns="72390" bIns="72390" numCol="1" spcCol="1270" anchor="ctr" anchorCtr="0">
+        <a:bodyPr spcFirstLastPara="0" vert="horz" wrap="square" lIns="68580" tIns="68580" rIns="68580" bIns="68580" numCol="1" spcCol="1270" anchor="ctr" anchorCtr="0">
           <a:noAutofit/>
         </a:bodyPr>
         <a:lstStyle/>
         <a:p>
-          <a:pPr marL="0" lvl="0" indent="0" algn="ctr" defTabSz="844550">
+          <a:pPr marL="0" lvl="0" indent="0" algn="ctr" defTabSz="800100">
             <a:lnSpc>
               <a:spcPct val="90000"/>
             </a:lnSpc>
@@ -8038,7 +8179,10 @@
             <a:buNone/>
           </a:pPr>
           <a:r>
-            <a:rPr lang="pt-BR" sz="1900" kern="1200" dirty="0"/>
+            <a:rPr lang="pt-BR" sz="1800" kern="1200" dirty="0">
+              <a:latin typeface="Arial" panose="020B0604020202020204" pitchFamily="34" charset="0"/>
+              <a:cs typeface="Arial" panose="020B0604020202020204" pitchFamily="34" charset="0"/>
+            </a:rPr>
             <a:t>Agência B2</a:t>
           </a:r>
         </a:p>
@@ -8155,12 +8299,12 @@
         </a:fontRef>
       </dsp:style>
       <dsp:txBody>
-        <a:bodyPr spcFirstLastPara="0" vert="horz" wrap="square" lIns="72390" tIns="72390" rIns="72390" bIns="72390" numCol="1" spcCol="1270" anchor="ctr" anchorCtr="0">
+        <a:bodyPr spcFirstLastPara="0" vert="horz" wrap="square" lIns="68580" tIns="68580" rIns="68580" bIns="68580" numCol="1" spcCol="1270" anchor="ctr" anchorCtr="0">
           <a:noAutofit/>
         </a:bodyPr>
         <a:lstStyle/>
         <a:p>
-          <a:pPr marL="0" lvl="0" indent="0" algn="ctr" defTabSz="844550">
+          <a:pPr marL="0" lvl="0" indent="0" algn="ctr" defTabSz="800100">
             <a:lnSpc>
               <a:spcPct val="90000"/>
             </a:lnSpc>
@@ -8173,14 +8317,16 @@
             <a:buNone/>
           </a:pPr>
           <a:r>
-            <a:rPr lang="pt-BR" sz="1900" kern="1200" dirty="0" err="1">
-              <a:latin typeface="Arial Black" panose="020B0A04020102020204" pitchFamily="34" charset="0"/>
+            <a:rPr lang="pt-BR" sz="1800" kern="1200" dirty="0" err="1">
+              <a:latin typeface="Arial" panose="020B0604020202020204" pitchFamily="34" charset="0"/>
+              <a:cs typeface="Arial" panose="020B0604020202020204" pitchFamily="34" charset="0"/>
             </a:rPr>
             <a:t>Adm</a:t>
           </a:r>
           <a:r>
-            <a:rPr lang="pt-BR" sz="1900" kern="1200" dirty="0">
-              <a:latin typeface="Arial Black" panose="020B0A04020102020204" pitchFamily="34" charset="0"/>
+            <a:rPr lang="pt-BR" sz="1800" kern="1200" dirty="0">
+              <a:latin typeface="Arial" panose="020B0604020202020204" pitchFamily="34" charset="0"/>
+              <a:cs typeface="Arial" panose="020B0604020202020204" pitchFamily="34" charset="0"/>
             </a:rPr>
             <a:t> C</a:t>
           </a:r>
@@ -8298,12 +8444,12 @@
         </a:fontRef>
       </dsp:style>
       <dsp:txBody>
-        <a:bodyPr spcFirstLastPara="0" vert="horz" wrap="square" lIns="72390" tIns="72390" rIns="72390" bIns="72390" numCol="1" spcCol="1270" anchor="ctr" anchorCtr="0">
+        <a:bodyPr spcFirstLastPara="0" vert="horz" wrap="square" lIns="68580" tIns="68580" rIns="68580" bIns="68580" numCol="1" spcCol="1270" anchor="ctr" anchorCtr="0">
           <a:noAutofit/>
         </a:bodyPr>
         <a:lstStyle/>
         <a:p>
-          <a:pPr marL="0" lvl="0" indent="0" algn="ctr" defTabSz="844550">
+          <a:pPr marL="0" lvl="0" indent="0" algn="ctr" defTabSz="800100">
             <a:lnSpc>
               <a:spcPct val="90000"/>
             </a:lnSpc>
@@ -8316,7 +8462,10 @@
             <a:buNone/>
           </a:pPr>
           <a:r>
-            <a:rPr lang="pt-BR" sz="1900" kern="1200" dirty="0"/>
+            <a:rPr lang="pt-BR" sz="1800" kern="1200" dirty="0">
+              <a:latin typeface="Arial" panose="020B0604020202020204" pitchFamily="34" charset="0"/>
+              <a:cs typeface="Arial" panose="020B0604020202020204" pitchFamily="34" charset="0"/>
+            </a:rPr>
             <a:t>Agência C1</a:t>
           </a:r>
         </a:p>
@@ -8433,12 +8582,12 @@
         </a:fontRef>
       </dsp:style>
       <dsp:txBody>
-        <a:bodyPr spcFirstLastPara="0" vert="horz" wrap="square" lIns="72390" tIns="72390" rIns="72390" bIns="72390" numCol="1" spcCol="1270" anchor="ctr" anchorCtr="0">
+        <a:bodyPr spcFirstLastPara="0" vert="horz" wrap="square" lIns="68580" tIns="68580" rIns="68580" bIns="68580" numCol="1" spcCol="1270" anchor="ctr" anchorCtr="0">
           <a:noAutofit/>
         </a:bodyPr>
         <a:lstStyle/>
         <a:p>
-          <a:pPr marL="0" lvl="0" indent="0" algn="ctr" defTabSz="844550">
+          <a:pPr marL="0" lvl="0" indent="0" algn="ctr" defTabSz="800100">
             <a:lnSpc>
               <a:spcPct val="90000"/>
             </a:lnSpc>
@@ -8451,7 +8600,10 @@
             <a:buNone/>
           </a:pPr>
           <a:r>
-            <a:rPr lang="pt-BR" sz="1900" kern="1200" dirty="0"/>
+            <a:rPr lang="pt-BR" sz="1800" kern="1200" dirty="0">
+              <a:latin typeface="Arial" panose="020B0604020202020204" pitchFamily="34" charset="0"/>
+              <a:cs typeface="Arial" panose="020B0604020202020204" pitchFamily="34" charset="0"/>
+            </a:rPr>
             <a:t>Agência C2</a:t>
           </a:r>
         </a:p>
@@ -8568,12 +8720,12 @@
         </a:fontRef>
       </dsp:style>
       <dsp:txBody>
-        <a:bodyPr spcFirstLastPara="0" vert="horz" wrap="square" lIns="72390" tIns="72390" rIns="72390" bIns="72390" numCol="1" spcCol="1270" anchor="ctr" anchorCtr="0">
+        <a:bodyPr spcFirstLastPara="0" vert="horz" wrap="square" lIns="68580" tIns="68580" rIns="68580" bIns="68580" numCol="1" spcCol="1270" anchor="ctr" anchorCtr="0">
           <a:noAutofit/>
         </a:bodyPr>
         <a:lstStyle/>
         <a:p>
-          <a:pPr marL="0" lvl="0" indent="0" algn="ctr" defTabSz="844550">
+          <a:pPr marL="0" lvl="0" indent="0" algn="ctr" defTabSz="800100">
             <a:lnSpc>
               <a:spcPct val="90000"/>
             </a:lnSpc>
@@ -8586,14 +8738,16 @@
             <a:buNone/>
           </a:pPr>
           <a:r>
-            <a:rPr lang="pt-BR" sz="1900" kern="1200" dirty="0" err="1">
-              <a:latin typeface="Arial Black" panose="020B0A04020102020204" pitchFamily="34" charset="0"/>
+            <a:rPr lang="pt-BR" sz="1800" kern="1200" dirty="0" err="1">
+              <a:latin typeface="Arial" panose="020B0604020202020204" pitchFamily="34" charset="0"/>
+              <a:cs typeface="Arial" panose="020B0604020202020204" pitchFamily="34" charset="0"/>
             </a:rPr>
             <a:t>Adm</a:t>
           </a:r>
           <a:r>
-            <a:rPr lang="pt-BR" sz="1900" kern="1200" dirty="0">
-              <a:latin typeface="Arial Black" panose="020B0A04020102020204" pitchFamily="34" charset="0"/>
+            <a:rPr lang="pt-BR" sz="1800" kern="1200" dirty="0">
+              <a:latin typeface="Arial" panose="020B0604020202020204" pitchFamily="34" charset="0"/>
+              <a:cs typeface="Arial" panose="020B0604020202020204" pitchFamily="34" charset="0"/>
             </a:rPr>
             <a:t> D</a:t>
           </a:r>
@@ -8711,12 +8865,12 @@
         </a:fontRef>
       </dsp:style>
       <dsp:txBody>
-        <a:bodyPr spcFirstLastPara="0" vert="horz" wrap="square" lIns="72390" tIns="72390" rIns="72390" bIns="72390" numCol="1" spcCol="1270" anchor="ctr" anchorCtr="0">
+        <a:bodyPr spcFirstLastPara="0" vert="horz" wrap="square" lIns="68580" tIns="68580" rIns="68580" bIns="68580" numCol="1" spcCol="1270" anchor="ctr" anchorCtr="0">
           <a:noAutofit/>
         </a:bodyPr>
         <a:lstStyle/>
         <a:p>
-          <a:pPr marL="0" lvl="0" indent="0" algn="ctr" defTabSz="844550">
+          <a:pPr marL="0" lvl="0" indent="0" algn="ctr" defTabSz="800100">
             <a:lnSpc>
               <a:spcPct val="90000"/>
             </a:lnSpc>
@@ -8729,7 +8883,10 @@
             <a:buNone/>
           </a:pPr>
           <a:r>
-            <a:rPr lang="pt-BR" sz="1900" kern="1200" dirty="0"/>
+            <a:rPr lang="pt-BR" sz="1800" kern="1200" dirty="0">
+              <a:latin typeface="Arial" panose="020B0604020202020204" pitchFamily="34" charset="0"/>
+              <a:cs typeface="Arial" panose="020B0604020202020204" pitchFamily="34" charset="0"/>
+            </a:rPr>
             <a:t>Agência D1</a:t>
           </a:r>
         </a:p>
@@ -8846,12 +9003,12 @@
         </a:fontRef>
       </dsp:style>
       <dsp:txBody>
-        <a:bodyPr spcFirstLastPara="0" vert="horz" wrap="square" lIns="72390" tIns="72390" rIns="72390" bIns="72390" numCol="1" spcCol="1270" anchor="ctr" anchorCtr="0">
+        <a:bodyPr spcFirstLastPara="0" vert="horz" wrap="square" lIns="68580" tIns="68580" rIns="68580" bIns="68580" numCol="1" spcCol="1270" anchor="ctr" anchorCtr="0">
           <a:noAutofit/>
         </a:bodyPr>
         <a:lstStyle/>
         <a:p>
-          <a:pPr marL="0" lvl="0" indent="0" algn="ctr" defTabSz="844550">
+          <a:pPr marL="0" lvl="0" indent="0" algn="ctr" defTabSz="800100">
             <a:lnSpc>
               <a:spcPct val="90000"/>
             </a:lnSpc>
@@ -8864,7 +9021,10 @@
             <a:buNone/>
           </a:pPr>
           <a:r>
-            <a:rPr lang="pt-BR" sz="1900" kern="1200" dirty="0"/>
+            <a:rPr lang="pt-BR" sz="1800" kern="1200" dirty="0">
+              <a:latin typeface="Arial" panose="020B0604020202020204" pitchFamily="34" charset="0"/>
+              <a:cs typeface="Arial" panose="020B0604020202020204" pitchFamily="34" charset="0"/>
+            </a:rPr>
             <a:t>Agência D2</a:t>
           </a:r>
         </a:p>
@@ -8893,8 +9053,8 @@
       </dsp:nvSpPr>
       <dsp:spPr>
         <a:xfrm>
-          <a:off x="1493961" y="0"/>
-          <a:ext cx="954903" cy="477451"/>
+          <a:off x="1578932" y="114254"/>
+          <a:ext cx="1060370" cy="530185"/>
         </a:xfrm>
         <a:prstGeom prst="roundRect">
           <a:avLst>
@@ -8956,15 +9116,16 @@
           </a:pPr>
           <a:r>
             <a:rPr lang="pt-BR" sz="1050" kern="1200" dirty="0">
-              <a:latin typeface="Arial Black" panose="020B0A04020102020204" pitchFamily="34" charset="0"/>
+              <a:latin typeface="Arial" panose="020B0604020202020204" pitchFamily="34" charset="0"/>
+              <a:cs typeface="Arial" panose="020B0604020202020204" pitchFamily="34" charset="0"/>
             </a:rPr>
             <a:t>Fornecedor</a:t>
           </a:r>
         </a:p>
       </dsp:txBody>
       <dsp:txXfrm>
-        <a:off x="1507945" y="13984"/>
-        <a:ext cx="926935" cy="449483"/>
+        <a:off x="1594461" y="129783"/>
+        <a:ext cx="1029312" cy="499127"/>
       </dsp:txXfrm>
     </dsp:sp>
     <dsp:sp modelId="{F6591B07-C212-4117-AE6B-0131CA0F5F29}">
@@ -8973,9 +9134,9 @@
         <dsp:cNvSpPr/>
       </dsp:nvSpPr>
       <dsp:spPr>
-        <a:xfrm rot="3600499">
-          <a:off x="2116929" y="837957"/>
-          <a:ext cx="497114" cy="167108"/>
+        <a:xfrm rot="3309609">
+          <a:off x="2195969" y="983040"/>
+          <a:ext cx="795860" cy="185564"/>
         </a:xfrm>
         <a:prstGeom prst="leftRightArrow">
           <a:avLst>
@@ -9033,8 +9194,8 @@
         </a:p>
       </dsp:txBody>
       <dsp:txXfrm>
-        <a:off x="2167061" y="871379"/>
-        <a:ext cx="396850" cy="100264"/>
+        <a:off x="2251638" y="1020153"/>
+        <a:ext cx="684522" cy="111338"/>
       </dsp:txXfrm>
     </dsp:sp>
     <dsp:sp modelId="{1AEAE374-E81D-474C-A16C-463D4312841F}">
@@ -9044,8 +9205,8 @@
       </dsp:nvSpPr>
       <dsp:spPr>
         <a:xfrm>
-          <a:off x="2282109" y="1365570"/>
-          <a:ext cx="954903" cy="477451"/>
+          <a:off x="2548497" y="1507206"/>
+          <a:ext cx="1060370" cy="530185"/>
         </a:xfrm>
         <a:prstGeom prst="roundRect">
           <a:avLst>
@@ -9107,15 +9268,16 @@
           </a:pPr>
           <a:r>
             <a:rPr lang="pt-BR" sz="1000" kern="1200" dirty="0">
-              <a:latin typeface="Arial Black" panose="020B0A04020102020204" pitchFamily="34" charset="0"/>
+              <a:latin typeface="Arial" panose="020B0604020202020204" pitchFamily="34" charset="0"/>
+              <a:cs typeface="Arial" panose="020B0604020202020204" pitchFamily="34" charset="0"/>
             </a:rPr>
             <a:t>Consumidor</a:t>
           </a:r>
         </a:p>
       </dsp:txBody>
       <dsp:txXfrm>
-        <a:off x="2296093" y="1379554"/>
-        <a:ext cx="926935" cy="449483"/>
+        <a:off x="2564026" y="1522735"/>
+        <a:ext cx="1029312" cy="499127"/>
       </dsp:txXfrm>
     </dsp:sp>
     <dsp:sp modelId="{4436F55A-75F0-4677-ACE1-C8B55BB8265E}">
@@ -9124,9 +9286,9 @@
         <dsp:cNvSpPr/>
       </dsp:nvSpPr>
       <dsp:spPr>
-        <a:xfrm rot="10800000">
-          <a:off x="1722855" y="1520742"/>
-          <a:ext cx="497114" cy="167108"/>
+        <a:xfrm rot="10814565">
+          <a:off x="1653158" y="1675162"/>
+          <a:ext cx="795860" cy="185564"/>
         </a:xfrm>
         <a:prstGeom prst="mathMinus">
           <a:avLst/>
@@ -9181,8 +9343,8 @@
         </a:p>
       </dsp:txBody>
       <dsp:txXfrm rot="10800000">
-        <a:off x="1772987" y="1554164"/>
-        <a:ext cx="396850" cy="100264"/>
+        <a:off x="1708827" y="1712275"/>
+        <a:ext cx="684522" cy="111338"/>
       </dsp:txXfrm>
     </dsp:sp>
     <dsp:sp modelId="{2DE332B6-7D20-438B-8E35-568BC6E80611}">
@@ -9192,8 +9354,8 @@
       </dsp:nvSpPr>
       <dsp:spPr>
         <a:xfrm>
-          <a:off x="705813" y="1365570"/>
-          <a:ext cx="954903" cy="477451"/>
+          <a:off x="493309" y="1498499"/>
+          <a:ext cx="1060370" cy="530185"/>
         </a:xfrm>
         <a:prstGeom prst="roundRect">
           <a:avLst>
@@ -9236,12 +9398,12 @@
         </a:fontRef>
       </dsp:style>
       <dsp:txBody>
-        <a:bodyPr spcFirstLastPara="0" vert="horz" wrap="square" lIns="38100" tIns="38100" rIns="38100" bIns="38100" numCol="1" spcCol="1270" anchor="ctr" anchorCtr="0">
+        <a:bodyPr spcFirstLastPara="0" vert="horz" wrap="square" lIns="49530" tIns="49530" rIns="49530" bIns="49530" numCol="1" spcCol="1270" anchor="ctr" anchorCtr="0">
           <a:noAutofit/>
         </a:bodyPr>
         <a:lstStyle/>
         <a:p>
-          <a:pPr marL="0" lvl="0" indent="0" algn="ctr" defTabSz="444500">
+          <a:pPr marL="0" lvl="0" indent="0" algn="ctr" defTabSz="577850">
             <a:lnSpc>
               <a:spcPct val="90000"/>
             </a:lnSpc>
@@ -9254,16 +9416,17 @@
             <a:buNone/>
           </a:pPr>
           <a:r>
-            <a:rPr lang="pt-BR" sz="1000" kern="1200" dirty="0">
-              <a:latin typeface="Arial Black" panose="020B0A04020102020204" pitchFamily="34" charset="0"/>
+            <a:rPr lang="pt-BR" sz="1300" kern="1200" dirty="0">
+              <a:latin typeface="Arial" panose="020B0604020202020204" pitchFamily="34" charset="0"/>
+              <a:cs typeface="Arial" panose="020B0604020202020204" pitchFamily="34" charset="0"/>
             </a:rPr>
             <a:t>Consumidor</a:t>
           </a:r>
         </a:p>
       </dsp:txBody>
       <dsp:txXfrm>
-        <a:off x="719797" y="1379554"/>
-        <a:ext cx="926935" cy="449483"/>
+        <a:off x="508838" y="1514028"/>
+        <a:ext cx="1029312" cy="499127"/>
       </dsp:txXfrm>
     </dsp:sp>
     <dsp:sp modelId="{94E167B3-B40B-451E-AD4D-FD3B49DE582C}">
@@ -9272,9 +9435,9 @@
         <dsp:cNvSpPr/>
       </dsp:nvSpPr>
       <dsp:spPr>
-        <a:xfrm rot="17999501">
-          <a:off x="1328781" y="837957"/>
-          <a:ext cx="497114" cy="167108"/>
+        <a:xfrm rot="18486364">
+          <a:off x="1168375" y="978686"/>
+          <a:ext cx="795860" cy="185564"/>
         </a:xfrm>
         <a:prstGeom prst="leftRightArrow">
           <a:avLst>
@@ -9332,8 +9495,8 @@
         </a:p>
       </dsp:txBody>
       <dsp:txXfrm>
-        <a:off x="1378913" y="871379"/>
-        <a:ext cx="396850" cy="100264"/>
+        <a:off x="1224044" y="1015799"/>
+        <a:ext cx="684522" cy="111338"/>
       </dsp:txXfrm>
     </dsp:sp>
   </dsp:spTree>
@@ -9355,8 +9518,8 @@
       </dsp:nvSpPr>
       <dsp:spPr>
         <a:xfrm rot="5400000">
-          <a:off x="3359573" y="108373"/>
-          <a:ext cx="4334933" cy="5201920"/>
+          <a:off x="3361689" y="108373"/>
+          <a:ext cx="4330700" cy="5201920"/>
         </a:xfrm>
         <a:prstGeom prst="round2SameRect">
           <a:avLst/>
@@ -9399,12 +9562,12 @@
         <a:fontRef idx="minor"/>
       </dsp:style>
       <dsp:txBody>
-        <a:bodyPr spcFirstLastPara="0" vert="horz" wrap="square" lIns="121920" tIns="60960" rIns="121920" bIns="60960" numCol="1" spcCol="1270" anchor="ctr" anchorCtr="0">
+        <a:bodyPr spcFirstLastPara="0" vert="horz" wrap="square" lIns="247650" tIns="123825" rIns="247650" bIns="123825" numCol="1" spcCol="1270" anchor="ctr" anchorCtr="0">
           <a:noAutofit/>
         </a:bodyPr>
         <a:lstStyle/>
         <a:p>
-          <a:pPr marL="285750" lvl="1" indent="-285750" algn="l" defTabSz="1422400">
+          <a:pPr marL="285750" lvl="1" indent="-285750" algn="l" defTabSz="1244600">
             <a:lnSpc>
               <a:spcPct val="90000"/>
             </a:lnSpc>
@@ -9417,12 +9580,18 @@
             <a:buChar char="•"/>
           </a:pPr>
           <a:r>
-            <a:rPr lang="pt-BR" sz="3200" kern="1200" dirty="0"/>
-            <a:t>Redução no tempo de Desenvolvido .	</a:t>
+            <a:rPr lang="pt-BR" sz="2800" kern="1200" dirty="0">
+              <a:solidFill>
+                <a:schemeClr val="bg2"/>
+              </a:solidFill>
+              <a:latin typeface="Arial" panose="020B0604020202020204" pitchFamily="34" charset="0"/>
+              <a:cs typeface="Arial" panose="020B0604020202020204" pitchFamily="34" charset="0"/>
+            </a:rPr>
+            <a:t>Redução no tempo de Desenvolvimento .	</a:t>
           </a:r>
         </a:p>
         <a:p>
-          <a:pPr marL="285750" lvl="1" indent="-285750" algn="l" defTabSz="1422400">
+          <a:pPr marL="285750" lvl="1" indent="-285750" algn="l" defTabSz="1244600">
             <a:lnSpc>
               <a:spcPct val="90000"/>
             </a:lnSpc>
@@ -9435,12 +9604,18 @@
             <a:buChar char="•"/>
           </a:pPr>
           <a:r>
-            <a:rPr lang="pt-BR" sz="3200" kern="1200" dirty="0"/>
+            <a:rPr lang="pt-BR" sz="2800" kern="1200" dirty="0">
+              <a:solidFill>
+                <a:schemeClr val="bg2"/>
+              </a:solidFill>
+              <a:latin typeface="Arial" panose="020B0604020202020204" pitchFamily="34" charset="0"/>
+              <a:cs typeface="Arial" panose="020B0604020202020204" pitchFamily="34" charset="0"/>
+            </a:rPr>
             <a:t>Envolve pouca colaboração de outros times.</a:t>
           </a:r>
         </a:p>
         <a:p>
-          <a:pPr marL="285750" lvl="1" indent="-285750" algn="l" defTabSz="1422400">
+          <a:pPr marL="285750" lvl="1" indent="-285750" algn="l" defTabSz="1244600">
             <a:lnSpc>
               <a:spcPct val="90000"/>
             </a:lnSpc>
@@ -9453,14 +9628,20 @@
             <a:buChar char="•"/>
           </a:pPr>
           <a:r>
-            <a:rPr lang="pt-BR" sz="3200" kern="1200" dirty="0"/>
+            <a:rPr lang="pt-BR" sz="2800" kern="1200" dirty="0">
+              <a:solidFill>
+                <a:schemeClr val="bg2"/>
+              </a:solidFill>
+              <a:latin typeface="Arial" panose="020B0604020202020204" pitchFamily="34" charset="0"/>
+              <a:cs typeface="Arial" panose="020B0604020202020204" pitchFamily="34" charset="0"/>
+            </a:rPr>
             <a:t>Se há muita manutenção após outros serviços sofrerem alteração é um indicativo ruim de acoplamento.</a:t>
           </a:r>
         </a:p>
       </dsp:txBody>
       <dsp:txXfrm rot="-5400000">
-        <a:off x="2926080" y="753480"/>
-        <a:ext cx="4990306" cy="3911705"/>
+        <a:off x="2926080" y="755390"/>
+        <a:ext cx="4990513" cy="3907886"/>
       </dsp:txXfrm>
     </dsp:sp>
     <dsp:sp modelId="{08CEEB5B-A2E9-4F8A-9C72-EABBF1FD53B6}">
@@ -9471,7 +9652,7 @@
       <dsp:spPr>
         <a:xfrm>
           <a:off x="0" y="0"/>
-          <a:ext cx="2926080" cy="5418667"/>
+          <a:ext cx="2926080" cy="5413375"/>
         </a:xfrm>
         <a:prstGeom prst="roundRect">
           <a:avLst/>
@@ -9512,12 +9693,12 @@
         </a:fontRef>
       </dsp:style>
       <dsp:txBody>
-        <a:bodyPr spcFirstLastPara="0" vert="horz" wrap="square" lIns="125730" tIns="62865" rIns="125730" bIns="62865" numCol="1" spcCol="1270" anchor="ctr" anchorCtr="0">
+        <a:bodyPr spcFirstLastPara="0" vert="horz" wrap="square" lIns="102870" tIns="51435" rIns="102870" bIns="51435" numCol="1" spcCol="1270" anchor="ctr" anchorCtr="0">
           <a:noAutofit/>
         </a:bodyPr>
         <a:lstStyle/>
         <a:p>
-          <a:pPr marL="0" lvl="0" indent="0" algn="ctr" defTabSz="1466850">
+          <a:pPr marL="0" lvl="0" indent="0" algn="ctr" defTabSz="1200150">
             <a:lnSpc>
               <a:spcPct val="90000"/>
             </a:lnSpc>
@@ -9530,14 +9711,20 @@
             <a:buNone/>
           </a:pPr>
           <a:r>
-            <a:rPr lang="pt-BR" sz="3300" kern="1200" dirty="0"/>
+            <a:rPr lang="pt-BR" sz="2700" b="1" kern="1200" dirty="0">
+              <a:solidFill>
+                <a:schemeClr val="bg2"/>
+              </a:solidFill>
+              <a:latin typeface="Arial" panose="020B0604020202020204" pitchFamily="34" charset="0"/>
+              <a:cs typeface="Arial" panose="020B0604020202020204" pitchFamily="34" charset="0"/>
+            </a:rPr>
             <a:t>Alguma características</a:t>
           </a:r>
         </a:p>
       </dsp:txBody>
       <dsp:txXfrm>
         <a:off x="142839" y="142839"/>
-        <a:ext cx="2640402" cy="5132989"/>
+        <a:ext cx="2640402" cy="5127697"/>
       </dsp:txXfrm>
     </dsp:sp>
   </dsp:spTree>
@@ -9559,8 +9746,8 @@
       </dsp:nvSpPr>
       <dsp:spPr>
         <a:xfrm>
-          <a:off x="0" y="696708"/>
-          <a:ext cx="8128000" cy="1338750"/>
+          <a:off x="0" y="553158"/>
+          <a:ext cx="8128000" cy="1267875"/>
         </a:xfrm>
         <a:prstGeom prst="rect">
           <a:avLst/>
@@ -9600,12 +9787,12 @@
         <a:fontRef idx="minor"/>
       </dsp:style>
       <dsp:txBody>
-        <a:bodyPr spcFirstLastPara="0" vert="horz" wrap="square" lIns="630823" tIns="520700" rIns="630823" bIns="177800" numCol="1" spcCol="1270" anchor="t" anchorCtr="0">
+        <a:bodyPr spcFirstLastPara="0" vert="horz" wrap="square" lIns="630823" tIns="728980" rIns="630823" bIns="113792" numCol="1" spcCol="1270" anchor="t" anchorCtr="0">
           <a:noAutofit/>
         </a:bodyPr>
         <a:lstStyle/>
         <a:p>
-          <a:pPr marL="228600" lvl="1" indent="-228600" algn="l" defTabSz="1111250">
+          <a:pPr marL="171450" lvl="1" indent="-171450" algn="l" defTabSz="711200">
             <a:lnSpc>
               <a:spcPct val="90000"/>
             </a:lnSpc>
@@ -9618,14 +9805,17 @@
             <a:buChar char="•"/>
           </a:pPr>
           <a:r>
-            <a:rPr lang="pt-BR" sz="2500" kern="1200" dirty="0"/>
+            <a:rPr lang="pt-BR" sz="1600" b="1" kern="1200" dirty="0">
+              <a:latin typeface="Arial" panose="020B0604020202020204" pitchFamily="34" charset="0"/>
+              <a:cs typeface="Arial" panose="020B0604020202020204" pitchFamily="34" charset="0"/>
+            </a:rPr>
             <a:t>De Acordo com as particularidades da empresa pode-se ter uma arquitetura diferente.</a:t>
           </a:r>
         </a:p>
       </dsp:txBody>
       <dsp:txXfrm>
-        <a:off x="0" y="696708"/>
-        <a:ext cx="8128000" cy="1338750"/>
+        <a:off x="0" y="553158"/>
+        <a:ext cx="8128000" cy="1267875"/>
       </dsp:txXfrm>
     </dsp:sp>
     <dsp:sp modelId="{3CDCCBFB-AA4E-46B6-8904-E5E06E99E005}">
@@ -9635,8 +9825,8 @@
       </dsp:nvSpPr>
       <dsp:spPr>
         <a:xfrm>
-          <a:off x="406400" y="327708"/>
-          <a:ext cx="5689600" cy="738000"/>
+          <a:off x="406400" y="36558"/>
+          <a:ext cx="5689600" cy="1033200"/>
         </a:xfrm>
         <a:prstGeom prst="roundRect">
           <a:avLst/>
@@ -9682,7 +9872,7 @@
         </a:bodyPr>
         <a:lstStyle/>
         <a:p>
-          <a:pPr marL="0" lvl="0" indent="0" algn="l" defTabSz="1111250">
+          <a:pPr marL="0" lvl="0" indent="0" algn="l" defTabSz="889000">
             <a:lnSpc>
               <a:spcPct val="90000"/>
             </a:lnSpc>
@@ -9695,14 +9885,20 @@
             <a:buNone/>
           </a:pPr>
           <a:r>
-            <a:rPr lang="pt-BR" sz="2500" kern="1200" dirty="0"/>
+            <a:rPr lang="pt-BR" sz="2000" b="1" kern="1200" dirty="0">
+              <a:solidFill>
+                <a:schemeClr val="bg2"/>
+              </a:solidFill>
+              <a:latin typeface="Arial" panose="020B0604020202020204" pitchFamily="34" charset="0"/>
+              <a:cs typeface="Arial" panose="020B0604020202020204" pitchFamily="34" charset="0"/>
+            </a:rPr>
             <a:t>Não há um gabarito para definir a arquitetura.</a:t>
           </a:r>
         </a:p>
       </dsp:txBody>
       <dsp:txXfrm>
-        <a:off x="442426" y="363734"/>
-        <a:ext cx="5617548" cy="665948"/>
+        <a:off x="456837" y="86995"/>
+        <a:ext cx="5588726" cy="932326"/>
       </dsp:txXfrm>
     </dsp:sp>
     <dsp:sp modelId="{38F6B00B-E64B-4E58-A013-A2F94A657CD2}">
@@ -9712,8 +9908,8 @@
       </dsp:nvSpPr>
       <dsp:spPr>
         <a:xfrm>
-          <a:off x="0" y="2539458"/>
-          <a:ext cx="8128000" cy="1023750"/>
+          <a:off x="0" y="2526633"/>
+          <a:ext cx="8128000" cy="1074937"/>
         </a:xfrm>
         <a:prstGeom prst="rect">
           <a:avLst/>
@@ -9753,12 +9949,12 @@
         <a:fontRef idx="minor"/>
       </dsp:style>
       <dsp:txBody>
-        <a:bodyPr spcFirstLastPara="0" vert="horz" wrap="square" lIns="630823" tIns="520700" rIns="630823" bIns="177800" numCol="1" spcCol="1270" anchor="t" anchorCtr="0">
+        <a:bodyPr spcFirstLastPara="0" vert="horz" wrap="square" lIns="630823" tIns="728980" rIns="630823" bIns="113792" numCol="1" spcCol="1270" anchor="t" anchorCtr="0">
           <a:noAutofit/>
         </a:bodyPr>
         <a:lstStyle/>
         <a:p>
-          <a:pPr marL="228600" lvl="1" indent="-228600" algn="l" defTabSz="1111250">
+          <a:pPr marL="171450" lvl="1" indent="-171450" algn="l" defTabSz="711200">
             <a:lnSpc>
               <a:spcPct val="90000"/>
             </a:lnSpc>
@@ -9771,14 +9967,17 @@
             <a:buChar char="•"/>
           </a:pPr>
           <a:r>
-            <a:rPr lang="pt-BR" sz="2500" kern="1200" dirty="0"/>
+            <a:rPr lang="pt-BR" sz="1600" b="1" kern="1200" dirty="0">
+              <a:latin typeface="Arial" panose="020B0604020202020204" pitchFamily="34" charset="0"/>
+              <a:cs typeface="Arial" panose="020B0604020202020204" pitchFamily="34" charset="0"/>
+            </a:rPr>
             <a:t>Envolve muita vivência e criatividade.</a:t>
           </a:r>
         </a:p>
       </dsp:txBody>
       <dsp:txXfrm>
-        <a:off x="0" y="2539458"/>
-        <a:ext cx="8128000" cy="1023750"/>
+        <a:off x="0" y="2526633"/>
+        <a:ext cx="8128000" cy="1074937"/>
       </dsp:txXfrm>
     </dsp:sp>
     <dsp:sp modelId="{95C1FF45-19A0-48E9-A092-8FAEAFFDA730}">
@@ -9788,8 +9987,8 @@
       </dsp:nvSpPr>
       <dsp:spPr>
         <a:xfrm>
-          <a:off x="406400" y="2170458"/>
-          <a:ext cx="5689600" cy="738000"/>
+          <a:off x="406400" y="2010033"/>
+          <a:ext cx="5689600" cy="1033200"/>
         </a:xfrm>
         <a:prstGeom prst="roundRect">
           <a:avLst/>
@@ -9835,7 +10034,7 @@
         </a:bodyPr>
         <a:lstStyle/>
         <a:p>
-          <a:pPr marL="0" lvl="0" indent="0" algn="l" defTabSz="1111250">
+          <a:pPr marL="0" lvl="0" indent="0" algn="l" defTabSz="889000">
             <a:lnSpc>
               <a:spcPct val="90000"/>
             </a:lnSpc>
@@ -9848,14 +10047,20 @@
             <a:buNone/>
           </a:pPr>
           <a:r>
-            <a:rPr lang="pt-BR" sz="2500" kern="1200" dirty="0"/>
+            <a:rPr lang="pt-BR" sz="2000" b="1" kern="1200" dirty="0">
+              <a:solidFill>
+                <a:schemeClr val="bg2"/>
+              </a:solidFill>
+              <a:latin typeface="Arial" panose="020B0604020202020204" pitchFamily="34" charset="0"/>
+              <a:cs typeface="Arial" panose="020B0604020202020204" pitchFamily="34" charset="0"/>
+            </a:rPr>
             <a:t>Não é um processo mecânico.</a:t>
           </a:r>
         </a:p>
       </dsp:txBody>
       <dsp:txXfrm>
-        <a:off x="442426" y="2206484"/>
-        <a:ext cx="5617548" cy="665948"/>
+        <a:off x="456837" y="2060470"/>
+        <a:ext cx="5588726" cy="932326"/>
       </dsp:txXfrm>
     </dsp:sp>
     <dsp:sp modelId="{95E4B63A-5CD4-4888-A42B-B59FF2747264}">
@@ -9865,8 +10070,8 @@
       </dsp:nvSpPr>
       <dsp:spPr>
         <a:xfrm>
-          <a:off x="0" y="4067208"/>
-          <a:ext cx="8128000" cy="1023750"/>
+          <a:off x="0" y="4307171"/>
+          <a:ext cx="8128000" cy="1074937"/>
         </a:xfrm>
         <a:prstGeom prst="rect">
           <a:avLst/>
@@ -9906,12 +10111,12 @@
         <a:fontRef idx="minor"/>
       </dsp:style>
       <dsp:txBody>
-        <a:bodyPr spcFirstLastPara="0" vert="horz" wrap="square" lIns="630823" tIns="520700" rIns="630823" bIns="177800" numCol="1" spcCol="1270" anchor="t" anchorCtr="0">
+        <a:bodyPr spcFirstLastPara="0" vert="horz" wrap="square" lIns="630823" tIns="728980" rIns="630823" bIns="113792" numCol="1" spcCol="1270" anchor="t" anchorCtr="0">
           <a:noAutofit/>
         </a:bodyPr>
         <a:lstStyle/>
         <a:p>
-          <a:pPr marL="228600" lvl="1" indent="-228600" algn="l" defTabSz="1111250">
+          <a:pPr marL="171450" lvl="1" indent="-171450" algn="l" defTabSz="711200">
             <a:lnSpc>
               <a:spcPct val="90000"/>
             </a:lnSpc>
@@ -9924,14 +10129,17 @@
             <a:buChar char="•"/>
           </a:pPr>
           <a:r>
-            <a:rPr lang="pt-BR" sz="2500" kern="1200" dirty="0"/>
+            <a:rPr lang="pt-BR" sz="1600" b="1" kern="1200" dirty="0">
+              <a:latin typeface="Arial" panose="020B0604020202020204" pitchFamily="34" charset="0"/>
+              <a:cs typeface="Arial" panose="020B0604020202020204" pitchFamily="34" charset="0"/>
+            </a:rPr>
             <a:t>O conhecimento do negócio é essencial. </a:t>
           </a:r>
         </a:p>
       </dsp:txBody>
       <dsp:txXfrm>
-        <a:off x="0" y="4067208"/>
-        <a:ext cx="8128000" cy="1023750"/>
+        <a:off x="0" y="4307171"/>
+        <a:ext cx="8128000" cy="1074937"/>
       </dsp:txXfrm>
     </dsp:sp>
     <dsp:sp modelId="{C9886F6E-905E-4198-A2B9-08447858C77E}">
@@ -9941,8 +10149,8 @@
       </dsp:nvSpPr>
       <dsp:spPr>
         <a:xfrm>
-          <a:off x="406400" y="3698208"/>
-          <a:ext cx="5689600" cy="738000"/>
+          <a:off x="406400" y="3790571"/>
+          <a:ext cx="5689600" cy="1033200"/>
         </a:xfrm>
         <a:prstGeom prst="roundRect">
           <a:avLst/>
@@ -9988,7 +10196,7 @@
         </a:bodyPr>
         <a:lstStyle/>
         <a:p>
-          <a:pPr marL="0" lvl="0" indent="0" algn="l" defTabSz="1111250">
+          <a:pPr marL="0" lvl="0" indent="0" algn="l" defTabSz="889000">
             <a:lnSpc>
               <a:spcPct val="90000"/>
             </a:lnSpc>
@@ -10001,14 +10209,20 @@
             <a:buNone/>
           </a:pPr>
           <a:r>
-            <a:rPr lang="pt-BR" sz="2500" kern="1200" dirty="0"/>
+            <a:rPr lang="pt-BR" sz="2000" b="1" kern="1200" dirty="0">
+              <a:solidFill>
+                <a:schemeClr val="bg2"/>
+              </a:solidFill>
+              <a:latin typeface="Arial" panose="020B0604020202020204" pitchFamily="34" charset="0"/>
+              <a:cs typeface="Arial" panose="020B0604020202020204" pitchFamily="34" charset="0"/>
+            </a:rPr>
             <a:t>Deve levar em conta as particularidades da empresa e do negócio no processo.</a:t>
           </a:r>
         </a:p>
       </dsp:txBody>
       <dsp:txXfrm>
-        <a:off x="442426" y="3734234"/>
-        <a:ext cx="5617548" cy="665948"/>
+        <a:off x="456837" y="3841008"/>
+        <a:ext cx="5588726" cy="932326"/>
       </dsp:txXfrm>
     </dsp:sp>
   </dsp:spTree>
@@ -10030,8 +10244,330 @@
       </dsp:nvSpPr>
       <dsp:spPr>
         <a:xfrm>
-          <a:off x="0" y="56355"/>
-          <a:ext cx="8071141" cy="821339"/>
+          <a:off x="0" y="506631"/>
+          <a:ext cx="8071141" cy="844593"/>
+        </a:xfrm>
+        <a:prstGeom prst="roundRect">
+          <a:avLst/>
+        </a:prstGeom>
+        <a:solidFill>
+          <a:schemeClr val="accent1">
+            <a:hueOff val="0"/>
+            <a:satOff val="0"/>
+            <a:lumOff val="0"/>
+            <a:alphaOff val="0"/>
+          </a:schemeClr>
+        </a:solidFill>
+        <a:ln w="15875" cap="flat" cmpd="sng" algn="ctr">
+          <a:solidFill>
+            <a:schemeClr val="lt1">
+              <a:hueOff val="0"/>
+              <a:satOff val="0"/>
+              <a:lumOff val="0"/>
+              <a:alphaOff val="0"/>
+            </a:schemeClr>
+          </a:solidFill>
+          <a:prstDash val="solid"/>
+        </a:ln>
+        <a:effectLst/>
+      </dsp:spPr>
+      <dsp:style>
+        <a:lnRef idx="2">
+          <a:scrgbClr r="0" g="0" b="0"/>
+        </a:lnRef>
+        <a:fillRef idx="1">
+          <a:scrgbClr r="0" g="0" b="0"/>
+        </a:fillRef>
+        <a:effectRef idx="0">
+          <a:scrgbClr r="0" g="0" b="0"/>
+        </a:effectRef>
+        <a:fontRef idx="minor">
+          <a:schemeClr val="lt1"/>
+        </a:fontRef>
+      </dsp:style>
+      <dsp:txBody>
+        <a:bodyPr spcFirstLastPara="0" vert="horz" wrap="square" lIns="125730" tIns="125730" rIns="125730" bIns="125730" numCol="1" spcCol="1270" anchor="ctr" anchorCtr="0">
+          <a:noAutofit/>
+        </a:bodyPr>
+        <a:lstStyle/>
+        <a:p>
+          <a:pPr marL="0" lvl="0" indent="0" algn="l" defTabSz="1466850">
+            <a:lnSpc>
+              <a:spcPct val="90000"/>
+            </a:lnSpc>
+            <a:spcBef>
+              <a:spcPct val="0"/>
+            </a:spcBef>
+            <a:spcAft>
+              <a:spcPct val="35000"/>
+            </a:spcAft>
+            <a:buNone/>
+          </a:pPr>
+          <a:r>
+            <a:rPr lang="pt-BR" sz="3300" b="1" kern="1200" dirty="0">
+              <a:solidFill>
+                <a:schemeClr val="bg2"/>
+              </a:solidFill>
+              <a:latin typeface="Arial" panose="020B0604020202020204" pitchFamily="34" charset="0"/>
+              <a:cs typeface="Arial" panose="020B0604020202020204" pitchFamily="34" charset="0"/>
+            </a:rPr>
+            <a:t>1.Identificar as operações do sistema.</a:t>
+          </a:r>
+        </a:p>
+      </dsp:txBody>
+      <dsp:txXfrm>
+        <a:off x="41230" y="547861"/>
+        <a:ext cx="7988681" cy="762133"/>
+      </dsp:txXfrm>
+    </dsp:sp>
+    <dsp:sp modelId="{62A776EA-CB62-4283-BA83-6D6290ABCA90}">
+      <dsp:nvSpPr>
+        <dsp:cNvPr id="0" name=""/>
+        <dsp:cNvSpPr/>
+      </dsp:nvSpPr>
+      <dsp:spPr>
+        <a:xfrm>
+          <a:off x="0" y="1351224"/>
+          <a:ext cx="8071141" cy="580635"/>
+        </a:xfrm>
+        <a:prstGeom prst="rect">
+          <a:avLst/>
+        </a:prstGeom>
+        <a:noFill/>
+        <a:ln>
+          <a:noFill/>
+        </a:ln>
+        <a:effectLst/>
+      </dsp:spPr>
+      <dsp:style>
+        <a:lnRef idx="0">
+          <a:scrgbClr r="0" g="0" b="0"/>
+        </a:lnRef>
+        <a:fillRef idx="0">
+          <a:scrgbClr r="0" g="0" b="0"/>
+        </a:fillRef>
+        <a:effectRef idx="0">
+          <a:scrgbClr r="0" g="0" b="0"/>
+        </a:effectRef>
+        <a:fontRef idx="minor"/>
+      </dsp:style>
+      <dsp:txBody>
+        <a:bodyPr spcFirstLastPara="0" vert="horz" wrap="square" lIns="256259" tIns="22860" rIns="128016" bIns="22860" numCol="1" spcCol="1270" anchor="t" anchorCtr="0">
+          <a:noAutofit/>
+        </a:bodyPr>
+        <a:lstStyle/>
+        <a:p>
+          <a:pPr marL="171450" lvl="1" indent="-171450" algn="l" defTabSz="800100">
+            <a:lnSpc>
+              <a:spcPct val="90000"/>
+            </a:lnSpc>
+            <a:spcBef>
+              <a:spcPct val="0"/>
+            </a:spcBef>
+            <a:spcAft>
+              <a:spcPct val="20000"/>
+            </a:spcAft>
+            <a:buChar char="•"/>
+          </a:pPr>
+          <a:r>
+            <a:rPr lang="pt-BR" sz="1800" b="1" kern="1200" dirty="0">
+              <a:solidFill>
+                <a:schemeClr val="bg2"/>
+              </a:solidFill>
+              <a:latin typeface="Arial" panose="020B0604020202020204" pitchFamily="34" charset="0"/>
+              <a:cs typeface="Arial" panose="020B0604020202020204" pitchFamily="34" charset="0"/>
+            </a:rPr>
+            <a:t>O que a aplicação irá processar?</a:t>
+          </a:r>
+        </a:p>
+        <a:p>
+          <a:pPr marL="171450" lvl="1" indent="-171450" algn="l" defTabSz="800100">
+            <a:lnSpc>
+              <a:spcPct val="90000"/>
+            </a:lnSpc>
+            <a:spcBef>
+              <a:spcPct val="0"/>
+            </a:spcBef>
+            <a:spcAft>
+              <a:spcPct val="20000"/>
+            </a:spcAft>
+            <a:buChar char="•"/>
+          </a:pPr>
+          <a:r>
+            <a:rPr lang="pt-BR" sz="1800" b="1" kern="1200" dirty="0">
+              <a:solidFill>
+                <a:schemeClr val="bg2"/>
+              </a:solidFill>
+              <a:latin typeface="Arial" panose="020B0604020202020204" pitchFamily="34" charset="0"/>
+              <a:cs typeface="Arial" panose="020B0604020202020204" pitchFamily="34" charset="0"/>
+            </a:rPr>
+            <a:t>Essas Operações se transformam em algum cenário arquitetural.</a:t>
+          </a:r>
+        </a:p>
+      </dsp:txBody>
+      <dsp:txXfrm>
+        <a:off x="0" y="1351224"/>
+        <a:ext cx="8071141" cy="580635"/>
+      </dsp:txXfrm>
+    </dsp:sp>
+    <dsp:sp modelId="{E5331BF7-72DE-4767-B0AA-7B6CBC37120C}">
+      <dsp:nvSpPr>
+        <dsp:cNvPr id="0" name=""/>
+        <dsp:cNvSpPr/>
+      </dsp:nvSpPr>
+      <dsp:spPr>
+        <a:xfrm>
+          <a:off x="0" y="1931859"/>
+          <a:ext cx="8071141" cy="844593"/>
+        </a:xfrm>
+        <a:prstGeom prst="roundRect">
+          <a:avLst/>
+        </a:prstGeom>
+        <a:solidFill>
+          <a:schemeClr val="accent1">
+            <a:hueOff val="0"/>
+            <a:satOff val="0"/>
+            <a:lumOff val="0"/>
+            <a:alphaOff val="0"/>
+          </a:schemeClr>
+        </a:solidFill>
+        <a:ln w="15875" cap="flat" cmpd="sng" algn="ctr">
+          <a:solidFill>
+            <a:schemeClr val="lt1">
+              <a:hueOff val="0"/>
+              <a:satOff val="0"/>
+              <a:lumOff val="0"/>
+              <a:alphaOff val="0"/>
+            </a:schemeClr>
+          </a:solidFill>
+          <a:prstDash val="solid"/>
+        </a:ln>
+        <a:effectLst/>
+      </dsp:spPr>
+      <dsp:style>
+        <a:lnRef idx="2">
+          <a:scrgbClr r="0" g="0" b="0"/>
+        </a:lnRef>
+        <a:fillRef idx="1">
+          <a:scrgbClr r="0" g="0" b="0"/>
+        </a:fillRef>
+        <a:effectRef idx="0">
+          <a:scrgbClr r="0" g="0" b="0"/>
+        </a:effectRef>
+        <a:fontRef idx="minor">
+          <a:schemeClr val="lt1"/>
+        </a:fontRef>
+      </dsp:style>
+      <dsp:txBody>
+        <a:bodyPr spcFirstLastPara="0" vert="horz" wrap="square" lIns="106680" tIns="106680" rIns="106680" bIns="106680" numCol="1" spcCol="1270" anchor="ctr" anchorCtr="0">
+          <a:noAutofit/>
+        </a:bodyPr>
+        <a:lstStyle/>
+        <a:p>
+          <a:pPr marL="0" lvl="0" indent="0" algn="l" defTabSz="1244600">
+            <a:lnSpc>
+              <a:spcPct val="90000"/>
+            </a:lnSpc>
+            <a:spcBef>
+              <a:spcPct val="0"/>
+            </a:spcBef>
+            <a:spcAft>
+              <a:spcPct val="35000"/>
+            </a:spcAft>
+            <a:buNone/>
+          </a:pPr>
+          <a:r>
+            <a:rPr lang="pt-BR" sz="2800" b="1" kern="1200" dirty="0">
+              <a:solidFill>
+                <a:schemeClr val="bg2"/>
+              </a:solidFill>
+              <a:latin typeface="Arial" panose="020B0604020202020204" pitchFamily="34" charset="0"/>
+              <a:cs typeface="Arial" panose="020B0604020202020204" pitchFamily="34" charset="0"/>
+            </a:rPr>
+            <a:t>2. Identificar os Serviços</a:t>
+          </a:r>
+        </a:p>
+      </dsp:txBody>
+      <dsp:txXfrm>
+        <a:off x="41230" y="1973089"/>
+        <a:ext cx="7988681" cy="762133"/>
+      </dsp:txXfrm>
+    </dsp:sp>
+    <dsp:sp modelId="{32043DE5-F5F6-451E-8928-107E30F8F59F}">
+      <dsp:nvSpPr>
+        <dsp:cNvPr id="0" name=""/>
+        <dsp:cNvSpPr/>
+      </dsp:nvSpPr>
+      <dsp:spPr>
+        <a:xfrm>
+          <a:off x="0" y="2776453"/>
+          <a:ext cx="8071141" cy="700177"/>
+        </a:xfrm>
+        <a:prstGeom prst="rect">
+          <a:avLst/>
+        </a:prstGeom>
+        <a:noFill/>
+        <a:ln>
+          <a:noFill/>
+        </a:ln>
+        <a:effectLst/>
+      </dsp:spPr>
+      <dsp:style>
+        <a:lnRef idx="0">
+          <a:scrgbClr r="0" g="0" b="0"/>
+        </a:lnRef>
+        <a:fillRef idx="0">
+          <a:scrgbClr r="0" g="0" b="0"/>
+        </a:fillRef>
+        <a:effectRef idx="0">
+          <a:scrgbClr r="0" g="0" b="0"/>
+        </a:effectRef>
+        <a:fontRef idx="minor"/>
+      </dsp:style>
+      <dsp:txBody>
+        <a:bodyPr spcFirstLastPara="0" vert="horz" wrap="square" lIns="256259" tIns="30480" rIns="170688" bIns="30480" numCol="1" spcCol="1270" anchor="t" anchorCtr="0">
+          <a:noAutofit/>
+        </a:bodyPr>
+        <a:lstStyle/>
+        <a:p>
+          <a:pPr marL="228600" lvl="1" indent="-228600" algn="l" defTabSz="1066800">
+            <a:lnSpc>
+              <a:spcPct val="90000"/>
+            </a:lnSpc>
+            <a:spcBef>
+              <a:spcPct val="0"/>
+            </a:spcBef>
+            <a:spcAft>
+              <a:spcPct val="20000"/>
+            </a:spcAft>
+            <a:buChar char="•"/>
+          </a:pPr>
+          <a:r>
+            <a:rPr lang="pt-BR" sz="2400" b="1" kern="1200" dirty="0">
+              <a:solidFill>
+                <a:schemeClr val="bg2"/>
+              </a:solidFill>
+              <a:latin typeface="Arial" panose="020B0604020202020204" pitchFamily="34" charset="0"/>
+              <a:cs typeface="Arial" panose="020B0604020202020204" pitchFamily="34" charset="0"/>
+            </a:rPr>
+            <a:t>Entrega de agrupamentos em conceitos de negócios.</a:t>
+          </a:r>
+        </a:p>
+      </dsp:txBody>
+      <dsp:txXfrm>
+        <a:off x="0" y="2776453"/>
+        <a:ext cx="8071141" cy="700177"/>
+      </dsp:txXfrm>
+    </dsp:sp>
+    <dsp:sp modelId="{6F960644-0A2E-43E9-AB7F-DE7DEE40754C}">
+      <dsp:nvSpPr>
+        <dsp:cNvPr id="0" name=""/>
+        <dsp:cNvSpPr/>
+      </dsp:nvSpPr>
+      <dsp:spPr>
+        <a:xfrm>
+          <a:off x="0" y="3476631"/>
+          <a:ext cx="8071141" cy="844593"/>
         </a:xfrm>
         <a:prstGeom prst="roundRect">
           <a:avLst/>
@@ -10090,25 +10626,31 @@
             <a:buNone/>
           </a:pPr>
           <a:r>
-            <a:rPr lang="pt-BR" sz="3600" kern="1200" dirty="0"/>
-            <a:t>1.Identificar as operações do sistema.</a:t>
+            <a:rPr lang="pt-BR" sz="3600" b="1" kern="1200" dirty="0">
+              <a:solidFill>
+                <a:schemeClr val="bg2"/>
+              </a:solidFill>
+              <a:latin typeface="Arial" panose="020B0604020202020204" pitchFamily="34" charset="0"/>
+              <a:cs typeface="Arial" panose="020B0604020202020204" pitchFamily="34" charset="0"/>
+            </a:rPr>
+            <a:t>3. Definir APIS e colaboração.</a:t>
           </a:r>
         </a:p>
       </dsp:txBody>
       <dsp:txXfrm>
-        <a:off x="40094" y="96449"/>
-        <a:ext cx="7990953" cy="741151"/>
+        <a:off x="41230" y="3517861"/>
+        <a:ext cx="7988681" cy="762133"/>
       </dsp:txXfrm>
     </dsp:sp>
-    <dsp:sp modelId="{62A776EA-CB62-4283-BA83-6D6290ABCA90}">
+    <dsp:sp modelId="{9CB56D98-95CD-4D7D-9711-2DC1CA731483}">
       <dsp:nvSpPr>
         <dsp:cNvPr id="0" name=""/>
         <dsp:cNvSpPr/>
       </dsp:nvSpPr>
       <dsp:spPr>
         <a:xfrm>
-          <a:off x="0" y="877695"/>
-          <a:ext cx="8071141" cy="1229580"/>
+          <a:off x="0" y="4321224"/>
+          <a:ext cx="8071141" cy="580635"/>
         </a:xfrm>
         <a:prstGeom prst="rect">
           <a:avLst/>
@@ -10132,12 +10674,12 @@
         <a:fontRef idx="minor"/>
       </dsp:style>
       <dsp:txBody>
-        <a:bodyPr spcFirstLastPara="0" vert="horz" wrap="square" lIns="256259" tIns="45720" rIns="256032" bIns="45720" numCol="1" spcCol="1270" anchor="t" anchorCtr="0">
+        <a:bodyPr spcFirstLastPara="0" vert="horz" wrap="square" lIns="256259" tIns="25400" rIns="142240" bIns="25400" numCol="1" spcCol="1270" anchor="t" anchorCtr="0">
           <a:noAutofit/>
         </a:bodyPr>
         <a:lstStyle/>
         <a:p>
-          <a:pPr marL="285750" lvl="1" indent="-285750" algn="l" defTabSz="1244600">
+          <a:pPr marL="228600" lvl="1" indent="-228600" algn="l" defTabSz="889000">
             <a:lnSpc>
               <a:spcPct val="90000"/>
             </a:lnSpc>
@@ -10150,306 +10692,20 @@
             <a:buChar char="•"/>
           </a:pPr>
           <a:r>
-            <a:rPr lang="pt-BR" sz="2800" kern="1200" dirty="0"/>
-            <a:t>O que a aplicação irá processar?</a:t>
-          </a:r>
-        </a:p>
-        <a:p>
-          <a:pPr marL="285750" lvl="1" indent="-285750" algn="l" defTabSz="1244600">
-            <a:lnSpc>
-              <a:spcPct val="90000"/>
-            </a:lnSpc>
-            <a:spcBef>
-              <a:spcPct val="0"/>
-            </a:spcBef>
-            <a:spcAft>
-              <a:spcPct val="20000"/>
-            </a:spcAft>
-            <a:buChar char="•"/>
-          </a:pPr>
-          <a:r>
-            <a:rPr lang="pt-BR" sz="2800" kern="1200" dirty="0"/>
-            <a:t>Essas Operações se transformam em algum cenário arquitetural.</a:t>
-          </a:r>
-        </a:p>
-      </dsp:txBody>
-      <dsp:txXfrm>
-        <a:off x="0" y="877695"/>
-        <a:ext cx="8071141" cy="1229580"/>
-      </dsp:txXfrm>
-    </dsp:sp>
-    <dsp:sp modelId="{E5331BF7-72DE-4767-B0AA-7B6CBC37120C}">
-      <dsp:nvSpPr>
-        <dsp:cNvPr id="0" name=""/>
-        <dsp:cNvSpPr/>
-      </dsp:nvSpPr>
-      <dsp:spPr>
-        <a:xfrm>
-          <a:off x="0" y="2107275"/>
-          <a:ext cx="8071141" cy="821339"/>
-        </a:xfrm>
-        <a:prstGeom prst="roundRect">
-          <a:avLst/>
-        </a:prstGeom>
-        <a:solidFill>
-          <a:schemeClr val="accent1">
-            <a:hueOff val="0"/>
-            <a:satOff val="0"/>
-            <a:lumOff val="0"/>
-            <a:alphaOff val="0"/>
-          </a:schemeClr>
-        </a:solidFill>
-        <a:ln w="15875" cap="flat" cmpd="sng" algn="ctr">
-          <a:solidFill>
-            <a:schemeClr val="lt1">
-              <a:hueOff val="0"/>
-              <a:satOff val="0"/>
-              <a:lumOff val="0"/>
-              <a:alphaOff val="0"/>
-            </a:schemeClr>
-          </a:solidFill>
-          <a:prstDash val="solid"/>
-        </a:ln>
-        <a:effectLst/>
-      </dsp:spPr>
-      <dsp:style>
-        <a:lnRef idx="2">
-          <a:scrgbClr r="0" g="0" b="0"/>
-        </a:lnRef>
-        <a:fillRef idx="1">
-          <a:scrgbClr r="0" g="0" b="0"/>
-        </a:fillRef>
-        <a:effectRef idx="0">
-          <a:scrgbClr r="0" g="0" b="0"/>
-        </a:effectRef>
-        <a:fontRef idx="minor">
-          <a:schemeClr val="lt1"/>
-        </a:fontRef>
-      </dsp:style>
-      <dsp:txBody>
-        <a:bodyPr spcFirstLastPara="0" vert="horz" wrap="square" lIns="137160" tIns="137160" rIns="137160" bIns="137160" numCol="1" spcCol="1270" anchor="ctr" anchorCtr="0">
-          <a:noAutofit/>
-        </a:bodyPr>
-        <a:lstStyle/>
-        <a:p>
-          <a:pPr marL="0" lvl="0" indent="0" algn="l" defTabSz="1600200">
-            <a:lnSpc>
-              <a:spcPct val="90000"/>
-            </a:lnSpc>
-            <a:spcBef>
-              <a:spcPct val="0"/>
-            </a:spcBef>
-            <a:spcAft>
-              <a:spcPct val="35000"/>
-            </a:spcAft>
-            <a:buNone/>
-          </a:pPr>
-          <a:r>
-            <a:rPr lang="pt-BR" sz="3600" kern="1200" dirty="0"/>
-            <a:t>2. Identificar os Serviços</a:t>
-          </a:r>
-        </a:p>
-      </dsp:txBody>
-      <dsp:txXfrm>
-        <a:off x="40094" y="2147369"/>
-        <a:ext cx="7990953" cy="741151"/>
-      </dsp:txXfrm>
-    </dsp:sp>
-    <dsp:sp modelId="{32043DE5-F5F6-451E-8928-107E30F8F59F}">
-      <dsp:nvSpPr>
-        <dsp:cNvPr id="0" name=""/>
-        <dsp:cNvSpPr/>
-      </dsp:nvSpPr>
-      <dsp:spPr>
-        <a:xfrm>
-          <a:off x="0" y="2928615"/>
-          <a:ext cx="8071141" cy="801090"/>
-        </a:xfrm>
-        <a:prstGeom prst="rect">
-          <a:avLst/>
-        </a:prstGeom>
-        <a:noFill/>
-        <a:ln>
-          <a:noFill/>
-        </a:ln>
-        <a:effectLst/>
-      </dsp:spPr>
-      <dsp:style>
-        <a:lnRef idx="0">
-          <a:scrgbClr r="0" g="0" b="0"/>
-        </a:lnRef>
-        <a:fillRef idx="0">
-          <a:scrgbClr r="0" g="0" b="0"/>
-        </a:fillRef>
-        <a:effectRef idx="0">
-          <a:scrgbClr r="0" g="0" b="0"/>
-        </a:effectRef>
-        <a:fontRef idx="minor"/>
-      </dsp:style>
-      <dsp:txBody>
-        <a:bodyPr spcFirstLastPara="0" vert="horz" wrap="square" lIns="256259" tIns="45720" rIns="256032" bIns="45720" numCol="1" spcCol="1270" anchor="t" anchorCtr="0">
-          <a:noAutofit/>
-        </a:bodyPr>
-        <a:lstStyle/>
-        <a:p>
-          <a:pPr marL="285750" lvl="1" indent="-285750" algn="l" defTabSz="1244600">
-            <a:lnSpc>
-              <a:spcPct val="90000"/>
-            </a:lnSpc>
-            <a:spcBef>
-              <a:spcPct val="0"/>
-            </a:spcBef>
-            <a:spcAft>
-              <a:spcPct val="20000"/>
-            </a:spcAft>
-            <a:buChar char="•"/>
-          </a:pPr>
-          <a:r>
-            <a:rPr lang="pt-BR" sz="2800" kern="1200" dirty="0"/>
-            <a:t>Entrega de agrupamentos em conceitos de negócios.</a:t>
-          </a:r>
-        </a:p>
-      </dsp:txBody>
-      <dsp:txXfrm>
-        <a:off x="0" y="2928615"/>
-        <a:ext cx="8071141" cy="801090"/>
-      </dsp:txXfrm>
-    </dsp:sp>
-    <dsp:sp modelId="{6F960644-0A2E-43E9-AB7F-DE7DEE40754C}">
-      <dsp:nvSpPr>
-        <dsp:cNvPr id="0" name=""/>
-        <dsp:cNvSpPr/>
-      </dsp:nvSpPr>
-      <dsp:spPr>
-        <a:xfrm>
-          <a:off x="0" y="3729705"/>
-          <a:ext cx="8071141" cy="821339"/>
-        </a:xfrm>
-        <a:prstGeom prst="roundRect">
-          <a:avLst/>
-        </a:prstGeom>
-        <a:solidFill>
-          <a:schemeClr val="accent1">
-            <a:hueOff val="0"/>
-            <a:satOff val="0"/>
-            <a:lumOff val="0"/>
-            <a:alphaOff val="0"/>
-          </a:schemeClr>
-        </a:solidFill>
-        <a:ln w="15875" cap="flat" cmpd="sng" algn="ctr">
-          <a:solidFill>
-            <a:schemeClr val="lt1">
-              <a:hueOff val="0"/>
-              <a:satOff val="0"/>
-              <a:lumOff val="0"/>
-              <a:alphaOff val="0"/>
-            </a:schemeClr>
-          </a:solidFill>
-          <a:prstDash val="solid"/>
-        </a:ln>
-        <a:effectLst/>
-      </dsp:spPr>
-      <dsp:style>
-        <a:lnRef idx="2">
-          <a:scrgbClr r="0" g="0" b="0"/>
-        </a:lnRef>
-        <a:fillRef idx="1">
-          <a:scrgbClr r="0" g="0" b="0"/>
-        </a:fillRef>
-        <a:effectRef idx="0">
-          <a:scrgbClr r="0" g="0" b="0"/>
-        </a:effectRef>
-        <a:fontRef idx="minor">
-          <a:schemeClr val="lt1"/>
-        </a:fontRef>
-      </dsp:style>
-      <dsp:txBody>
-        <a:bodyPr spcFirstLastPara="0" vert="horz" wrap="square" lIns="137160" tIns="137160" rIns="137160" bIns="137160" numCol="1" spcCol="1270" anchor="ctr" anchorCtr="0">
-          <a:noAutofit/>
-        </a:bodyPr>
-        <a:lstStyle/>
-        <a:p>
-          <a:pPr marL="0" lvl="0" indent="0" algn="l" defTabSz="1600200">
-            <a:lnSpc>
-              <a:spcPct val="90000"/>
-            </a:lnSpc>
-            <a:spcBef>
-              <a:spcPct val="0"/>
-            </a:spcBef>
-            <a:spcAft>
-              <a:spcPct val="35000"/>
-            </a:spcAft>
-            <a:buNone/>
-          </a:pPr>
-          <a:r>
-            <a:rPr lang="pt-BR" sz="3600" kern="1200" dirty="0"/>
-            <a:t>3. Definir APIS e colaboração.</a:t>
-          </a:r>
-        </a:p>
-      </dsp:txBody>
-      <dsp:txXfrm>
-        <a:off x="40094" y="3769799"/>
-        <a:ext cx="7990953" cy="741151"/>
-      </dsp:txXfrm>
-    </dsp:sp>
-    <dsp:sp modelId="{9CB56D98-95CD-4D7D-9711-2DC1CA731483}">
-      <dsp:nvSpPr>
-        <dsp:cNvPr id="0" name=""/>
-        <dsp:cNvSpPr/>
-      </dsp:nvSpPr>
-      <dsp:spPr>
-        <a:xfrm>
-          <a:off x="0" y="4551045"/>
-          <a:ext cx="8071141" cy="801090"/>
-        </a:xfrm>
-        <a:prstGeom prst="rect">
-          <a:avLst/>
-        </a:prstGeom>
-        <a:noFill/>
-        <a:ln>
-          <a:noFill/>
-        </a:ln>
-        <a:effectLst/>
-      </dsp:spPr>
-      <dsp:style>
-        <a:lnRef idx="0">
-          <a:scrgbClr r="0" g="0" b="0"/>
-        </a:lnRef>
-        <a:fillRef idx="0">
-          <a:scrgbClr r="0" g="0" b="0"/>
-        </a:fillRef>
-        <a:effectRef idx="0">
-          <a:scrgbClr r="0" g="0" b="0"/>
-        </a:effectRef>
-        <a:fontRef idx="minor"/>
-      </dsp:style>
-      <dsp:txBody>
-        <a:bodyPr spcFirstLastPara="0" vert="horz" wrap="square" lIns="256259" tIns="45720" rIns="256032" bIns="45720" numCol="1" spcCol="1270" anchor="t" anchorCtr="0">
-          <a:noAutofit/>
-        </a:bodyPr>
-        <a:lstStyle/>
-        <a:p>
-          <a:pPr marL="285750" lvl="1" indent="-285750" algn="l" defTabSz="1244600">
-            <a:lnSpc>
-              <a:spcPct val="90000"/>
-            </a:lnSpc>
-            <a:spcBef>
-              <a:spcPct val="0"/>
-            </a:spcBef>
-            <a:spcAft>
-              <a:spcPct val="20000"/>
-            </a:spcAft>
-            <a:buChar char="•"/>
-          </a:pPr>
-          <a:r>
-            <a:rPr lang="pt-BR" sz="2800" kern="1200" dirty="0"/>
+            <a:rPr lang="pt-BR" sz="2000" b="1" kern="1200" dirty="0">
+              <a:solidFill>
+                <a:schemeClr val="bg2"/>
+              </a:solidFill>
+              <a:latin typeface="Arial" panose="020B0604020202020204" pitchFamily="34" charset="0"/>
+              <a:cs typeface="Arial" panose="020B0604020202020204" pitchFamily="34" charset="0"/>
+            </a:rPr>
             <a:t>Todas as operações devem ser convertidas em APIS dentro do serviço.</a:t>
           </a:r>
         </a:p>
       </dsp:txBody>
       <dsp:txXfrm>
-        <a:off x="0" y="4551045"/>
-        <a:ext cx="8071141" cy="801090"/>
+        <a:off x="0" y="4321224"/>
+        <a:ext cx="8071141" cy="580635"/>
       </dsp:txXfrm>
     </dsp:sp>
   </dsp:spTree>
@@ -10583,7 +10839,7 @@
       </dsp:nvSpPr>
       <dsp:spPr>
         <a:xfrm rot="5400000">
-          <a:off x="1059669" y="135508"/>
+          <a:off x="1094505" y="161627"/>
           <a:ext cx="1817614" cy="1581324"/>
         </a:xfrm>
         <a:prstGeom prst="hexagon">
@@ -10652,7 +10908,7 @@
         </a:p>
       </dsp:txBody>
       <dsp:txXfrm rot="-5400000">
-        <a:off x="1424237" y="300608"/>
+        <a:off x="1459073" y="326727"/>
         <a:ext cx="1088478" cy="1251124"/>
       </dsp:txXfrm>
     </dsp:sp>
@@ -10726,12 +10982,8 @@
             <a:buNone/>
           </a:pPr>
           <a:r>
-            <a:rPr lang="pt-BR" sz="2600" kern="1200" dirty="0" err="1"/>
-            <a:t>Rabbit</a:t>
-          </a:r>
-          <a:r>
             <a:rPr lang="pt-BR" sz="2600" kern="1200" dirty="0"/>
-            <a:t> MQ</a:t>
+            <a:t>Rabbit MQ</a:t>
           </a:r>
         </a:p>
       </dsp:txBody>
@@ -18789,7 +19041,7 @@
           <a:noFill/>
           <a:extLst>
             <a:ext uri="{909E8E84-426E-40dd-AFC4-6F175D3DCCD1}">
-              <a14:hiddenFill xmlns:a14="http://schemas.microsoft.com/office/drawing/2010/main" xmlns="">
+              <a14:hiddenFill xmlns="" xmlns:a14="http://schemas.microsoft.com/office/drawing/2010/main">
                 <a:solidFill>
                   <a:srgbClr val="FFFFFF"/>
                 </a:solidFill>
@@ -18849,7 +19101,7 @@
             </a:ln>
             <a:extLst>
               <a:ext uri="{91240B29-F687-4f45-9708-019B960494DF}">
-                <a14:hiddenLine xmlns:a14="http://schemas.microsoft.com/office/drawing/2010/main" xmlns="" w="9525">
+                <a14:hiddenLine xmlns="" xmlns:a14="http://schemas.microsoft.com/office/drawing/2010/main" w="9525">
                   <a:solidFill>
                     <a:srgbClr val="000000"/>
                   </a:solidFill>
@@ -18939,7 +19191,7 @@
             </a:ln>
             <a:extLst>
               <a:ext uri="{91240B29-F687-4f45-9708-019B960494DF}">
-                <a14:hiddenLine xmlns:a14="http://schemas.microsoft.com/office/drawing/2010/main" xmlns="" w="9525">
+                <a14:hiddenLine xmlns="" xmlns:a14="http://schemas.microsoft.com/office/drawing/2010/main" w="9525">
                   <a:solidFill>
                     <a:srgbClr val="000000"/>
                   </a:solidFill>
@@ -19029,7 +19281,7 @@
             </a:ln>
             <a:extLst>
               <a:ext uri="{91240B29-F687-4f45-9708-019B960494DF}">
-                <a14:hiddenLine xmlns:a14="http://schemas.microsoft.com/office/drawing/2010/main" xmlns="" w="9525">
+                <a14:hiddenLine xmlns="" xmlns:a14="http://schemas.microsoft.com/office/drawing/2010/main" w="9525">
                   <a:solidFill>
                     <a:srgbClr val="000000"/>
                   </a:solidFill>
@@ -19063,7 +19315,7 @@
             </a:ln>
             <a:extLst>
               <a:ext uri="{91240B29-F687-4f45-9708-019B960494DF}">
-                <a14:hiddenLine xmlns:a14="http://schemas.microsoft.com/office/drawing/2010/main" xmlns="" w="9525">
+                <a14:hiddenLine xmlns="" xmlns:a14="http://schemas.microsoft.com/office/drawing/2010/main" w="9525">
                   <a:solidFill>
                     <a:srgbClr val="000000"/>
                   </a:solidFill>
@@ -19153,7 +19405,7 @@
             </a:ln>
             <a:extLst>
               <a:ext uri="{91240B29-F687-4f45-9708-019B960494DF}">
-                <a14:hiddenLine xmlns:a14="http://schemas.microsoft.com/office/drawing/2010/main" xmlns="" w="9525">
+                <a14:hiddenLine xmlns="" xmlns:a14="http://schemas.microsoft.com/office/drawing/2010/main" w="9525">
                   <a:solidFill>
                     <a:srgbClr val="000000"/>
                   </a:solidFill>
@@ -19215,7 +19467,7 @@
             </a:ln>
             <a:extLst>
               <a:ext uri="{91240B29-F687-4f45-9708-019B960494DF}">
-                <a14:hiddenLine xmlns:a14="http://schemas.microsoft.com/office/drawing/2010/main" xmlns="" w="9525">
+                <a14:hiddenLine xmlns="" xmlns:a14="http://schemas.microsoft.com/office/drawing/2010/main" w="9525">
                   <a:solidFill>
                     <a:srgbClr val="000000"/>
                   </a:solidFill>
@@ -19277,7 +19529,7 @@
             </a:ln>
             <a:extLst>
               <a:ext uri="{91240B29-F687-4f45-9708-019B960494DF}">
-                <a14:hiddenLine xmlns:a14="http://schemas.microsoft.com/office/drawing/2010/main" xmlns="" w="9525">
+                <a14:hiddenLine xmlns="" xmlns:a14="http://schemas.microsoft.com/office/drawing/2010/main" w="9525">
                   <a:solidFill>
                     <a:srgbClr val="000000"/>
                   </a:solidFill>
@@ -19367,7 +19619,7 @@
             </a:ln>
             <a:extLst>
               <a:ext uri="{91240B29-F687-4f45-9708-019B960494DF}">
-                <a14:hiddenLine xmlns:a14="http://schemas.microsoft.com/office/drawing/2010/main" xmlns="" w="9525">
+                <a14:hiddenLine xmlns="" xmlns:a14="http://schemas.microsoft.com/office/drawing/2010/main" w="9525">
                   <a:solidFill>
                     <a:srgbClr val="000000"/>
                   </a:solidFill>
@@ -19429,7 +19681,7 @@
             </a:ln>
             <a:extLst>
               <a:ext uri="{91240B29-F687-4f45-9708-019B960494DF}">
-                <a14:hiddenLine xmlns:a14="http://schemas.microsoft.com/office/drawing/2010/main" xmlns="" w="9525">
+                <a14:hiddenLine xmlns="" xmlns:a14="http://schemas.microsoft.com/office/drawing/2010/main" w="9525">
                   <a:solidFill>
                     <a:srgbClr val="000000"/>
                   </a:solidFill>
@@ -19491,7 +19743,7 @@
             </a:ln>
             <a:extLst>
               <a:ext uri="{91240B29-F687-4f45-9708-019B960494DF}">
-                <a14:hiddenLine xmlns:a14="http://schemas.microsoft.com/office/drawing/2010/main" xmlns="" w="9525">
+                <a14:hiddenLine xmlns="" xmlns:a14="http://schemas.microsoft.com/office/drawing/2010/main" w="9525">
                   <a:solidFill>
                     <a:srgbClr val="000000"/>
                   </a:solidFill>
@@ -19581,7 +19833,7 @@
             </a:ln>
             <a:extLst>
               <a:ext uri="{91240B29-F687-4f45-9708-019B960494DF}">
-                <a14:hiddenLine xmlns:a14="http://schemas.microsoft.com/office/drawing/2010/main" xmlns="" w="9525">
+                <a14:hiddenLine xmlns="" xmlns:a14="http://schemas.microsoft.com/office/drawing/2010/main" w="9525">
                   <a:solidFill>
                     <a:srgbClr val="000000"/>
                   </a:solidFill>
@@ -19671,7 +19923,7 @@
             </a:ln>
             <a:extLst>
               <a:ext uri="{91240B29-F687-4f45-9708-019B960494DF}">
-                <a14:hiddenLine xmlns:a14="http://schemas.microsoft.com/office/drawing/2010/main" xmlns="" w="9525">
+                <a14:hiddenLine xmlns="" xmlns:a14="http://schemas.microsoft.com/office/drawing/2010/main" w="9525">
                   <a:solidFill>
                     <a:srgbClr val="000000"/>
                   </a:solidFill>
@@ -19733,7 +19985,7 @@
             </a:ln>
             <a:extLst>
               <a:ext uri="{91240B29-F687-4f45-9708-019B960494DF}">
-                <a14:hiddenLine xmlns:a14="http://schemas.microsoft.com/office/drawing/2010/main" xmlns="" w="9525">
+                <a14:hiddenLine xmlns="" xmlns:a14="http://schemas.microsoft.com/office/drawing/2010/main" w="9525">
                   <a:solidFill>
                     <a:srgbClr val="000000"/>
                   </a:solidFill>
@@ -19843,7 +20095,7 @@
             </a:ln>
             <a:extLst>
               <a:ext uri="{91240B29-F687-4f45-9708-019B960494DF}">
-                <a14:hiddenLine xmlns:a14="http://schemas.microsoft.com/office/drawing/2010/main" xmlns="" w="9525">
+                <a14:hiddenLine xmlns="" xmlns:a14="http://schemas.microsoft.com/office/drawing/2010/main" w="9525">
                   <a:solidFill>
                     <a:srgbClr val="000000"/>
                   </a:solidFill>
@@ -19905,7 +20157,7 @@
             </a:ln>
             <a:extLst>
               <a:ext uri="{91240B29-F687-4f45-9708-019B960494DF}">
-                <a14:hiddenLine xmlns:a14="http://schemas.microsoft.com/office/drawing/2010/main" xmlns="" w="9525">
+                <a14:hiddenLine xmlns="" xmlns:a14="http://schemas.microsoft.com/office/drawing/2010/main" w="9525">
                   <a:solidFill>
                     <a:srgbClr val="000000"/>
                   </a:solidFill>
@@ -19995,7 +20247,7 @@
             </a:ln>
             <a:extLst>
               <a:ext uri="{91240B29-F687-4f45-9708-019B960494DF}">
-                <a14:hiddenLine xmlns:a14="http://schemas.microsoft.com/office/drawing/2010/main" xmlns="" w="9525">
+                <a14:hiddenLine xmlns="" xmlns:a14="http://schemas.microsoft.com/office/drawing/2010/main" w="9525">
                   <a:solidFill>
                     <a:srgbClr val="000000"/>
                   </a:solidFill>
@@ -20085,7 +20337,7 @@
             </a:ln>
             <a:extLst>
               <a:ext uri="{91240B29-F687-4f45-9708-019B960494DF}">
-                <a14:hiddenLine xmlns:a14="http://schemas.microsoft.com/office/drawing/2010/main" xmlns="" w="9525">
+                <a14:hiddenLine xmlns="" xmlns:a14="http://schemas.microsoft.com/office/drawing/2010/main" w="9525">
                   <a:solidFill>
                     <a:srgbClr val="000000"/>
                   </a:solidFill>
@@ -20147,7 +20399,7 @@
             </a:ln>
             <a:extLst>
               <a:ext uri="{91240B29-F687-4f45-9708-019B960494DF}">
-                <a14:hiddenLine xmlns:a14="http://schemas.microsoft.com/office/drawing/2010/main" xmlns="" w="9525">
+                <a14:hiddenLine xmlns="" xmlns:a14="http://schemas.microsoft.com/office/drawing/2010/main" w="9525">
                   <a:solidFill>
                     <a:srgbClr val="000000"/>
                   </a:solidFill>
@@ -20237,7 +20489,7 @@
             </a:ln>
             <a:extLst>
               <a:ext uri="{91240B29-F687-4f45-9708-019B960494DF}">
-                <a14:hiddenLine xmlns:a14="http://schemas.microsoft.com/office/drawing/2010/main" xmlns="" w="9525">
+                <a14:hiddenLine xmlns="" xmlns:a14="http://schemas.microsoft.com/office/drawing/2010/main" w="9525">
                   <a:solidFill>
                     <a:srgbClr val="000000"/>
                   </a:solidFill>
@@ -20327,7 +20579,7 @@
             </a:ln>
             <a:extLst>
               <a:ext uri="{91240B29-F687-4f45-9708-019B960494DF}">
-                <a14:hiddenLine xmlns:a14="http://schemas.microsoft.com/office/drawing/2010/main" xmlns="" w="9525">
+                <a14:hiddenLine xmlns="" xmlns:a14="http://schemas.microsoft.com/office/drawing/2010/main" w="9525">
                   <a:solidFill>
                     <a:srgbClr val="000000"/>
                   </a:solidFill>
@@ -20383,7 +20635,7 @@
             </a:ln>
             <a:extLst>
               <a:ext uri="{91240B29-F687-4f45-9708-019B960494DF}">
-                <a14:hiddenLine xmlns:a14="http://schemas.microsoft.com/office/drawing/2010/main" xmlns="" w="9525">
+                <a14:hiddenLine xmlns="" xmlns:a14="http://schemas.microsoft.com/office/drawing/2010/main" w="9525">
                   <a:solidFill>
                     <a:srgbClr val="000000"/>
                   </a:solidFill>
@@ -20473,7 +20725,7 @@
             </a:ln>
             <a:extLst>
               <a:ext uri="{91240B29-F687-4f45-9708-019B960494DF}">
-                <a14:hiddenLine xmlns:a14="http://schemas.microsoft.com/office/drawing/2010/main" xmlns="" w="9525">
+                <a14:hiddenLine xmlns="" xmlns:a14="http://schemas.microsoft.com/office/drawing/2010/main" w="9525">
                   <a:solidFill>
                     <a:srgbClr val="000000"/>
                   </a:solidFill>
@@ -20529,7 +20781,7 @@
             </a:ln>
             <a:extLst>
               <a:ext uri="{91240B29-F687-4f45-9708-019B960494DF}">
-                <a14:hiddenLine xmlns:a14="http://schemas.microsoft.com/office/drawing/2010/main" xmlns="" w="9525">
+                <a14:hiddenLine xmlns="" xmlns:a14="http://schemas.microsoft.com/office/drawing/2010/main" w="9525">
                   <a:solidFill>
                     <a:srgbClr val="000000"/>
                   </a:solidFill>
@@ -20619,7 +20871,7 @@
             </a:ln>
             <a:extLst>
               <a:ext uri="{91240B29-F687-4f45-9708-019B960494DF}">
-                <a14:hiddenLine xmlns:a14="http://schemas.microsoft.com/office/drawing/2010/main" xmlns="" w="9525">
+                <a14:hiddenLine xmlns="" xmlns:a14="http://schemas.microsoft.com/office/drawing/2010/main" w="9525">
                   <a:solidFill>
                     <a:srgbClr val="000000"/>
                   </a:solidFill>
@@ -20687,7 +20939,7 @@
             </a:ln>
             <a:extLst>
               <a:ext uri="{91240B29-F687-4f45-9708-019B960494DF}">
-                <a14:hiddenLine xmlns:a14="http://schemas.microsoft.com/office/drawing/2010/main" xmlns="" w="9525">
+                <a14:hiddenLine xmlns="" xmlns:a14="http://schemas.microsoft.com/office/drawing/2010/main" w="9525">
                   <a:solidFill>
                     <a:srgbClr val="000000"/>
                   </a:solidFill>
@@ -20777,7 +21029,7 @@
             </a:ln>
             <a:extLst>
               <a:ext uri="{91240B29-F687-4f45-9708-019B960494DF}">
-                <a14:hiddenLine xmlns:a14="http://schemas.microsoft.com/office/drawing/2010/main" xmlns="" w="9525">
+                <a14:hiddenLine xmlns="" xmlns:a14="http://schemas.microsoft.com/office/drawing/2010/main" w="9525">
                   <a:solidFill>
                     <a:srgbClr val="000000"/>
                   </a:solidFill>
@@ -20845,7 +21097,7 @@
             </a:ln>
             <a:extLst>
               <a:ext uri="{91240B29-F687-4f45-9708-019B960494DF}">
-                <a14:hiddenLine xmlns:a14="http://schemas.microsoft.com/office/drawing/2010/main" xmlns="" w="9525">
+                <a14:hiddenLine xmlns="" xmlns:a14="http://schemas.microsoft.com/office/drawing/2010/main" w="9525">
                   <a:solidFill>
                     <a:srgbClr val="000000"/>
                   </a:solidFill>
@@ -20935,7 +21187,7 @@
             </a:ln>
             <a:extLst>
               <a:ext uri="{91240B29-F687-4f45-9708-019B960494DF}">
-                <a14:hiddenLine xmlns:a14="http://schemas.microsoft.com/office/drawing/2010/main" xmlns="" w="9525">
+                <a14:hiddenLine xmlns="" xmlns:a14="http://schemas.microsoft.com/office/drawing/2010/main" w="9525">
                   <a:solidFill>
                     <a:srgbClr val="000000"/>
                   </a:solidFill>
@@ -20969,7 +21221,7 @@
             </a:ln>
             <a:extLst>
               <a:ext uri="{91240B29-F687-4f45-9708-019B960494DF}">
-                <a14:hiddenLine xmlns:a14="http://schemas.microsoft.com/office/drawing/2010/main" xmlns="" w="9525">
+                <a14:hiddenLine xmlns="" xmlns:a14="http://schemas.microsoft.com/office/drawing/2010/main" w="9525">
                   <a:solidFill>
                     <a:srgbClr val="000000"/>
                   </a:solidFill>
@@ -21059,7 +21311,7 @@
             </a:ln>
             <a:extLst>
               <a:ext uri="{91240B29-F687-4f45-9708-019B960494DF}">
-                <a14:hiddenLine xmlns:a14="http://schemas.microsoft.com/office/drawing/2010/main" xmlns="" w="9525">
+                <a14:hiddenLine xmlns="" xmlns:a14="http://schemas.microsoft.com/office/drawing/2010/main" w="9525">
                   <a:solidFill>
                     <a:srgbClr val="000000"/>
                   </a:solidFill>
@@ -21121,7 +21373,7 @@
             </a:ln>
             <a:extLst>
               <a:ext uri="{91240B29-F687-4f45-9708-019B960494DF}">
-                <a14:hiddenLine xmlns:a14="http://schemas.microsoft.com/office/drawing/2010/main" xmlns="" w="9525">
+                <a14:hiddenLine xmlns="" xmlns:a14="http://schemas.microsoft.com/office/drawing/2010/main" w="9525">
                   <a:solidFill>
                     <a:srgbClr val="000000"/>
                   </a:solidFill>
@@ -21183,7 +21435,7 @@
             </a:ln>
             <a:extLst>
               <a:ext uri="{91240B29-F687-4f45-9708-019B960494DF}">
-                <a14:hiddenLine xmlns:a14="http://schemas.microsoft.com/office/drawing/2010/main" xmlns="" w="9525">
+                <a14:hiddenLine xmlns="" xmlns:a14="http://schemas.microsoft.com/office/drawing/2010/main" w="9525">
                   <a:solidFill>
                     <a:srgbClr val="000000"/>
                   </a:solidFill>
@@ -21273,7 +21525,7 @@
             </a:ln>
             <a:extLst>
               <a:ext uri="{91240B29-F687-4f45-9708-019B960494DF}">
-                <a14:hiddenLine xmlns:a14="http://schemas.microsoft.com/office/drawing/2010/main" xmlns="" w="9525">
+                <a14:hiddenLine xmlns="" xmlns:a14="http://schemas.microsoft.com/office/drawing/2010/main" w="9525">
                   <a:solidFill>
                     <a:srgbClr val="000000"/>
                   </a:solidFill>
@@ -21341,7 +21593,7 @@
             </a:ln>
             <a:extLst>
               <a:ext uri="{91240B29-F687-4f45-9708-019B960494DF}">
-                <a14:hiddenLine xmlns:a14="http://schemas.microsoft.com/office/drawing/2010/main" xmlns="" w="9525">
+                <a14:hiddenLine xmlns="" xmlns:a14="http://schemas.microsoft.com/office/drawing/2010/main" w="9525">
                   <a:solidFill>
                     <a:srgbClr val="000000"/>
                   </a:solidFill>
@@ -21403,7 +21655,7 @@
             </a:ln>
             <a:extLst>
               <a:ext uri="{91240B29-F687-4f45-9708-019B960494DF}">
-                <a14:hiddenLine xmlns:a14="http://schemas.microsoft.com/office/drawing/2010/main" xmlns="" w="9525">
+                <a14:hiddenLine xmlns="" xmlns:a14="http://schemas.microsoft.com/office/drawing/2010/main" w="9525">
                   <a:solidFill>
                     <a:srgbClr val="000000"/>
                   </a:solidFill>
@@ -21493,7 +21745,7 @@
             </a:ln>
             <a:extLst>
               <a:ext uri="{91240B29-F687-4f45-9708-019B960494DF}">
-                <a14:hiddenLine xmlns:a14="http://schemas.microsoft.com/office/drawing/2010/main" xmlns="" w="9525">
+                <a14:hiddenLine xmlns="" xmlns:a14="http://schemas.microsoft.com/office/drawing/2010/main" w="9525">
                   <a:solidFill>
                     <a:srgbClr val="000000"/>
                   </a:solidFill>
@@ -21555,7 +21807,7 @@
             </a:ln>
             <a:extLst>
               <a:ext uri="{91240B29-F687-4f45-9708-019B960494DF}">
-                <a14:hiddenLine xmlns:a14="http://schemas.microsoft.com/office/drawing/2010/main" xmlns="" w="9525">
+                <a14:hiddenLine xmlns="" xmlns:a14="http://schemas.microsoft.com/office/drawing/2010/main" w="9525">
                   <a:solidFill>
                     <a:srgbClr val="000000"/>
                   </a:solidFill>
@@ -21645,7 +21897,7 @@
             </a:ln>
             <a:extLst>
               <a:ext uri="{91240B29-F687-4f45-9708-019B960494DF}">
-                <a14:hiddenLine xmlns:a14="http://schemas.microsoft.com/office/drawing/2010/main" xmlns="" w="9525">
+                <a14:hiddenLine xmlns="" xmlns:a14="http://schemas.microsoft.com/office/drawing/2010/main" w="9525">
                   <a:solidFill>
                     <a:srgbClr val="000000"/>
                   </a:solidFill>
@@ -21707,7 +21959,7 @@
             </a:ln>
             <a:extLst>
               <a:ext uri="{91240B29-F687-4f45-9708-019B960494DF}">
-                <a14:hiddenLine xmlns:a14="http://schemas.microsoft.com/office/drawing/2010/main" xmlns="" w="9525">
+                <a14:hiddenLine xmlns="" xmlns:a14="http://schemas.microsoft.com/office/drawing/2010/main" w="9525">
                   <a:solidFill>
                     <a:srgbClr val="000000"/>
                   </a:solidFill>
@@ -21797,7 +22049,7 @@
             </a:ln>
             <a:extLst>
               <a:ext uri="{91240B29-F687-4f45-9708-019B960494DF}">
-                <a14:hiddenLine xmlns:a14="http://schemas.microsoft.com/office/drawing/2010/main" xmlns="" w="9525">
+                <a14:hiddenLine xmlns="" xmlns:a14="http://schemas.microsoft.com/office/drawing/2010/main" w="9525">
                   <a:solidFill>
                     <a:srgbClr val="000000"/>
                   </a:solidFill>
@@ -21831,7 +22083,7 @@
             </a:ln>
             <a:extLst>
               <a:ext uri="{91240B29-F687-4f45-9708-019B960494DF}">
-                <a14:hiddenLine xmlns:a14="http://schemas.microsoft.com/office/drawing/2010/main" xmlns="" w="9525">
+                <a14:hiddenLine xmlns="" xmlns:a14="http://schemas.microsoft.com/office/drawing/2010/main" w="9525">
                   <a:solidFill>
                     <a:srgbClr val="000000"/>
                   </a:solidFill>
@@ -21896,7 +22148,7 @@
             </a:ln>
             <a:extLst>
               <a:ext uri="{91240B29-F687-4f45-9708-019B960494DF}">
-                <a14:hiddenLine xmlns:a14="http://schemas.microsoft.com/office/drawing/2010/main" xmlns="" w="9525">
+                <a14:hiddenLine xmlns="" xmlns:a14="http://schemas.microsoft.com/office/drawing/2010/main" w="9525">
                   <a:solidFill>
                     <a:srgbClr val="000000"/>
                   </a:solidFill>
@@ -21986,7 +22238,7 @@
             </a:ln>
             <a:extLst>
               <a:ext uri="{91240B29-F687-4f45-9708-019B960494DF}">
-                <a14:hiddenLine xmlns:a14="http://schemas.microsoft.com/office/drawing/2010/main" xmlns="" w="9525">
+                <a14:hiddenLine xmlns="" xmlns:a14="http://schemas.microsoft.com/office/drawing/2010/main" w="9525">
                   <a:solidFill>
                     <a:srgbClr val="000000"/>
                   </a:solidFill>
@@ -22048,7 +22300,7 @@
             </a:ln>
             <a:extLst>
               <a:ext uri="{91240B29-F687-4f45-9708-019B960494DF}">
-                <a14:hiddenLine xmlns:a14="http://schemas.microsoft.com/office/drawing/2010/main" xmlns="" w="9525">
+                <a14:hiddenLine xmlns="" xmlns:a14="http://schemas.microsoft.com/office/drawing/2010/main" w="9525">
                   <a:solidFill>
                     <a:srgbClr val="000000"/>
                   </a:solidFill>
@@ -22138,7 +22390,7 @@
             </a:ln>
             <a:extLst>
               <a:ext uri="{91240B29-F687-4f45-9708-019B960494DF}">
-                <a14:hiddenLine xmlns:a14="http://schemas.microsoft.com/office/drawing/2010/main" xmlns="" w="9525">
+                <a14:hiddenLine xmlns="" xmlns:a14="http://schemas.microsoft.com/office/drawing/2010/main" w="9525">
                   <a:solidFill>
                     <a:srgbClr val="000000"/>
                   </a:solidFill>
@@ -22228,7 +22480,7 @@
             </a:ln>
             <a:extLst>
               <a:ext uri="{91240B29-F687-4f45-9708-019B960494DF}">
-                <a14:hiddenLine xmlns:a14="http://schemas.microsoft.com/office/drawing/2010/main" xmlns="" w="9525">
+                <a14:hiddenLine xmlns="" xmlns:a14="http://schemas.microsoft.com/office/drawing/2010/main" w="9525">
                   <a:solidFill>
                     <a:srgbClr val="000000"/>
                   </a:solidFill>
@@ -22293,7 +22545,7 @@
             </a:ln>
             <a:extLst>
               <a:ext uri="{91240B29-F687-4f45-9708-019B960494DF}">
-                <a14:hiddenLine xmlns:a14="http://schemas.microsoft.com/office/drawing/2010/main" xmlns="" w="9525">
+                <a14:hiddenLine xmlns="" xmlns:a14="http://schemas.microsoft.com/office/drawing/2010/main" w="9525">
                   <a:solidFill>
                     <a:srgbClr val="000000"/>
                   </a:solidFill>
@@ -22355,7 +22607,7 @@
             </a:ln>
             <a:extLst>
               <a:ext uri="{91240B29-F687-4f45-9708-019B960494DF}">
-                <a14:hiddenLine xmlns:a14="http://schemas.microsoft.com/office/drawing/2010/main" xmlns="" w="9525">
+                <a14:hiddenLine xmlns="" xmlns:a14="http://schemas.microsoft.com/office/drawing/2010/main" w="9525">
                   <a:solidFill>
                     <a:srgbClr val="000000"/>
                   </a:solidFill>
@@ -22445,7 +22697,7 @@
             </a:ln>
             <a:extLst>
               <a:ext uri="{91240B29-F687-4f45-9708-019B960494DF}">
-                <a14:hiddenLine xmlns:a14="http://schemas.microsoft.com/office/drawing/2010/main" xmlns="" w="9525">
+                <a14:hiddenLine xmlns="" xmlns:a14="http://schemas.microsoft.com/office/drawing/2010/main" w="9525">
                   <a:solidFill>
                     <a:srgbClr val="000000"/>
                   </a:solidFill>
@@ -22535,7 +22787,7 @@
             </a:ln>
             <a:extLst>
               <a:ext uri="{91240B29-F687-4f45-9708-019B960494DF}">
-                <a14:hiddenLine xmlns:a14="http://schemas.microsoft.com/office/drawing/2010/main" xmlns="" w="9525">
+                <a14:hiddenLine xmlns="" xmlns:a14="http://schemas.microsoft.com/office/drawing/2010/main" w="9525">
                   <a:solidFill>
                     <a:srgbClr val="000000"/>
                   </a:solidFill>
@@ -22597,7 +22849,7 @@
             </a:ln>
             <a:extLst>
               <a:ext uri="{91240B29-F687-4f45-9708-019B960494DF}">
-                <a14:hiddenLine xmlns:a14="http://schemas.microsoft.com/office/drawing/2010/main" xmlns="" w="9525">
+                <a14:hiddenLine xmlns="" xmlns:a14="http://schemas.microsoft.com/office/drawing/2010/main" w="9525">
                   <a:solidFill>
                     <a:srgbClr val="000000"/>
                   </a:solidFill>
@@ -22717,7 +22969,7 @@
             </a:ln>
             <a:extLst>
               <a:ext uri="{91240B29-F687-4f45-9708-019B960494DF}">
-                <a14:hiddenLine xmlns:a14="http://schemas.microsoft.com/office/drawing/2010/main" xmlns="" w="9525">
+                <a14:hiddenLine xmlns="" xmlns:a14="http://schemas.microsoft.com/office/drawing/2010/main" w="9525">
                   <a:solidFill>
                     <a:srgbClr val="000000"/>
                   </a:solidFill>
@@ -22785,7 +23037,7 @@
             </a:ln>
             <a:extLst>
               <a:ext uri="{91240B29-F687-4f45-9708-019B960494DF}">
-                <a14:hiddenLine xmlns:a14="http://schemas.microsoft.com/office/drawing/2010/main" xmlns="" w="9525">
+                <a14:hiddenLine xmlns="" xmlns:a14="http://schemas.microsoft.com/office/drawing/2010/main" w="9525">
                   <a:solidFill>
                     <a:srgbClr val="000000"/>
                   </a:solidFill>
@@ -22875,7 +23127,7 @@
             </a:ln>
             <a:extLst>
               <a:ext uri="{91240B29-F687-4f45-9708-019B960494DF}">
-                <a14:hiddenLine xmlns:a14="http://schemas.microsoft.com/office/drawing/2010/main" xmlns="" w="9525">
+                <a14:hiddenLine xmlns="" xmlns:a14="http://schemas.microsoft.com/office/drawing/2010/main" w="9525">
                   <a:solidFill>
                     <a:srgbClr val="000000"/>
                   </a:solidFill>
@@ -23015,7 +23267,7 @@
           <a:p>
             <a:fld id="{6B49D016-B740-4DFC-A36C-0421CCB4D550}" type="datetimeFigureOut">
               <a:rPr lang="pt-BR" smtClean="0"/>
-              <a:t>09/05/2022</a:t>
+              <a:t>10/05/2022</a:t>
             </a:fld>
             <a:endParaRPr lang="pt-BR"/>
           </a:p>
@@ -23282,7 +23534,7 @@
           <a:p>
             <a:fld id="{6B49D016-B740-4DFC-A36C-0421CCB4D550}" type="datetimeFigureOut">
               <a:rPr lang="pt-BR" smtClean="0"/>
-              <a:t>09/05/2022</a:t>
+              <a:t>10/05/2022</a:t>
             </a:fld>
             <a:endParaRPr lang="pt-BR"/>
           </a:p>
@@ -23478,7 +23730,7 @@
           <a:p>
             <a:fld id="{6B49D016-B740-4DFC-A36C-0421CCB4D550}" type="datetimeFigureOut">
               <a:rPr lang="pt-BR" smtClean="0"/>
-              <a:t>09/05/2022</a:t>
+              <a:t>10/05/2022</a:t>
             </a:fld>
             <a:endParaRPr lang="pt-BR"/>
           </a:p>
@@ -23741,7 +23993,7 @@
           <a:p>
             <a:fld id="{6B49D016-B740-4DFC-A36C-0421CCB4D550}" type="datetimeFigureOut">
               <a:rPr lang="pt-BR" smtClean="0"/>
-              <a:t>09/05/2022</a:t>
+              <a:t>10/05/2022</a:t>
             </a:fld>
             <a:endParaRPr lang="pt-BR"/>
           </a:p>
@@ -24175,7 +24427,7 @@
           <a:p>
             <a:fld id="{6B49D016-B740-4DFC-A36C-0421CCB4D550}" type="datetimeFigureOut">
               <a:rPr lang="pt-BR" smtClean="0"/>
-              <a:t>09/05/2022</a:t>
+              <a:t>10/05/2022</a:t>
             </a:fld>
             <a:endParaRPr lang="pt-BR"/>
           </a:p>
@@ -24721,7 +24973,7 @@
           <a:p>
             <a:fld id="{6B49D016-B740-4DFC-A36C-0421CCB4D550}" type="datetimeFigureOut">
               <a:rPr lang="pt-BR" smtClean="0"/>
-              <a:t>09/05/2022</a:t>
+              <a:t>10/05/2022</a:t>
             </a:fld>
             <a:endParaRPr lang="pt-BR"/>
           </a:p>
@@ -25441,7 +25693,7 @@
           <a:p>
             <a:fld id="{6B49D016-B740-4DFC-A36C-0421CCB4D550}" type="datetimeFigureOut">
               <a:rPr lang="pt-BR" smtClean="0"/>
-              <a:t>09/05/2022</a:t>
+              <a:t>10/05/2022</a:t>
             </a:fld>
             <a:endParaRPr lang="pt-BR"/>
           </a:p>
@@ -25611,7 +25863,7 @@
           <a:p>
             <a:fld id="{6B49D016-B740-4DFC-A36C-0421CCB4D550}" type="datetimeFigureOut">
               <a:rPr lang="pt-BR" smtClean="0"/>
-              <a:t>09/05/2022</a:t>
+              <a:t>10/05/2022</a:t>
             </a:fld>
             <a:endParaRPr lang="pt-BR"/>
           </a:p>
@@ -25791,7 +26043,7 @@
           <a:p>
             <a:fld id="{6B49D016-B740-4DFC-A36C-0421CCB4D550}" type="datetimeFigureOut">
               <a:rPr lang="pt-BR" smtClean="0"/>
-              <a:t>09/05/2022</a:t>
+              <a:t>10/05/2022</a:t>
             </a:fld>
             <a:endParaRPr lang="pt-BR"/>
           </a:p>
@@ -26041,7 +26293,7 @@
           <a:p>
             <a:fld id="{6B49D016-B740-4DFC-A36C-0421CCB4D550}" type="datetimeFigureOut">
               <a:rPr lang="pt-BR" smtClean="0"/>
-              <a:t>09/05/2022</a:t>
+              <a:t>10/05/2022</a:t>
             </a:fld>
             <a:endParaRPr lang="pt-BR"/>
           </a:p>
@@ -26211,7 +26463,7 @@
           <a:p>
             <a:fld id="{6B49D016-B740-4DFC-A36C-0421CCB4D550}" type="datetimeFigureOut">
               <a:rPr lang="pt-BR" smtClean="0"/>
-              <a:t>09/05/2022</a:t>
+              <a:t>10/05/2022</a:t>
             </a:fld>
             <a:endParaRPr lang="pt-BR"/>
           </a:p>
@@ -26461,7 +26713,7 @@
           <a:p>
             <a:fld id="{6B49D016-B740-4DFC-A36C-0421CCB4D550}" type="datetimeFigureOut">
               <a:rPr lang="pt-BR" smtClean="0"/>
-              <a:t>09/05/2022</a:t>
+              <a:t>10/05/2022</a:t>
             </a:fld>
             <a:endParaRPr lang="pt-BR"/>
           </a:p>
@@ -26693,7 +26945,7 @@
           <a:p>
             <a:fld id="{6B49D016-B740-4DFC-A36C-0421CCB4D550}" type="datetimeFigureOut">
               <a:rPr lang="pt-BR" smtClean="0"/>
-              <a:t>09/05/2022</a:t>
+              <a:t>10/05/2022</a:t>
             </a:fld>
             <a:endParaRPr lang="pt-BR"/>
           </a:p>
@@ -27074,7 +27326,7 @@
           <a:p>
             <a:fld id="{6B49D016-B740-4DFC-A36C-0421CCB4D550}" type="datetimeFigureOut">
               <a:rPr lang="pt-BR" smtClean="0"/>
-              <a:t>09/05/2022</a:t>
+              <a:t>10/05/2022</a:t>
             </a:fld>
             <a:endParaRPr lang="pt-BR"/>
           </a:p>
@@ -27192,7 +27444,7 @@
           <a:p>
             <a:fld id="{6B49D016-B740-4DFC-A36C-0421CCB4D550}" type="datetimeFigureOut">
               <a:rPr lang="pt-BR" smtClean="0"/>
-              <a:t>09/05/2022</a:t>
+              <a:t>10/05/2022</a:t>
             </a:fld>
             <a:endParaRPr lang="pt-BR"/>
           </a:p>
@@ -27287,7 +27539,7 @@
           <a:p>
             <a:fld id="{6B49D016-B740-4DFC-A36C-0421CCB4D550}" type="datetimeFigureOut">
               <a:rPr lang="pt-BR" smtClean="0"/>
-              <a:t>09/05/2022</a:t>
+              <a:t>10/05/2022</a:t>
             </a:fld>
             <a:endParaRPr lang="pt-BR"/>
           </a:p>
@@ -27536,7 +27788,7 @@
           <a:p>
             <a:fld id="{6B49D016-B740-4DFC-A36C-0421CCB4D550}" type="datetimeFigureOut">
               <a:rPr lang="pt-BR" smtClean="0"/>
-              <a:t>09/05/2022</a:t>
+              <a:t>10/05/2022</a:t>
             </a:fld>
             <a:endParaRPr lang="pt-BR"/>
           </a:p>
@@ -27816,7 +28068,7 @@
           <a:p>
             <a:fld id="{6B49D016-B740-4DFC-A36C-0421CCB4D550}" type="datetimeFigureOut">
               <a:rPr lang="pt-BR" smtClean="0"/>
-              <a:t>09/05/2022</a:t>
+              <a:t>10/05/2022</a:t>
             </a:fld>
             <a:endParaRPr lang="pt-BR"/>
           </a:p>
@@ -27932,7 +28184,7 @@
           <a:noFill/>
           <a:extLst>
             <a:ext uri="{909E8E84-426E-40dd-AFC4-6F175D3DCCD1}">
-              <a14:hiddenFill xmlns:a14="http://schemas.microsoft.com/office/drawing/2010/main" xmlns="">
+              <a14:hiddenFill xmlns="" xmlns:a14="http://schemas.microsoft.com/office/drawing/2010/main">
                 <a:solidFill>
                   <a:srgbClr val="FFFFFF"/>
                 </a:solidFill>
@@ -28006,7 +28258,7 @@
               </a:ln>
               <a:extLst>
                 <a:ext uri="{91240B29-F687-4f45-9708-019B960494DF}">
-                  <a14:hiddenLine xmlns:a14="http://schemas.microsoft.com/office/drawing/2010/main" xmlns="" w="9525">
+                  <a14:hiddenLine xmlns="" xmlns:a14="http://schemas.microsoft.com/office/drawing/2010/main" w="9525">
                     <a:solidFill>
                       <a:srgbClr val="000000"/>
                     </a:solidFill>
@@ -28096,7 +28348,7 @@
               </a:ln>
               <a:extLst>
                 <a:ext uri="{91240B29-F687-4f45-9708-019B960494DF}">
-                  <a14:hiddenLine xmlns:a14="http://schemas.microsoft.com/office/drawing/2010/main" xmlns="" w="9525">
+                  <a14:hiddenLine xmlns="" xmlns:a14="http://schemas.microsoft.com/office/drawing/2010/main" w="9525">
                     <a:solidFill>
                       <a:srgbClr val="000000"/>
                     </a:solidFill>
@@ -28186,7 +28438,7 @@
               </a:ln>
               <a:extLst>
                 <a:ext uri="{91240B29-F687-4f45-9708-019B960494DF}">
-                  <a14:hiddenLine xmlns:a14="http://schemas.microsoft.com/office/drawing/2010/main" xmlns="" w="9525">
+                  <a14:hiddenLine xmlns="" xmlns:a14="http://schemas.microsoft.com/office/drawing/2010/main" w="9525">
                     <a:solidFill>
                       <a:srgbClr val="000000"/>
                     </a:solidFill>
@@ -28248,7 +28500,7 @@
               </a:ln>
               <a:extLst>
                 <a:ext uri="{91240B29-F687-4f45-9708-019B960494DF}">
-                  <a14:hiddenLine xmlns:a14="http://schemas.microsoft.com/office/drawing/2010/main" xmlns="" w="9525">
+                  <a14:hiddenLine xmlns="" xmlns:a14="http://schemas.microsoft.com/office/drawing/2010/main" w="9525">
                     <a:solidFill>
                       <a:srgbClr val="000000"/>
                     </a:solidFill>
@@ -28338,7 +28590,7 @@
               </a:ln>
               <a:extLst>
                 <a:ext uri="{91240B29-F687-4f45-9708-019B960494DF}">
-                  <a14:hiddenLine xmlns:a14="http://schemas.microsoft.com/office/drawing/2010/main" xmlns="" w="9525">
+                  <a14:hiddenLine xmlns="" xmlns:a14="http://schemas.microsoft.com/office/drawing/2010/main" w="9525">
                     <a:solidFill>
                       <a:srgbClr val="000000"/>
                     </a:solidFill>
@@ -28400,7 +28652,7 @@
               </a:ln>
               <a:extLst>
                 <a:ext uri="{91240B29-F687-4f45-9708-019B960494DF}">
-                  <a14:hiddenLine xmlns:a14="http://schemas.microsoft.com/office/drawing/2010/main" xmlns="" w="9525">
+                  <a14:hiddenLine xmlns="" xmlns:a14="http://schemas.microsoft.com/office/drawing/2010/main" w="9525">
                     <a:solidFill>
                       <a:srgbClr val="000000"/>
                     </a:solidFill>
@@ -28462,7 +28714,7 @@
               </a:ln>
               <a:extLst>
                 <a:ext uri="{91240B29-F687-4f45-9708-019B960494DF}">
-                  <a14:hiddenLine xmlns:a14="http://schemas.microsoft.com/office/drawing/2010/main" xmlns="" w="9525">
+                  <a14:hiddenLine xmlns="" xmlns:a14="http://schemas.microsoft.com/office/drawing/2010/main" w="9525">
                     <a:solidFill>
                       <a:srgbClr val="000000"/>
                     </a:solidFill>
@@ -28552,7 +28804,7 @@
               </a:ln>
               <a:extLst>
                 <a:ext uri="{91240B29-F687-4f45-9708-019B960494DF}">
-                  <a14:hiddenLine xmlns:a14="http://schemas.microsoft.com/office/drawing/2010/main" xmlns="" w="9525">
+                  <a14:hiddenLine xmlns="" xmlns:a14="http://schemas.microsoft.com/office/drawing/2010/main" w="9525">
                     <a:solidFill>
                       <a:srgbClr val="000000"/>
                     </a:solidFill>
@@ -28642,7 +28894,7 @@
               </a:ln>
               <a:extLst>
                 <a:ext uri="{91240B29-F687-4f45-9708-019B960494DF}">
-                  <a14:hiddenLine xmlns:a14="http://schemas.microsoft.com/office/drawing/2010/main" xmlns="" w="9525">
+                  <a14:hiddenLine xmlns="" xmlns:a14="http://schemas.microsoft.com/office/drawing/2010/main" w="9525">
                     <a:solidFill>
                       <a:srgbClr val="000000"/>
                     </a:solidFill>
@@ -28704,7 +28956,7 @@
               </a:ln>
               <a:extLst>
                 <a:ext uri="{91240B29-F687-4f45-9708-019B960494DF}">
-                  <a14:hiddenLine xmlns:a14="http://schemas.microsoft.com/office/drawing/2010/main" xmlns="" w="9525">
+                  <a14:hiddenLine xmlns="" xmlns:a14="http://schemas.microsoft.com/office/drawing/2010/main" w="9525">
                     <a:solidFill>
                       <a:srgbClr val="000000"/>
                     </a:solidFill>
@@ -28814,7 +29066,7 @@
               </a:ln>
               <a:extLst>
                 <a:ext uri="{91240B29-F687-4f45-9708-019B960494DF}">
-                  <a14:hiddenLine xmlns:a14="http://schemas.microsoft.com/office/drawing/2010/main" xmlns="" w="9525">
+                  <a14:hiddenLine xmlns="" xmlns:a14="http://schemas.microsoft.com/office/drawing/2010/main" w="9525">
                     <a:solidFill>
                       <a:srgbClr val="000000"/>
                     </a:solidFill>
@@ -28898,7 +29150,7 @@
               </a:ln>
               <a:extLst>
                 <a:ext uri="{91240B29-F687-4f45-9708-019B960494DF}">
-                  <a14:hiddenLine xmlns:a14="http://schemas.microsoft.com/office/drawing/2010/main" xmlns="" w="9525">
+                  <a14:hiddenLine xmlns="" xmlns:a14="http://schemas.microsoft.com/office/drawing/2010/main" w="9525">
                     <a:solidFill>
                       <a:srgbClr val="000000"/>
                     </a:solidFill>
@@ -28960,7 +29212,7 @@
               </a:ln>
               <a:extLst>
                 <a:ext uri="{91240B29-F687-4f45-9708-019B960494DF}">
-                  <a14:hiddenLine xmlns:a14="http://schemas.microsoft.com/office/drawing/2010/main" xmlns="" w="9525">
+                  <a14:hiddenLine xmlns="" xmlns:a14="http://schemas.microsoft.com/office/drawing/2010/main" w="9525">
                     <a:solidFill>
                       <a:srgbClr val="000000"/>
                     </a:solidFill>
@@ -29022,7 +29274,7 @@
               </a:ln>
               <a:extLst>
                 <a:ext uri="{91240B29-F687-4f45-9708-019B960494DF}">
-                  <a14:hiddenLine xmlns:a14="http://schemas.microsoft.com/office/drawing/2010/main" xmlns="" w="9525">
+                  <a14:hiddenLine xmlns="" xmlns:a14="http://schemas.microsoft.com/office/drawing/2010/main" w="9525">
                     <a:solidFill>
                       <a:srgbClr val="000000"/>
                     </a:solidFill>
@@ -29112,7 +29364,7 @@
               </a:ln>
               <a:extLst>
                 <a:ext uri="{91240B29-F687-4f45-9708-019B960494DF}">
-                  <a14:hiddenLine xmlns:a14="http://schemas.microsoft.com/office/drawing/2010/main" xmlns="" w="9525">
+                  <a14:hiddenLine xmlns="" xmlns:a14="http://schemas.microsoft.com/office/drawing/2010/main" w="9525">
                     <a:solidFill>
                       <a:srgbClr val="000000"/>
                     </a:solidFill>
@@ -29146,7 +29398,7 @@
               </a:ln>
               <a:extLst>
                 <a:ext uri="{91240B29-F687-4f45-9708-019B960494DF}">
-                  <a14:hiddenLine xmlns:a14="http://schemas.microsoft.com/office/drawing/2010/main" xmlns="" w="9525">
+                  <a14:hiddenLine xmlns="" xmlns:a14="http://schemas.microsoft.com/office/drawing/2010/main" w="9525">
                     <a:solidFill>
                       <a:srgbClr val="000000"/>
                     </a:solidFill>
@@ -29211,7 +29463,7 @@
               </a:ln>
               <a:extLst>
                 <a:ext uri="{91240B29-F687-4f45-9708-019B960494DF}">
-                  <a14:hiddenLine xmlns:a14="http://schemas.microsoft.com/office/drawing/2010/main" xmlns="" w="9525">
+                  <a14:hiddenLine xmlns="" xmlns:a14="http://schemas.microsoft.com/office/drawing/2010/main" w="9525">
                     <a:solidFill>
                       <a:srgbClr val="000000"/>
                     </a:solidFill>
@@ -29301,7 +29553,7 @@
               </a:ln>
               <a:extLst>
                 <a:ext uri="{91240B29-F687-4f45-9708-019B960494DF}">
-                  <a14:hiddenLine xmlns:a14="http://schemas.microsoft.com/office/drawing/2010/main" xmlns="" w="9525">
+                  <a14:hiddenLine xmlns="" xmlns:a14="http://schemas.microsoft.com/office/drawing/2010/main" w="9525">
                     <a:solidFill>
                       <a:srgbClr val="000000"/>
                     </a:solidFill>
@@ -29363,7 +29615,7 @@
               </a:ln>
               <a:extLst>
                 <a:ext uri="{91240B29-F687-4f45-9708-019B960494DF}">
-                  <a14:hiddenLine xmlns:a14="http://schemas.microsoft.com/office/drawing/2010/main" xmlns="" w="9525">
+                  <a14:hiddenLine xmlns="" xmlns:a14="http://schemas.microsoft.com/office/drawing/2010/main" w="9525">
                     <a:solidFill>
                       <a:srgbClr val="000000"/>
                     </a:solidFill>
@@ -29453,7 +29705,7 @@
               </a:ln>
               <a:extLst>
                 <a:ext uri="{91240B29-F687-4f45-9708-019B960494DF}">
-                  <a14:hiddenLine xmlns:a14="http://schemas.microsoft.com/office/drawing/2010/main" xmlns="" w="9525">
+                  <a14:hiddenLine xmlns="" xmlns:a14="http://schemas.microsoft.com/office/drawing/2010/main" w="9525">
                     <a:solidFill>
                       <a:srgbClr val="000000"/>
                     </a:solidFill>
@@ -29518,7 +29770,7 @@
               </a:ln>
               <a:extLst>
                 <a:ext uri="{91240B29-F687-4f45-9708-019B960494DF}">
-                  <a14:hiddenLine xmlns:a14="http://schemas.microsoft.com/office/drawing/2010/main" xmlns="" w="9525">
+                  <a14:hiddenLine xmlns="" xmlns:a14="http://schemas.microsoft.com/office/drawing/2010/main" w="9525">
                     <a:solidFill>
                       <a:srgbClr val="000000"/>
                     </a:solidFill>
@@ -29580,7 +29832,7 @@
               </a:ln>
               <a:extLst>
                 <a:ext uri="{91240B29-F687-4f45-9708-019B960494DF}">
-                  <a14:hiddenLine xmlns:a14="http://schemas.microsoft.com/office/drawing/2010/main" xmlns="" w="9525">
+                  <a14:hiddenLine xmlns="" xmlns:a14="http://schemas.microsoft.com/office/drawing/2010/main" w="9525">
                     <a:solidFill>
                       <a:srgbClr val="000000"/>
                     </a:solidFill>
@@ -29670,7 +29922,7 @@
               </a:ln>
               <a:extLst>
                 <a:ext uri="{91240B29-F687-4f45-9708-019B960494DF}">
-                  <a14:hiddenLine xmlns:a14="http://schemas.microsoft.com/office/drawing/2010/main" xmlns="" w="9525">
+                  <a14:hiddenLine xmlns="" xmlns:a14="http://schemas.microsoft.com/office/drawing/2010/main" w="9525">
                     <a:solidFill>
                       <a:srgbClr val="000000"/>
                     </a:solidFill>
@@ -29760,7 +30012,7 @@
               </a:ln>
               <a:extLst>
                 <a:ext uri="{91240B29-F687-4f45-9708-019B960494DF}">
-                  <a14:hiddenLine xmlns:a14="http://schemas.microsoft.com/office/drawing/2010/main" xmlns="" w="9525">
+                  <a14:hiddenLine xmlns="" xmlns:a14="http://schemas.microsoft.com/office/drawing/2010/main" w="9525">
                     <a:solidFill>
                       <a:srgbClr val="000000"/>
                     </a:solidFill>
@@ -29825,7 +30077,7 @@
               </a:ln>
               <a:extLst>
                 <a:ext uri="{91240B29-F687-4f45-9708-019B960494DF}">
-                  <a14:hiddenLine xmlns:a14="http://schemas.microsoft.com/office/drawing/2010/main" xmlns="" w="9525">
+                  <a14:hiddenLine xmlns="" xmlns:a14="http://schemas.microsoft.com/office/drawing/2010/main" w="9525">
                     <a:solidFill>
                       <a:srgbClr val="000000"/>
                     </a:solidFill>
@@ -29945,7 +30197,7 @@
               </a:ln>
               <a:extLst>
                 <a:ext uri="{91240B29-F687-4f45-9708-019B960494DF}">
-                  <a14:hiddenLine xmlns:a14="http://schemas.microsoft.com/office/drawing/2010/main" xmlns="" w="9525">
+                  <a14:hiddenLine xmlns="" xmlns:a14="http://schemas.microsoft.com/office/drawing/2010/main" w="9525">
                     <a:solidFill>
                       <a:srgbClr val="000000"/>
                     </a:solidFill>
@@ -30043,7 +30295,7 @@
               </a:ln>
               <a:extLst>
                 <a:ext uri="{91240B29-F687-4f45-9708-019B960494DF}">
-                  <a14:hiddenLine xmlns:a14="http://schemas.microsoft.com/office/drawing/2010/main" xmlns="" w="9525">
+                  <a14:hiddenLine xmlns="" xmlns:a14="http://schemas.microsoft.com/office/drawing/2010/main" w="9525">
                     <a:solidFill>
                       <a:srgbClr val="000000"/>
                     </a:solidFill>
@@ -30158,7 +30410,7 @@
               </a:ln>
               <a:extLst>
                 <a:ext uri="{91240B29-F687-4f45-9708-019B960494DF}">
-                  <a14:hiddenLine xmlns:a14="http://schemas.microsoft.com/office/drawing/2010/main" xmlns="" w="9525">
+                  <a14:hiddenLine xmlns="" xmlns:a14="http://schemas.microsoft.com/office/drawing/2010/main" w="9525">
                     <a:solidFill>
                       <a:srgbClr val="000000"/>
                     </a:solidFill>
@@ -30248,7 +30500,7 @@
               </a:ln>
               <a:extLst>
                 <a:ext uri="{91240B29-F687-4f45-9708-019B960494DF}">
-                  <a14:hiddenLine xmlns:a14="http://schemas.microsoft.com/office/drawing/2010/main" xmlns="" w="9525">
+                  <a14:hiddenLine xmlns="" xmlns:a14="http://schemas.microsoft.com/office/drawing/2010/main" w="9525">
                     <a:solidFill>
                       <a:srgbClr val="000000"/>
                     </a:solidFill>
@@ -30313,7 +30565,7 @@
               </a:ln>
               <a:extLst>
                 <a:ext uri="{91240B29-F687-4f45-9708-019B960494DF}">
-                  <a14:hiddenLine xmlns:a14="http://schemas.microsoft.com/office/drawing/2010/main" xmlns="" w="9525">
+                  <a14:hiddenLine xmlns="" xmlns:a14="http://schemas.microsoft.com/office/drawing/2010/main" w="9525">
                     <a:solidFill>
                       <a:srgbClr val="000000"/>
                     </a:solidFill>
@@ -30403,7 +30655,7 @@
               </a:ln>
               <a:extLst>
                 <a:ext uri="{91240B29-F687-4f45-9708-019B960494DF}">
-                  <a14:hiddenLine xmlns:a14="http://schemas.microsoft.com/office/drawing/2010/main" xmlns="" w="9525">
+                  <a14:hiddenLine xmlns="" xmlns:a14="http://schemas.microsoft.com/office/drawing/2010/main" w="9525">
                     <a:solidFill>
                       <a:srgbClr val="000000"/>
                     </a:solidFill>
@@ -30471,7 +30723,7 @@
               </a:ln>
               <a:extLst>
                 <a:ext uri="{91240B29-F687-4f45-9708-019B960494DF}">
-                  <a14:hiddenLine xmlns:a14="http://schemas.microsoft.com/office/drawing/2010/main" xmlns="" w="9525">
+                  <a14:hiddenLine xmlns="" xmlns:a14="http://schemas.microsoft.com/office/drawing/2010/main" w="9525">
                     <a:solidFill>
                       <a:srgbClr val="000000"/>
                     </a:solidFill>
@@ -30561,7 +30813,7 @@
               </a:ln>
               <a:extLst>
                 <a:ext uri="{91240B29-F687-4f45-9708-019B960494DF}">
-                  <a14:hiddenLine xmlns:a14="http://schemas.microsoft.com/office/drawing/2010/main" xmlns="" w="9525">
+                  <a14:hiddenLine xmlns="" xmlns:a14="http://schemas.microsoft.com/office/drawing/2010/main" w="9525">
                     <a:solidFill>
                       <a:srgbClr val="000000"/>
                     </a:solidFill>
@@ -30629,7 +30881,7 @@
               </a:ln>
               <a:extLst>
                 <a:ext uri="{91240B29-F687-4f45-9708-019B960494DF}">
-                  <a14:hiddenLine xmlns:a14="http://schemas.microsoft.com/office/drawing/2010/main" xmlns="" w="9525">
+                  <a14:hiddenLine xmlns="" xmlns:a14="http://schemas.microsoft.com/office/drawing/2010/main" w="9525">
                     <a:solidFill>
                       <a:srgbClr val="000000"/>
                     </a:solidFill>
@@ -30719,7 +30971,7 @@
               </a:ln>
               <a:extLst>
                 <a:ext uri="{91240B29-F687-4f45-9708-019B960494DF}">
-                  <a14:hiddenLine xmlns:a14="http://schemas.microsoft.com/office/drawing/2010/main" xmlns="" w="9525">
+                  <a14:hiddenLine xmlns="" xmlns:a14="http://schemas.microsoft.com/office/drawing/2010/main" w="9525">
                     <a:solidFill>
                       <a:srgbClr val="000000"/>
                     </a:solidFill>
@@ -30753,7 +31005,7 @@
               </a:ln>
               <a:extLst>
                 <a:ext uri="{91240B29-F687-4f45-9708-019B960494DF}">
-                  <a14:hiddenLine xmlns:a14="http://schemas.microsoft.com/office/drawing/2010/main" xmlns="" w="9525">
+                  <a14:hiddenLine xmlns="" xmlns:a14="http://schemas.microsoft.com/office/drawing/2010/main" w="9525">
                     <a:solidFill>
                       <a:srgbClr val="000000"/>
                     </a:solidFill>
@@ -30893,7 +31145,7 @@
           <a:p>
             <a:fld id="{6B49D016-B740-4DFC-A36C-0421CCB4D550}" type="datetimeFigureOut">
               <a:rPr lang="pt-BR" smtClean="0"/>
-              <a:t>09/05/2022</a:t>
+              <a:t>10/05/2022</a:t>
             </a:fld>
             <a:endParaRPr lang="pt-BR"/>
           </a:p>
@@ -30974,6 +31226,54 @@
               <a:t>‹nº›</a:t>
             </a:fld>
             <a:endParaRPr lang="pt-BR"/>
+          </a:p>
+        </p:txBody>
+      </p:sp>
+      <p:sp>
+        <p:nvSpPr>
+          <p:cNvPr id="48" name="MSIPCMContentMarking" descr="{&quot;HashCode&quot;:-1064623683,&quot;Placement&quot;:&quot;Footer&quot;,&quot;Top&quot;:519.343,&quot;Left&quot;:362.011169,&quot;SlideWidth&quot;:960,&quot;SlideHeight&quot;:540}">
+            <a:extLst>
+              <a:ext uri="{FF2B5EF4-FFF2-40B4-BE49-F238E27FC236}">
+                <a16:creationId xmlns:a16="http://schemas.microsoft.com/office/drawing/2014/main" id="{73BD8E52-2FA3-436F-970B-A9B18307E71F}"/>
+              </a:ext>
+            </a:extLst>
+          </p:cNvPr>
+          <p:cNvSpPr txBox="1"/>
+          <p:nvPr userDrawn="1"/>
+        </p:nvSpPr>
+        <p:spPr>
+          <a:xfrm>
+            <a:off x="4597542" y="6595656"/>
+            <a:ext cx="2996916" cy="262344"/>
+          </a:xfrm>
+          <a:prstGeom prst="rect">
+            <a:avLst/>
+          </a:prstGeom>
+          <a:noFill/>
+        </p:spPr>
+        <p:txBody>
+          <a:bodyPr vert="horz" wrap="square" lIns="0" tIns="0" rIns="0" bIns="0" rtlCol="0" anchor="ctr" anchorCtr="1">
+            <a:spAutoFit/>
+          </a:bodyPr>
+          <a:lstStyle/>
+          <a:p>
+            <a:pPr algn="ctr">
+              <a:spcBef>
+                <a:spcPts val="0"/>
+              </a:spcBef>
+              <a:spcAft>
+                <a:spcPts val="0"/>
+              </a:spcAft>
+            </a:pPr>
+            <a:r>
+              <a:rPr lang="pt-BR" sz="1000">
+                <a:solidFill>
+                  <a:srgbClr val="000000"/>
+                </a:solidFill>
+                <a:latin typeface="Calibri" panose="020F0502020204030204" pitchFamily="34" charset="0"/>
+              </a:rPr>
+              <a:t>INFORMAÇÃO INTERNA – INTERNAL INFORMATION</a:t>
+            </a:r>
           </a:p>
         </p:txBody>
       </p:sp>
@@ -31440,7 +31740,7 @@
           <p:nvPr>
             <p:extLst>
               <p:ext uri="{D42A27DB-BD31-4B8C-83A1-F6EECF244321}">
-                <p14:modId xmlns:p14="http://schemas.microsoft.com/office/powerpoint/2010/main" val="620948778"/>
+                <p14:modId xmlns:p14="http://schemas.microsoft.com/office/powerpoint/2010/main" val="91844407"/>
               </p:ext>
             </p:extLst>
           </p:nvPr>
@@ -31498,13 +31798,13 @@
           <p:nvPr>
             <p:extLst>
               <p:ext uri="{D42A27DB-BD31-4B8C-83A1-F6EECF244321}">
-                <p14:modId xmlns:p14="http://schemas.microsoft.com/office/powerpoint/2010/main" val="470526272"/>
+                <p14:modId xmlns:p14="http://schemas.microsoft.com/office/powerpoint/2010/main" val="2571288613"/>
               </p:ext>
             </p:extLst>
           </p:nvPr>
         </p:nvGraphicFramePr>
         <p:xfrm>
-          <a:off x="1956499" y="635776"/>
+          <a:off x="2032000" y="566107"/>
           <a:ext cx="8128000" cy="5418667"/>
         </p:xfrm>
         <a:graphic>
@@ -31556,13 +31856,13 @@
           <p:nvPr>
             <p:extLst>
               <p:ext uri="{D42A27DB-BD31-4B8C-83A1-F6EECF244321}">
-                <p14:modId xmlns:p14="http://schemas.microsoft.com/office/powerpoint/2010/main" val="1293606332"/>
+                <p14:modId xmlns:p14="http://schemas.microsoft.com/office/powerpoint/2010/main" val="2927106324"/>
               </p:ext>
             </p:extLst>
           </p:nvPr>
         </p:nvGraphicFramePr>
         <p:xfrm>
-          <a:off x="2088858" y="729842"/>
+          <a:off x="2219487" y="198619"/>
           <a:ext cx="8071141" cy="5408491"/>
         </p:xfrm>
         <a:graphic>
@@ -31620,34 +31920,86 @@
         <p:spPr/>
         <p:txBody>
           <a:bodyPr>
-            <a:normAutofit fontScale="90000"/>
+            <a:normAutofit/>
           </a:bodyPr>
           <a:lstStyle/>
           <a:p>
+            <a:pPr algn="ctr"/>
             <a:r>
-              <a:rPr lang="pt-BR" dirty="0"/>
+              <a:rPr lang="pt-BR" sz="2000" b="1" dirty="0">
+                <a:solidFill>
+                  <a:schemeClr val="bg2"/>
+                </a:solidFill>
+                <a:latin typeface="Arial" panose="020B0604020202020204" pitchFamily="34" charset="0"/>
+                <a:cs typeface="Arial" panose="020B0604020202020204" pitchFamily="34" charset="0"/>
+              </a:rPr>
               <a:t>DDD – Domain </a:t>
             </a:r>
             <a:r>
-              <a:rPr lang="pt-BR" dirty="0" err="1"/>
+              <a:rPr lang="pt-BR" sz="2000" b="1" dirty="0" err="1">
+                <a:solidFill>
+                  <a:schemeClr val="bg2"/>
+                </a:solidFill>
+                <a:latin typeface="Arial" panose="020B0604020202020204" pitchFamily="34" charset="0"/>
+                <a:cs typeface="Arial" panose="020B0604020202020204" pitchFamily="34" charset="0"/>
+              </a:rPr>
               <a:t>driven</a:t>
             </a:r>
             <a:r>
-              <a:rPr lang="pt-BR" dirty="0"/>
+              <a:rPr lang="pt-BR" sz="2000" b="1" dirty="0">
+                <a:solidFill>
+                  <a:schemeClr val="bg2"/>
+                </a:solidFill>
+                <a:latin typeface="Arial" panose="020B0604020202020204" pitchFamily="34" charset="0"/>
+                <a:cs typeface="Arial" panose="020B0604020202020204" pitchFamily="34" charset="0"/>
+              </a:rPr>
               <a:t> design</a:t>
             </a:r>
             <a:br>
-              <a:rPr lang="pt-BR" dirty="0"/>
+              <a:rPr lang="pt-BR" sz="2000" b="1" dirty="0">
+                <a:solidFill>
+                  <a:schemeClr val="bg2"/>
+                </a:solidFill>
+                <a:latin typeface="Arial" panose="020B0604020202020204" pitchFamily="34" charset="0"/>
+                <a:cs typeface="Arial" panose="020B0604020202020204" pitchFamily="34" charset="0"/>
+              </a:rPr>
+            </a:br>
+            <a:br>
+              <a:rPr lang="pt-BR" sz="2000" b="1" dirty="0">
+                <a:solidFill>
+                  <a:schemeClr val="bg2"/>
+                </a:solidFill>
+                <a:latin typeface="Arial" panose="020B0604020202020204" pitchFamily="34" charset="0"/>
+                <a:cs typeface="Arial" panose="020B0604020202020204" pitchFamily="34" charset="0"/>
+              </a:rPr>
             </a:br>
             <a:r>
-              <a:rPr lang="pt-BR" dirty="0"/>
+              <a:rPr lang="pt-BR" sz="2000" b="1" dirty="0">
+                <a:solidFill>
+                  <a:schemeClr val="bg2"/>
+                </a:solidFill>
+                <a:latin typeface="Arial" panose="020B0604020202020204" pitchFamily="34" charset="0"/>
+                <a:cs typeface="Arial" panose="020B0604020202020204" pitchFamily="34" charset="0"/>
+              </a:rPr>
               <a:t>Abordagem para construir sistemas complexos.</a:t>
             </a:r>
             <a:br>
-              <a:rPr lang="pt-BR" dirty="0"/>
+              <a:rPr lang="pt-BR" sz="2000" b="1" dirty="0">
+                <a:solidFill>
+                  <a:schemeClr val="bg2"/>
+                </a:solidFill>
+                <a:latin typeface="Arial" panose="020B0604020202020204" pitchFamily="34" charset="0"/>
+                <a:cs typeface="Arial" panose="020B0604020202020204" pitchFamily="34" charset="0"/>
+              </a:rPr>
             </a:br>
             <a:r>
-              <a:rPr lang="pt-BR" dirty="0"/>
+              <a:rPr lang="pt-BR" sz="2000" b="1" dirty="0">
+                <a:solidFill>
+                  <a:schemeClr val="bg2"/>
+                </a:solidFill>
+                <a:latin typeface="Arial" panose="020B0604020202020204" pitchFamily="34" charset="0"/>
+                <a:cs typeface="Arial" panose="020B0604020202020204" pitchFamily="34" charset="0"/>
+              </a:rPr>
               <a:t>Padrão orientado a modelagem de software de acordo com os domínios de negócio.</a:t>
             </a:r>
           </a:p>
@@ -31677,8 +32029,8 @@
         </p:blipFill>
         <p:spPr>
           <a:xfrm>
-            <a:off x="3439994" y="2872061"/>
-            <a:ext cx="1778923" cy="2717800"/>
+            <a:off x="2428185" y="2516777"/>
+            <a:ext cx="2011472" cy="3073084"/>
           </a:xfrm>
         </p:spPr>
       </p:pic>
@@ -31706,8 +32058,8 @@
         </p:blipFill>
         <p:spPr>
           <a:xfrm>
-            <a:off x="7752344" y="2872061"/>
-            <a:ext cx="1785627" cy="2717800"/>
+            <a:off x="7387163" y="2516777"/>
+            <a:ext cx="2011471" cy="3061544"/>
           </a:xfrm>
         </p:spPr>
       </p:pic>
@@ -31765,12 +32117,18 @@
         </p:spPr>
         <p:txBody>
           <a:bodyPr>
-            <a:normAutofit fontScale="90000"/>
+            <a:normAutofit/>
           </a:bodyPr>
           <a:lstStyle/>
           <a:p>
             <a:r>
-              <a:rPr lang="pt-BR" dirty="0"/>
+              <a:rPr lang="pt-BR" sz="3600" b="1" dirty="0">
+                <a:solidFill>
+                  <a:srgbClr val="002060"/>
+                </a:solidFill>
+                <a:latin typeface="Arial" panose="020B0604020202020204" pitchFamily="34" charset="0"/>
+                <a:cs typeface="Arial" panose="020B0604020202020204" pitchFamily="34" charset="0"/>
+              </a:rPr>
               <a:t>ACID e MICROSSERVIÇOS</a:t>
             </a:r>
           </a:p>
@@ -31800,59 +32158,129 @@
         </p:spPr>
         <p:txBody>
           <a:bodyPr>
-            <a:normAutofit fontScale="85000" lnSpcReduction="10000"/>
+            <a:normAutofit fontScale="77500" lnSpcReduction="20000"/>
           </a:bodyPr>
           <a:lstStyle/>
           <a:p>
             <a:r>
-              <a:rPr lang="pt-BR" dirty="0"/>
-              <a:t>A – ATOMICIDADE</a:t>
+              <a:rPr lang="pt-BR" b="1" dirty="0">
+                <a:solidFill>
+                  <a:schemeClr val="bg2">
+                    <a:lumMod val="50000"/>
+                  </a:schemeClr>
+                </a:solidFill>
+                <a:latin typeface="Arial" panose="020B0604020202020204" pitchFamily="34" charset="0"/>
+                <a:cs typeface="Arial" panose="020B0604020202020204" pitchFamily="34" charset="0"/>
+              </a:rPr>
+              <a:t>A - ATOMICIDADE</a:t>
             </a:r>
           </a:p>
           <a:p>
             <a:r>
-              <a:rPr lang="pt-BR" dirty="0"/>
-              <a:t>Todas as mudanças de dados devem ocorrer com sucesso ou falha.</a:t>
+              <a:rPr lang="pt-BR" b="1" dirty="0">
+                <a:solidFill>
+                  <a:schemeClr val="bg2">
+                    <a:lumMod val="50000"/>
+                  </a:schemeClr>
+                </a:solidFill>
+                <a:latin typeface="Arial" panose="020B0604020202020204" pitchFamily="34" charset="0"/>
+                <a:cs typeface="Arial" panose="020B0604020202020204" pitchFamily="34" charset="0"/>
+              </a:rPr>
+              <a:t>                Todas as mudanças de dados devem ocorrer com sucesso ou 	falha.</a:t>
             </a:r>
           </a:p>
           <a:p>
             <a:r>
-              <a:rPr lang="pt-BR" dirty="0"/>
-              <a:t>C – Consistência</a:t>
+              <a:rPr lang="pt-BR" b="1" dirty="0">
+                <a:solidFill>
+                  <a:schemeClr val="bg2">
+                    <a:lumMod val="50000"/>
+                  </a:schemeClr>
+                </a:solidFill>
+                <a:latin typeface="Arial" panose="020B0604020202020204" pitchFamily="34" charset="0"/>
+                <a:cs typeface="Arial" panose="020B0604020202020204" pitchFamily="34" charset="0"/>
+              </a:rPr>
+              <a:t>C - Consistência</a:t>
             </a:r>
           </a:p>
           <a:p>
             <a:r>
-              <a:rPr lang="pt-BR" dirty="0"/>
-              <a:t>Os dados devem estar em um estado consistente antes e depois da transação.</a:t>
+              <a:rPr lang="pt-BR" b="1" dirty="0">
+                <a:solidFill>
+                  <a:schemeClr val="bg2">
+                    <a:lumMod val="50000"/>
+                  </a:schemeClr>
+                </a:solidFill>
+                <a:latin typeface="Arial" panose="020B0604020202020204" pitchFamily="34" charset="0"/>
+                <a:cs typeface="Arial" panose="020B0604020202020204" pitchFamily="34" charset="0"/>
+              </a:rPr>
+              <a:t>                Os dados devem estar em um estado consistente antes e depois 	da transação.</a:t>
             </a:r>
           </a:p>
           <a:p>
             <a:r>
-              <a:rPr lang="pt-BR" dirty="0"/>
-              <a:t>I – Isolamento</a:t>
+              <a:rPr lang="pt-BR" b="1" dirty="0">
+                <a:solidFill>
+                  <a:schemeClr val="bg2">
+                    <a:lumMod val="50000"/>
+                  </a:schemeClr>
+                </a:solidFill>
+                <a:latin typeface="Arial" panose="020B0604020202020204" pitchFamily="34" charset="0"/>
+                <a:cs typeface="Arial" panose="020B0604020202020204" pitchFamily="34" charset="0"/>
+              </a:rPr>
+              <a:t>I - Isolamento</a:t>
             </a:r>
           </a:p>
           <a:p>
             <a:r>
-              <a:rPr lang="pt-BR" dirty="0"/>
-              <a:t>Nenhum outro processo pode alterar o dado enquanto ocorre a transação.</a:t>
+              <a:rPr lang="pt-BR" b="1" dirty="0">
+                <a:solidFill>
+                  <a:schemeClr val="bg2">
+                    <a:lumMod val="50000"/>
+                  </a:schemeClr>
+                </a:solidFill>
+                <a:latin typeface="Arial" panose="020B0604020202020204" pitchFamily="34" charset="0"/>
+                <a:cs typeface="Arial" panose="020B0604020202020204" pitchFamily="34" charset="0"/>
+              </a:rPr>
+              <a:t>	Nenhum outro processo pode alterar o dado enquanto ocorre 	a transação.</a:t>
             </a:r>
           </a:p>
           <a:p>
             <a:r>
-              <a:rPr lang="pt-BR" dirty="0"/>
-              <a:t>D- durabilidade</a:t>
+              <a:rPr lang="pt-BR" b="1" dirty="0">
+                <a:solidFill>
+                  <a:schemeClr val="bg2">
+                    <a:lumMod val="50000"/>
+                  </a:schemeClr>
+                </a:solidFill>
+                <a:latin typeface="Arial" panose="020B0604020202020204" pitchFamily="34" charset="0"/>
+                <a:cs typeface="Arial" panose="020B0604020202020204" pitchFamily="34" charset="0"/>
+              </a:rPr>
+              <a:t>D - durabilidade</a:t>
             </a:r>
           </a:p>
           <a:p>
             <a:r>
-              <a:rPr lang="pt-BR" dirty="0"/>
-              <a:t>as alterações feitas por uma transação devem persistir</a:t>
+              <a:rPr lang="pt-BR" b="1" dirty="0">
+                <a:solidFill>
+                  <a:schemeClr val="bg2">
+                    <a:lumMod val="50000"/>
+                  </a:schemeClr>
+                </a:solidFill>
+                <a:latin typeface="Arial" panose="020B0604020202020204" pitchFamily="34" charset="0"/>
+                <a:cs typeface="Arial" panose="020B0604020202020204" pitchFamily="34" charset="0"/>
+              </a:rPr>
+              <a:t>	as alterações feitas por uma transação devem persistir</a:t>
             </a:r>
           </a:p>
           <a:p>
-            <a:endParaRPr lang="pt-BR" dirty="0"/>
+            <a:endParaRPr lang="pt-BR" b="1" dirty="0">
+              <a:solidFill>
+                <a:schemeClr val="bg2"/>
+              </a:solidFill>
+              <a:latin typeface="Arial" panose="020B0604020202020204" pitchFamily="34" charset="0"/>
+              <a:cs typeface="Arial" panose="020B0604020202020204" pitchFamily="34" charset="0"/>
+            </a:endParaRPr>
           </a:p>
           <a:p>
             <a:endParaRPr lang="pt-BR" dirty="0"/>
@@ -31911,30 +32339,65 @@
             <p:ph type="title"/>
           </p:nvPr>
         </p:nvSpPr>
-        <p:spPr/>
+        <p:spPr>
+          <a:xfrm>
+            <a:off x="1515881" y="235373"/>
+            <a:ext cx="9905998" cy="1478570"/>
+          </a:xfrm>
+        </p:spPr>
         <p:txBody>
           <a:bodyPr>
-            <a:normAutofit fontScale="90000"/>
+            <a:normAutofit/>
           </a:bodyPr>
           <a:lstStyle/>
           <a:p>
             <a:r>
-              <a:rPr lang="pt-BR" dirty="0"/>
-              <a:t>Latência de rede</a:t>
+              <a:rPr lang="pt-BR" b="1" dirty="0">
+                <a:solidFill>
+                  <a:schemeClr val="bg2"/>
+                </a:solidFill>
+                <a:latin typeface="Arial" panose="020B0604020202020204" pitchFamily="34" charset="0"/>
+                <a:cs typeface="Arial" panose="020B0604020202020204" pitchFamily="34" charset="0"/>
+              </a:rPr>
+              <a:t>         Latência de rede</a:t>
             </a:r>
             <a:br>
-              <a:rPr lang="pt-BR" dirty="0"/>
+              <a:rPr lang="pt-BR" b="1" dirty="0">
+                <a:solidFill>
+                  <a:schemeClr val="bg2"/>
+                </a:solidFill>
+                <a:latin typeface="Arial" panose="020B0604020202020204" pitchFamily="34" charset="0"/>
+                <a:cs typeface="Arial" panose="020B0604020202020204" pitchFamily="34" charset="0"/>
+              </a:rPr>
             </a:br>
             <a:r>
-              <a:rPr lang="pt-BR" dirty="0"/>
+              <a:rPr lang="pt-BR" sz="2200" b="1" dirty="0">
+                <a:solidFill>
+                  <a:schemeClr val="bg2"/>
+                </a:solidFill>
+                <a:latin typeface="Arial" panose="020B0604020202020204" pitchFamily="34" charset="0"/>
+                <a:cs typeface="Arial" panose="020B0604020202020204" pitchFamily="34" charset="0"/>
+              </a:rPr>
               <a:t>deve-se evitar a ida e vinda de dados em excesso.</a:t>
             </a:r>
             <a:br>
-              <a:rPr lang="pt-BR" dirty="0"/>
+              <a:rPr lang="pt-BR" sz="2200" b="1" dirty="0">
+                <a:solidFill>
+                  <a:schemeClr val="bg2"/>
+                </a:solidFill>
+                <a:latin typeface="Arial" panose="020B0604020202020204" pitchFamily="34" charset="0"/>
+                <a:cs typeface="Arial" panose="020B0604020202020204" pitchFamily="34" charset="0"/>
+              </a:rPr>
             </a:br>
             <a:r>
-              <a:rPr lang="pt-BR" dirty="0"/>
-              <a:t>Sempre atento as estratégias.</a:t>
+              <a:rPr lang="pt-BR" sz="2200" b="1" dirty="0">
+                <a:solidFill>
+                  <a:schemeClr val="bg2"/>
+                </a:solidFill>
+                <a:latin typeface="Arial" panose="020B0604020202020204" pitchFamily="34" charset="0"/>
+                <a:cs typeface="Arial" panose="020B0604020202020204" pitchFamily="34" charset="0"/>
+              </a:rPr>
+              <a:t>Sempre ATENÇÂO as estratégias.</a:t>
             </a:r>
           </a:p>
         </p:txBody>
@@ -31963,7 +32426,7 @@
         </p:blipFill>
         <p:spPr>
           <a:xfrm>
-            <a:off x="1482436" y="2266266"/>
+            <a:off x="2656947" y="2542205"/>
             <a:ext cx="5885136" cy="3541712"/>
           </a:xfrm>
         </p:spPr>
@@ -31982,8 +32445,8 @@
         </p:nvSpPr>
         <p:spPr>
           <a:xfrm>
-            <a:off x="7801761" y="2505670"/>
-            <a:ext cx="4001550" cy="923330"/>
+            <a:off x="3265834" y="1709562"/>
+            <a:ext cx="5042144" cy="830997"/>
           </a:xfrm>
           <a:prstGeom prst="rect">
             <a:avLst/>
@@ -31997,8 +32460,16 @@
           <a:lstStyle/>
           <a:p>
             <a:r>
-              <a:rPr lang="pt-BR" dirty="0"/>
-              <a:t>A requisição desse serviço através de um celular no wifi para carregar, faz as requisições para todas essas APIS.</a:t>
+              <a:rPr lang="pt-BR" sz="1600" b="1" dirty="0">
+                <a:solidFill>
+                  <a:schemeClr val="bg2">
+                    <a:lumMod val="75000"/>
+                  </a:schemeClr>
+                </a:solidFill>
+                <a:latin typeface="Arial" panose="020B0604020202020204" pitchFamily="34" charset="0"/>
+                <a:cs typeface="Arial" panose="020B0604020202020204" pitchFamily="34" charset="0"/>
+              </a:rPr>
+              <a:t>A requisição desse serviço através de um celular no wifi/rede móvel , faz as requisições para todas essas APIS , isso torna a resposta lenta.</a:t>
             </a:r>
           </a:p>
         </p:txBody>
@@ -32055,8 +32526,8 @@
         </p:blipFill>
         <p:spPr>
           <a:xfrm>
-            <a:off x="1657149" y="1577671"/>
-            <a:ext cx="8900066" cy="4547702"/>
+            <a:off x="2016869" y="1471748"/>
+            <a:ext cx="8357465" cy="4270447"/>
           </a:xfrm>
           <a:prstGeom prst="rect">
             <a:avLst/>
@@ -32077,8 +32548,8 @@
         </p:nvSpPr>
         <p:spPr>
           <a:xfrm>
-            <a:off x="1657149" y="654341"/>
-            <a:ext cx="3129093" cy="923330"/>
+            <a:off x="1779069" y="549838"/>
+            <a:ext cx="7852611" cy="646331"/>
           </a:xfrm>
           <a:prstGeom prst="rect">
             <a:avLst/>
@@ -32092,7 +32563,13 @@
           <a:lstStyle/>
           <a:p>
             <a:r>
-              <a:rPr lang="pt-BR" dirty="0"/>
+              <a:rPr lang="pt-BR" b="1" dirty="0">
+                <a:solidFill>
+                  <a:schemeClr val="bg2"/>
+                </a:solidFill>
+                <a:latin typeface="Arial" panose="020B0604020202020204" pitchFamily="34" charset="0"/>
+                <a:cs typeface="Arial" panose="020B0604020202020204" pitchFamily="34" charset="0"/>
+              </a:rPr>
               <a:t>Estratégia onde uma requisição faz as demais solicitações , evitando carregamento lento.</a:t>
             </a:r>
           </a:p>
@@ -32154,8 +32631,15 @@
           <a:bodyPr/>
           <a:lstStyle/>
           <a:p>
+            <a:pPr algn="ctr"/>
             <a:r>
-              <a:rPr lang="pt-BR" dirty="0"/>
+              <a:rPr lang="pt-BR" b="1" dirty="0">
+                <a:solidFill>
+                  <a:schemeClr val="bg2"/>
+                </a:solidFill>
+                <a:latin typeface="Arial" panose="020B0604020202020204" pitchFamily="34" charset="0"/>
+                <a:cs typeface="Arial" panose="020B0604020202020204" pitchFamily="34" charset="0"/>
+              </a:rPr>
               <a:t>Tipos de comunicação</a:t>
             </a:r>
           </a:p>
@@ -32185,12 +32669,18 @@
         </p:spPr>
         <p:txBody>
           <a:bodyPr>
-            <a:normAutofit fontScale="62500" lnSpcReduction="20000"/>
+            <a:noAutofit/>
           </a:bodyPr>
           <a:lstStyle/>
           <a:p>
             <a:r>
-              <a:rPr lang="pt-BR" dirty="0"/>
+              <a:rPr lang="pt-BR" b="1" dirty="0">
+                <a:solidFill>
+                  <a:schemeClr val="bg2"/>
+                </a:solidFill>
+                <a:latin typeface="Arial" panose="020B0604020202020204" pitchFamily="34" charset="0"/>
+                <a:cs typeface="Arial" panose="020B0604020202020204" pitchFamily="34" charset="0"/>
+              </a:rPr>
               <a:t>Síncrona</a:t>
             </a:r>
           </a:p>
@@ -32220,8 +32710,8 @@
         </p:blipFill>
         <p:spPr>
           <a:xfrm>
-            <a:off x="2223083" y="2580000"/>
-            <a:ext cx="7751427" cy="3588065"/>
+            <a:off x="1715588" y="2315665"/>
+            <a:ext cx="8107680" cy="3752971"/>
           </a:xfrm>
         </p:spPr>
       </p:pic>
@@ -32239,8 +32729,8 @@
         </p:nvSpPr>
         <p:spPr>
           <a:xfrm>
-            <a:off x="1367406" y="1287583"/>
-            <a:ext cx="7977932" cy="369332"/>
+            <a:off x="1367406" y="1356568"/>
+            <a:ext cx="7977932" cy="338554"/>
           </a:xfrm>
           <a:prstGeom prst="rect">
             <a:avLst/>
@@ -32254,7 +32744,13 @@
           <a:lstStyle/>
           <a:p>
             <a:r>
-              <a:rPr lang="pt-BR" dirty="0"/>
+              <a:rPr lang="pt-BR" sz="1600" b="1" dirty="0">
+                <a:solidFill>
+                  <a:schemeClr val="bg2"/>
+                </a:solidFill>
+                <a:latin typeface="Arial" panose="020B0604020202020204" pitchFamily="34" charset="0"/>
+                <a:cs typeface="Arial" panose="020B0604020202020204" pitchFamily="34" charset="0"/>
+              </a:rPr>
               <a:t>Quando é realizada uma requisição e o sistema trava até ocorrer uma resposta.</a:t>
             </a:r>
           </a:p>
@@ -32274,8 +32770,8 @@
         </p:nvSpPr>
         <p:spPr>
           <a:xfrm>
-            <a:off x="1367406" y="1630501"/>
-            <a:ext cx="5025005" cy="923330"/>
+            <a:off x="1367406" y="1659736"/>
+            <a:ext cx="8769371" cy="584775"/>
           </a:xfrm>
           <a:prstGeom prst="rect">
             <a:avLst/>
@@ -32289,13 +32785,25 @@
           <a:lstStyle/>
           <a:p>
             <a:r>
-              <a:rPr lang="pt-BR" dirty="0"/>
+              <a:rPr lang="pt-BR" sz="1600" b="1" dirty="0">
+                <a:solidFill>
+                  <a:schemeClr val="bg2"/>
+                </a:solidFill>
+                <a:latin typeface="Arial" panose="020B0604020202020204" pitchFamily="34" charset="0"/>
+                <a:cs typeface="Arial" panose="020B0604020202020204" pitchFamily="34" charset="0"/>
+              </a:rPr>
               <a:t>Deve ser sempre pensando o desenho da comunicação entre serviços.</a:t>
             </a:r>
           </a:p>
           <a:p>
             <a:r>
-              <a:rPr lang="pt-BR" dirty="0"/>
+              <a:rPr lang="pt-BR" sz="1600" b="1" dirty="0">
+                <a:solidFill>
+                  <a:schemeClr val="bg2"/>
+                </a:solidFill>
+                <a:latin typeface="Arial" panose="020B0604020202020204" pitchFamily="34" charset="0"/>
+                <a:cs typeface="Arial" panose="020B0604020202020204" pitchFamily="34" charset="0"/>
+              </a:rPr>
               <a:t>Reduz a disponibilidade.</a:t>
             </a:r>
           </a:p>
@@ -32347,7 +32855,12 @@
             <p:ph type="title"/>
           </p:nvPr>
         </p:nvSpPr>
-        <p:spPr/>
+        <p:spPr>
+          <a:xfrm>
+            <a:off x="1141412" y="618517"/>
+            <a:ext cx="8821193" cy="644225"/>
+          </a:xfrm>
+        </p:spPr>
         <p:txBody>
           <a:bodyPr>
             <a:normAutofit fontScale="90000"/>
@@ -32355,36 +32868,46 @@
           <a:lstStyle/>
           <a:p>
             <a:r>
-              <a:rPr lang="pt-BR" dirty="0"/>
-              <a:t>Comunicação </a:t>
+              <a:rPr lang="pt-BR" sz="3100" b="1" dirty="0">
+                <a:solidFill>
+                  <a:schemeClr val="bg2"/>
+                </a:solidFill>
+                <a:latin typeface="Arial" panose="020B0604020202020204" pitchFamily="34" charset="0"/>
+                <a:cs typeface="Arial" panose="020B0604020202020204" pitchFamily="34" charset="0"/>
+              </a:rPr>
+              <a:t>		</a:t>
             </a:r>
+            <a:br>
+              <a:rPr lang="pt-BR" sz="3100" b="1" dirty="0">
+                <a:solidFill>
+                  <a:schemeClr val="bg2"/>
+                </a:solidFill>
+                <a:latin typeface="Arial" panose="020B0604020202020204" pitchFamily="34" charset="0"/>
+                <a:cs typeface="Arial" panose="020B0604020202020204" pitchFamily="34" charset="0"/>
+              </a:rPr>
+            </a:br>
             <a:r>
-              <a:rPr lang="pt-BR" dirty="0" err="1"/>
-              <a:t>Sincrona</a:t>
+              <a:rPr lang="pt-BR" sz="3100" b="1" dirty="0">
+                <a:solidFill>
+                  <a:schemeClr val="bg2"/>
+                </a:solidFill>
+                <a:latin typeface="Arial" panose="020B0604020202020204" pitchFamily="34" charset="0"/>
+                <a:cs typeface="Arial" panose="020B0604020202020204" pitchFamily="34" charset="0"/>
+              </a:rPr>
+              <a:t>            Comunicação Síncrona</a:t>
             </a:r>
             <a:br>
               <a:rPr lang="pt-BR" dirty="0"/>
             </a:br>
-            <a:br>
-              <a:rPr lang="pt-BR" dirty="0"/>
-            </a:br>
             <a:r>
-              <a:rPr lang="pt-BR" dirty="0" err="1"/>
-              <a:t>Request</a:t>
-            </a:r>
-            <a:r>
-              <a:rPr lang="pt-BR" dirty="0"/>
-              <a:t>/Response</a:t>
-            </a:r>
-            <a:br>
-              <a:rPr lang="pt-BR" dirty="0"/>
-            </a:br>
-            <a:br>
-              <a:rPr lang="pt-BR" dirty="0"/>
-            </a:br>
-            <a:r>
-              <a:rPr lang="pt-BR" dirty="0"/>
-              <a:t>Bloqueio até a resposta surgir.</a:t>
+              <a:rPr lang="pt-BR" sz="2200" b="1" dirty="0">
+                <a:solidFill>
+                  <a:schemeClr val="bg2"/>
+                </a:solidFill>
+                <a:latin typeface="Arial" panose="020B0604020202020204" pitchFamily="34" charset="0"/>
+                <a:cs typeface="Arial" panose="020B0604020202020204" pitchFamily="34" charset="0"/>
+              </a:rPr>
+              <a:t>Request/Response – A Cada solicitação é esperado uma resposta , e ocorre BLOQUEIO ATÉ a Resposta SURGIR.</a:t>
             </a:r>
           </a:p>
         </p:txBody>
@@ -32411,8 +32934,8 @@
         </p:blipFill>
         <p:spPr>
           <a:xfrm>
-            <a:off x="1721271" y="1601424"/>
-            <a:ext cx="5343525" cy="4762500"/>
+            <a:off x="3204538" y="1924594"/>
+            <a:ext cx="4365355" cy="3890690"/>
           </a:xfrm>
           <a:prstGeom prst="rect">
             <a:avLst/>
@@ -32476,7 +32999,13 @@
           <a:lstStyle/>
           <a:p>
             <a:r>
-              <a:rPr lang="pt-BR" dirty="0"/>
+              <a:rPr lang="pt-BR" b="1" dirty="0">
+                <a:solidFill>
+                  <a:schemeClr val="bg2"/>
+                </a:solidFill>
+                <a:latin typeface="Arial" panose="020B0604020202020204" pitchFamily="34" charset="0"/>
+                <a:cs typeface="Arial" panose="020B0604020202020204" pitchFamily="34" charset="0"/>
+              </a:rPr>
               <a:t>Protocolo REST</a:t>
             </a:r>
           </a:p>
@@ -32506,95 +33035,206 @@
         </p:spPr>
         <p:txBody>
           <a:bodyPr>
-            <a:normAutofit fontScale="92500" lnSpcReduction="20000"/>
+            <a:normAutofit fontScale="85000" lnSpcReduction="10000"/>
           </a:bodyPr>
           <a:lstStyle/>
           <a:p>
+            <a:pPr marL="342900" indent="-342900">
+              <a:buFont typeface="Arial" panose="020B0604020202020204" pitchFamily="34" charset="0"/>
+              <a:buChar char="•"/>
+            </a:pPr>
             <a:r>
-              <a:rPr lang="pt-BR" dirty="0"/>
+              <a:rPr lang="pt-BR" sz="1900" b="1" dirty="0">
+                <a:solidFill>
+                  <a:schemeClr val="bg2"/>
+                </a:solidFill>
+                <a:latin typeface="Arial" panose="020B0604020202020204" pitchFamily="34" charset="0"/>
+                <a:cs typeface="Arial" panose="020B0604020202020204" pitchFamily="34" charset="0"/>
+              </a:rPr>
               <a:t>Protocolo de Comunicação em HTTP.</a:t>
             </a:r>
           </a:p>
           <a:p>
+            <a:pPr marL="342900" indent="-342900">
+              <a:buFont typeface="Arial" panose="020B0604020202020204" pitchFamily="34" charset="0"/>
+              <a:buChar char="•"/>
+            </a:pPr>
             <a:r>
-              <a:rPr lang="pt-BR" dirty="0"/>
+              <a:rPr lang="pt-BR" sz="1900" b="1" dirty="0">
+                <a:solidFill>
+                  <a:schemeClr val="bg2"/>
+                </a:solidFill>
+                <a:latin typeface="Arial" panose="020B0604020202020204" pitchFamily="34" charset="0"/>
+                <a:cs typeface="Arial" panose="020B0604020202020204" pitchFamily="34" charset="0"/>
+              </a:rPr>
               <a:t>Representa um objeto por negócio.</a:t>
             </a:r>
           </a:p>
           <a:p>
+            <a:pPr marL="342900" indent="-342900">
+              <a:buFont typeface="Arial" panose="020B0604020202020204" pitchFamily="34" charset="0"/>
+              <a:buChar char="•"/>
+            </a:pPr>
             <a:r>
-              <a:rPr lang="pt-BR" dirty="0"/>
+              <a:rPr lang="pt-BR" sz="1900" b="1" dirty="0">
+                <a:solidFill>
+                  <a:schemeClr val="bg2"/>
+                </a:solidFill>
+                <a:latin typeface="Arial" panose="020B0604020202020204" pitchFamily="34" charset="0"/>
+                <a:cs typeface="Arial" panose="020B0604020202020204" pitchFamily="34" charset="0"/>
+              </a:rPr>
               <a:t>Poder ser utilizado em qualquer formato o mais comum JSON.</a:t>
             </a:r>
           </a:p>
           <a:p>
+            <a:pPr marL="342900" indent="-342900">
+              <a:buFont typeface="Arial" panose="020B0604020202020204" pitchFamily="34" charset="0"/>
+              <a:buChar char="•"/>
+            </a:pPr>
             <a:r>
-              <a:rPr lang="pt-BR" dirty="0"/>
-              <a:t>Exemplo de API </a:t>
+              <a:rPr lang="pt-BR" sz="1900" b="1" dirty="0">
+                <a:solidFill>
+                  <a:schemeClr val="bg2"/>
+                </a:solidFill>
+                <a:latin typeface="Arial" panose="020B0604020202020204" pitchFamily="34" charset="0"/>
+                <a:cs typeface="Arial" panose="020B0604020202020204" pitchFamily="34" charset="0"/>
+              </a:rPr>
+              <a:t>Exemplo de API Rest.</a:t>
+            </a:r>
+          </a:p>
+          <a:p>
+            <a:pPr marL="342900" indent="-342900">
+              <a:buFont typeface="Arial" panose="020B0604020202020204" pitchFamily="34" charset="0"/>
+              <a:buChar char="•"/>
+            </a:pPr>
+            <a:r>
+              <a:rPr lang="pt-BR" sz="1900" b="1" dirty="0">
+                <a:solidFill>
+                  <a:schemeClr val="bg2"/>
+                </a:solidFill>
+                <a:latin typeface="Arial" panose="020B0604020202020204" pitchFamily="34" charset="0"/>
+                <a:cs typeface="Arial" panose="020B0604020202020204" pitchFamily="34" charset="0"/>
+              </a:rPr>
+              <a:t>Get/</a:t>
             </a:r>
             <a:r>
-              <a:rPr lang="pt-BR" dirty="0" err="1"/>
-              <a:t>Rest</a:t>
-            </a:r>
-            <a:endParaRPr lang="pt-BR" dirty="0"/>
-          </a:p>
-          <a:p>
-            <a:r>
-              <a:rPr lang="pt-BR" dirty="0" err="1"/>
-              <a:t>Get</a:t>
-            </a:r>
-            <a:r>
-              <a:rPr lang="pt-BR" dirty="0"/>
-              <a:t>/</a:t>
-            </a:r>
-            <a:r>
-              <a:rPr lang="pt-BR" dirty="0" err="1"/>
+              <a:rPr lang="pt-BR" sz="1900" b="1" dirty="0" err="1">
+                <a:solidFill>
+                  <a:schemeClr val="bg2"/>
+                </a:solidFill>
+                <a:latin typeface="Arial" panose="020B0604020202020204" pitchFamily="34" charset="0"/>
+                <a:cs typeface="Arial" panose="020B0604020202020204" pitchFamily="34" charset="0"/>
+              </a:rPr>
               <a:t>order</a:t>
             </a:r>
             <a:r>
-              <a:rPr lang="pt-BR" dirty="0"/>
-              <a:t>/order-id-1345?expand-consumer</a:t>
+              <a:rPr lang="pt-BR" sz="1900" b="1" dirty="0">
+                <a:solidFill>
+                  <a:schemeClr val="bg2"/>
+                </a:solidFill>
+                <a:latin typeface="Arial" panose="020B0604020202020204" pitchFamily="34" charset="0"/>
+                <a:cs typeface="Arial" panose="020B0604020202020204" pitchFamily="34" charset="0"/>
+              </a:rPr>
+              <a:t>/order-id-1345?expand-consumer.</a:t>
             </a:r>
           </a:p>
           <a:p>
+            <a:pPr marL="342900" indent="-342900">
+              <a:buFont typeface="Arial" panose="020B0604020202020204" pitchFamily="34" charset="0"/>
+              <a:buChar char="•"/>
+            </a:pPr>
             <a:r>
-              <a:rPr lang="pt-BR" dirty="0"/>
-              <a:t>Simples e familiar,</a:t>
+              <a:rPr lang="pt-BR" sz="1900" b="1" dirty="0">
+                <a:solidFill>
+                  <a:schemeClr val="bg2"/>
+                </a:solidFill>
+                <a:latin typeface="Arial" panose="020B0604020202020204" pitchFamily="34" charset="0"/>
+                <a:cs typeface="Arial" panose="020B0604020202020204" pitchFamily="34" charset="0"/>
+              </a:rPr>
+              <a:t>Simples e familiar.</a:t>
             </a:r>
           </a:p>
           <a:p>
+            <a:pPr marL="342900" indent="-342900">
+              <a:buFont typeface="Arial" panose="020B0604020202020204" pitchFamily="34" charset="0"/>
+              <a:buChar char="•"/>
+            </a:pPr>
             <a:r>
-              <a:rPr lang="pt-BR" dirty="0"/>
+              <a:rPr lang="pt-BR" sz="1900" b="1" dirty="0">
+                <a:solidFill>
+                  <a:schemeClr val="bg2"/>
+                </a:solidFill>
+                <a:latin typeface="Arial" panose="020B0604020202020204" pitchFamily="34" charset="0"/>
+                <a:cs typeface="Arial" panose="020B0604020202020204" pitchFamily="34" charset="0"/>
+              </a:rPr>
               <a:t>Não requer nenhum intermediário entre API e </a:t>
             </a:r>
             <a:r>
-              <a:rPr lang="pt-BR" dirty="0" err="1"/>
+              <a:rPr lang="pt-BR" sz="1900" b="1" dirty="0" err="1">
+                <a:solidFill>
+                  <a:schemeClr val="bg2"/>
+                </a:solidFill>
+                <a:latin typeface="Arial" panose="020B0604020202020204" pitchFamily="34" charset="0"/>
+                <a:cs typeface="Arial" panose="020B0604020202020204" pitchFamily="34" charset="0"/>
+              </a:rPr>
               <a:t>Client</a:t>
             </a:r>
             <a:r>
-              <a:rPr lang="pt-BR" dirty="0"/>
+              <a:rPr lang="pt-BR" sz="1900" b="1" dirty="0">
+                <a:solidFill>
+                  <a:schemeClr val="bg2"/>
+                </a:solidFill>
+                <a:latin typeface="Arial" panose="020B0604020202020204" pitchFamily="34" charset="0"/>
+                <a:cs typeface="Arial" panose="020B0604020202020204" pitchFamily="34" charset="0"/>
+              </a:rPr>
               <a:t>.</a:t>
             </a:r>
           </a:p>
           <a:p>
+            <a:pPr marL="342900" indent="-342900">
+              <a:buFont typeface="Arial" panose="020B0604020202020204" pitchFamily="34" charset="0"/>
+              <a:buChar char="•"/>
+            </a:pPr>
             <a:r>
-              <a:rPr lang="pt-BR" dirty="0"/>
+              <a:rPr lang="pt-BR" sz="1900" b="1" dirty="0">
+                <a:solidFill>
+                  <a:schemeClr val="bg2"/>
+                </a:solidFill>
+                <a:latin typeface="Arial" panose="020B0604020202020204" pitchFamily="34" charset="0"/>
+                <a:cs typeface="Arial" panose="020B0604020202020204" pitchFamily="34" charset="0"/>
+              </a:rPr>
               <a:t>Deve se saber a URL do serviço que quer comunicar.</a:t>
             </a:r>
           </a:p>
           <a:p>
+            <a:pPr marL="342900" indent="-342900">
+              <a:buFont typeface="Arial" panose="020B0604020202020204" pitchFamily="34" charset="0"/>
+              <a:buChar char="•"/>
+            </a:pPr>
             <a:r>
-              <a:rPr lang="pt-BR" dirty="0" err="1"/>
-              <a:t>Dificuldde</a:t>
-            </a:r>
-            <a:r>
-              <a:rPr lang="pt-BR" dirty="0"/>
-              <a:t> de mapear mais de um recurso.</a:t>
+              <a:rPr lang="pt-BR" sz="1900" b="1" dirty="0">
+                <a:solidFill>
+                  <a:schemeClr val="bg2"/>
+                </a:solidFill>
+                <a:latin typeface="Arial" panose="020B0604020202020204" pitchFamily="34" charset="0"/>
+                <a:cs typeface="Arial" panose="020B0604020202020204" pitchFamily="34" charset="0"/>
+              </a:rPr>
+              <a:t>Dificuldade de mapear mais de um recurso.</a:t>
             </a:r>
           </a:p>
           <a:p>
+            <a:pPr marL="342900" indent="-342900">
+              <a:buFont typeface="Arial" panose="020B0604020202020204" pitchFamily="34" charset="0"/>
+              <a:buChar char="•"/>
+            </a:pPr>
             <a:r>
-              <a:rPr lang="pt-BR" dirty="0"/>
+              <a:rPr lang="pt-BR" sz="1900" b="1" dirty="0">
+                <a:solidFill>
+                  <a:schemeClr val="bg2"/>
+                </a:solidFill>
+                <a:latin typeface="Arial" panose="020B0604020202020204" pitchFamily="34" charset="0"/>
+                <a:cs typeface="Arial" panose="020B0604020202020204" pitchFamily="34" charset="0"/>
+              </a:rPr>
               <a:t>Verbo http não permitem muita flexibilidade.</a:t>
             </a:r>
           </a:p>
@@ -32646,7 +33286,7 @@
           <p:nvPr>
             <p:extLst>
               <p:ext uri="{D42A27DB-BD31-4B8C-83A1-F6EECF244321}">
-                <p14:modId xmlns:p14="http://schemas.microsoft.com/office/powerpoint/2010/main" val="1244860329"/>
+                <p14:modId xmlns:p14="http://schemas.microsoft.com/office/powerpoint/2010/main" val="1839430486"/>
               </p:ext>
             </p:extLst>
           </p:nvPr>
@@ -32706,7 +33346,8 @@
                     <a:lumMod val="50000"/>
                   </a:schemeClr>
                 </a:solidFill>
-                <a:latin typeface="Arial Black" panose="020B0A04020102020204" pitchFamily="34" charset="0"/>
+                <a:latin typeface="Arial" panose="020B0604020202020204" pitchFamily="34" charset="0"/>
+                <a:cs typeface="Arial" panose="020B0604020202020204" pitchFamily="34" charset="0"/>
               </a:rPr>
               <a:t>Case : Era uma vez...</a:t>
             </a:r>
@@ -32759,81 +33400,169 @@
             <p:ph type="title"/>
           </p:nvPr>
         </p:nvSpPr>
-        <p:spPr/>
+        <p:spPr>
+          <a:xfrm>
+            <a:off x="1139233" y="1750151"/>
+            <a:ext cx="9906000" cy="2852737"/>
+          </a:xfrm>
+        </p:spPr>
         <p:txBody>
           <a:bodyPr>
-            <a:normAutofit fontScale="90000"/>
+            <a:normAutofit/>
           </a:bodyPr>
           <a:lstStyle/>
           <a:p>
             <a:r>
-              <a:rPr lang="pt-BR" dirty="0"/>
-              <a:t>Desenho de uma </a:t>
-            </a:r>
-            <a:r>
-              <a:rPr lang="pt-BR" dirty="0" err="1"/>
-              <a:t>api</a:t>
+              <a:rPr lang="pt-BR" sz="2700" b="1" dirty="0">
+                <a:solidFill>
+                  <a:schemeClr val="bg2"/>
+                </a:solidFill>
+                <a:latin typeface="Arial" panose="020B0604020202020204" pitchFamily="34" charset="0"/>
+                <a:cs typeface="Arial" panose="020B0604020202020204" pitchFamily="34" charset="0"/>
+              </a:rPr>
+              <a:t>Composta por verbos HTTP.</a:t>
             </a:r>
             <a:br>
-              <a:rPr lang="pt-BR" dirty="0"/>
+              <a:rPr lang="pt-BR" sz="2700" b="1" dirty="0">
+                <a:solidFill>
+                  <a:schemeClr val="bg2"/>
+                </a:solidFill>
+                <a:latin typeface="Arial" panose="020B0604020202020204" pitchFamily="34" charset="0"/>
+                <a:cs typeface="Arial" panose="020B0604020202020204" pitchFamily="34" charset="0"/>
+              </a:rPr>
             </a:br>
             <a:br>
-              <a:rPr lang="pt-BR" dirty="0"/>
+              <a:rPr lang="pt-BR" sz="2700" b="1" dirty="0">
+                <a:solidFill>
+                  <a:schemeClr val="bg2"/>
+                </a:solidFill>
+                <a:latin typeface="Arial" panose="020B0604020202020204" pitchFamily="34" charset="0"/>
+                <a:cs typeface="Arial" panose="020B0604020202020204" pitchFamily="34" charset="0"/>
+              </a:rPr>
             </a:br>
             <a:r>
-              <a:rPr lang="pt-BR" dirty="0" err="1"/>
-              <a:t>Get</a:t>
+              <a:rPr lang="pt-BR" sz="2700" b="1" dirty="0">
+                <a:solidFill>
+                  <a:schemeClr val="bg2"/>
+                </a:solidFill>
+                <a:latin typeface="Arial" panose="020B0604020202020204" pitchFamily="34" charset="0"/>
+                <a:cs typeface="Arial" panose="020B0604020202020204" pitchFamily="34" charset="0"/>
+              </a:rPr>
+              <a:t>Get : Obter Dados , consulta.</a:t>
             </a:r>
             <a:br>
-              <a:rPr lang="pt-BR" dirty="0"/>
+              <a:rPr lang="pt-BR" sz="2700" b="1" dirty="0">
+                <a:solidFill>
+                  <a:schemeClr val="bg2"/>
+                </a:solidFill>
+                <a:latin typeface="Arial" panose="020B0604020202020204" pitchFamily="34" charset="0"/>
+                <a:cs typeface="Arial" panose="020B0604020202020204" pitchFamily="34" charset="0"/>
+              </a:rPr>
             </a:br>
             <a:r>
-              <a:rPr lang="pt-BR" dirty="0"/>
-              <a:t>POST</a:t>
+              <a:rPr lang="pt-BR" sz="2700" b="1" dirty="0">
+                <a:solidFill>
+                  <a:schemeClr val="bg2"/>
+                </a:solidFill>
+                <a:latin typeface="Arial" panose="020B0604020202020204" pitchFamily="34" charset="0"/>
+                <a:cs typeface="Arial" panose="020B0604020202020204" pitchFamily="34" charset="0"/>
+              </a:rPr>
+              <a:t>POST : Envio de dados.</a:t>
             </a:r>
             <a:br>
-              <a:rPr lang="pt-BR" dirty="0"/>
+              <a:rPr lang="pt-BR" sz="2700" b="1" dirty="0">
+                <a:solidFill>
+                  <a:schemeClr val="bg2"/>
+                </a:solidFill>
+                <a:latin typeface="Arial" panose="020B0604020202020204" pitchFamily="34" charset="0"/>
+                <a:cs typeface="Arial" panose="020B0604020202020204" pitchFamily="34" charset="0"/>
+              </a:rPr>
             </a:br>
             <a:r>
-              <a:rPr lang="pt-BR" dirty="0"/>
-              <a:t>PUT</a:t>
+              <a:rPr lang="pt-BR" sz="2700" b="1" dirty="0">
+                <a:solidFill>
+                  <a:schemeClr val="bg2"/>
+                </a:solidFill>
+                <a:latin typeface="Arial" panose="020B0604020202020204" pitchFamily="34" charset="0"/>
+                <a:cs typeface="Arial" panose="020B0604020202020204" pitchFamily="34" charset="0"/>
+              </a:rPr>
+              <a:t>PUT : Atualização.</a:t>
             </a:r>
             <a:br>
-              <a:rPr lang="pt-BR" dirty="0"/>
+              <a:rPr lang="pt-BR" sz="2700" b="1" dirty="0">
+                <a:solidFill>
+                  <a:schemeClr val="bg2"/>
+                </a:solidFill>
+                <a:latin typeface="Arial" panose="020B0604020202020204" pitchFamily="34" charset="0"/>
+                <a:cs typeface="Arial" panose="020B0604020202020204" pitchFamily="34" charset="0"/>
+              </a:rPr>
             </a:br>
             <a:r>
-              <a:rPr lang="pt-BR" dirty="0"/>
-              <a:t>DELETE</a:t>
+              <a:rPr lang="pt-BR" sz="2700" b="1" dirty="0">
+                <a:solidFill>
+                  <a:schemeClr val="bg2"/>
+                </a:solidFill>
+                <a:latin typeface="Arial" panose="020B0604020202020204" pitchFamily="34" charset="0"/>
+                <a:cs typeface="Arial" panose="020B0604020202020204" pitchFamily="34" charset="0"/>
+              </a:rPr>
+              <a:t>DELETE : Exclusão de Registros.</a:t>
             </a:r>
             <a:br>
-              <a:rPr lang="pt-BR" dirty="0"/>
+              <a:rPr lang="pt-BR" dirty="0">
+                <a:latin typeface="Arial" panose="020B0604020202020204" pitchFamily="34" charset="0"/>
+                <a:cs typeface="Arial" panose="020B0604020202020204" pitchFamily="34" charset="0"/>
+              </a:rPr>
             </a:br>
-            <a:endParaRPr lang="pt-BR" dirty="0"/>
+            <a:endParaRPr lang="pt-BR" dirty="0">
+              <a:latin typeface="Arial" panose="020B0604020202020204" pitchFamily="34" charset="0"/>
+              <a:cs typeface="Arial" panose="020B0604020202020204" pitchFamily="34" charset="0"/>
+            </a:endParaRPr>
           </a:p>
         </p:txBody>
       </p:sp>
       <p:sp>
         <p:nvSpPr>
-          <p:cNvPr id="3" name="Espaço Reservado para Texto 2">
+          <p:cNvPr id="5" name="CaixaDeTexto 4">
             <a:extLst>
               <a:ext uri="{FF2B5EF4-FFF2-40B4-BE49-F238E27FC236}">
-                <a16:creationId xmlns:a16="http://schemas.microsoft.com/office/drawing/2014/main" id="{48CD2697-4002-5E57-FC1F-E61AA3E0E19D}"/>
+                <a16:creationId xmlns:a16="http://schemas.microsoft.com/office/drawing/2014/main" id="{EB4BE159-D147-45D8-81E3-4317C08726CB}"/>
               </a:ext>
             </a:extLst>
           </p:cNvPr>
-          <p:cNvSpPr>
-            <a:spLocks noGrp="1"/>
-          </p:cNvSpPr>
-          <p:nvPr>
-            <p:ph type="body" idx="1"/>
-          </p:nvPr>
+          <p:cNvSpPr txBox="1"/>
+          <p:nvPr/>
         </p:nvSpPr>
-        <p:spPr/>
+        <p:spPr>
+          <a:xfrm>
+            <a:off x="3004456" y="465864"/>
+            <a:ext cx="4955178" cy="584775"/>
+          </a:xfrm>
+          <a:prstGeom prst="rect">
+            <a:avLst/>
+          </a:prstGeom>
+          <a:noFill/>
+        </p:spPr>
         <p:txBody>
-          <a:bodyPr/>
+          <a:bodyPr wrap="square" rtlCol="0">
+            <a:spAutoFit/>
+          </a:bodyPr>
           <a:lstStyle/>
           <a:p>
-            <a:endParaRPr lang="pt-BR"/>
+            <a:r>
+              <a:rPr lang="pt-BR" sz="3200" b="1" dirty="0">
+                <a:solidFill>
+                  <a:schemeClr val="bg2"/>
+                </a:solidFill>
+                <a:latin typeface="Arial" panose="020B0604020202020204" pitchFamily="34" charset="0"/>
+                <a:cs typeface="Arial" panose="020B0604020202020204" pitchFamily="34" charset="0"/>
+              </a:rPr>
+              <a:t>  Desenho de uma API</a:t>
+            </a:r>
+            <a:endParaRPr lang="pt-BR" sz="3200" dirty="0">
+              <a:solidFill>
+                <a:schemeClr val="bg2"/>
+              </a:solidFill>
+            </a:endParaRPr>
           </a:p>
         </p:txBody>
       </p:sp>
@@ -32883,37 +33612,108 @@
             <p:ph type="title"/>
           </p:nvPr>
         </p:nvSpPr>
-        <p:spPr/>
+        <p:spPr>
+          <a:xfrm>
+            <a:off x="1141413" y="618517"/>
+            <a:ext cx="9905998" cy="1706671"/>
+          </a:xfrm>
+        </p:spPr>
         <p:txBody>
           <a:bodyPr>
             <a:normAutofit fontScale="90000"/>
           </a:bodyPr>
           <a:lstStyle/>
           <a:p>
+            <a:pPr marL="457200" indent="-457200">
+              <a:buFont typeface="Arial" panose="020B0604020202020204" pitchFamily="34" charset="0"/>
+              <a:buChar char="•"/>
+            </a:pPr>
             <a:r>
-              <a:rPr lang="pt-BR" dirty="0"/>
+              <a:rPr lang="pt-BR" sz="2700" b="1" dirty="0">
+                <a:latin typeface="Arial" panose="020B0604020202020204" pitchFamily="34" charset="0"/>
+                <a:cs typeface="Arial" panose="020B0604020202020204" pitchFamily="34" charset="0"/>
+              </a:rPr>
+              <a:t>	</a:t>
+            </a:r>
+            <a:r>
+              <a:rPr lang="pt-BR" sz="2700" b="1" dirty="0">
+                <a:solidFill>
+                  <a:schemeClr val="bg2"/>
+                </a:solidFill>
+                <a:latin typeface="Arial" panose="020B0604020202020204" pitchFamily="34" charset="0"/>
+                <a:cs typeface="Arial" panose="020B0604020202020204" pitchFamily="34" charset="0"/>
+              </a:rPr>
               <a:t>Comunicação Assíncrona</a:t>
             </a:r>
             <a:br>
-              <a:rPr lang="pt-BR" dirty="0"/>
+              <a:rPr lang="pt-BR" sz="2700" b="1" dirty="0">
+                <a:solidFill>
+                  <a:schemeClr val="bg2"/>
+                </a:solidFill>
+                <a:latin typeface="Arial" panose="020B0604020202020204" pitchFamily="34" charset="0"/>
+                <a:cs typeface="Arial" panose="020B0604020202020204" pitchFamily="34" charset="0"/>
+              </a:rPr>
+            </a:br>
+            <a:br>
+              <a:rPr lang="pt-BR" sz="2700" b="1" dirty="0">
+                <a:solidFill>
+                  <a:schemeClr val="bg2"/>
+                </a:solidFill>
+                <a:latin typeface="Arial" panose="020B0604020202020204" pitchFamily="34" charset="0"/>
+                <a:cs typeface="Arial" panose="020B0604020202020204" pitchFamily="34" charset="0"/>
+              </a:rPr>
             </a:br>
             <a:r>
-              <a:rPr lang="pt-BR" dirty="0"/>
+              <a:rPr lang="pt-BR" sz="2700" b="1" dirty="0">
+                <a:solidFill>
+                  <a:schemeClr val="bg2"/>
+                </a:solidFill>
+                <a:latin typeface="Arial" panose="020B0604020202020204" pitchFamily="34" charset="0"/>
+                <a:cs typeface="Arial" panose="020B0604020202020204" pitchFamily="34" charset="0"/>
+              </a:rPr>
               <a:t>Não Bloqueio nenhuma parte do sistema.</a:t>
             </a:r>
             <a:br>
-              <a:rPr lang="pt-BR" dirty="0"/>
+              <a:rPr lang="pt-BR" sz="2700" b="1" dirty="0">
+                <a:solidFill>
+                  <a:schemeClr val="bg2"/>
+                </a:solidFill>
+                <a:latin typeface="Arial" panose="020B0604020202020204" pitchFamily="34" charset="0"/>
+                <a:cs typeface="Arial" panose="020B0604020202020204" pitchFamily="34" charset="0"/>
+              </a:rPr>
             </a:br>
             <a:r>
-              <a:rPr lang="pt-BR" dirty="0"/>
+              <a:rPr lang="pt-BR" sz="2700" b="1" dirty="0">
+                <a:solidFill>
+                  <a:schemeClr val="bg2"/>
+                </a:solidFill>
+                <a:latin typeface="Arial" panose="020B0604020202020204" pitchFamily="34" charset="0"/>
+                <a:cs typeface="Arial" panose="020B0604020202020204" pitchFamily="34" charset="0"/>
+              </a:rPr>
               <a:t>Não aguarda uma resposta imediata.</a:t>
             </a:r>
             <a:br>
-              <a:rPr lang="pt-BR" dirty="0"/>
+              <a:rPr lang="pt-BR" sz="2700" b="1" dirty="0">
+                <a:solidFill>
+                  <a:schemeClr val="bg2"/>
+                </a:solidFill>
+                <a:latin typeface="Arial" panose="020B0604020202020204" pitchFamily="34" charset="0"/>
+                <a:cs typeface="Arial" panose="020B0604020202020204" pitchFamily="34" charset="0"/>
+              </a:rPr>
             </a:br>
             <a:r>
+              <a:rPr lang="pt-BR" sz="2700" b="1" dirty="0">
+                <a:solidFill>
+                  <a:schemeClr val="bg2"/>
+                </a:solidFill>
+                <a:latin typeface="Arial" panose="020B0604020202020204" pitchFamily="34" charset="0"/>
+                <a:cs typeface="Arial" panose="020B0604020202020204" pitchFamily="34" charset="0"/>
+              </a:rPr>
+              <a:t>Pode ser do tipo 1 x 1 ou 1x para muitos</a:t>
+            </a:r>
+            <a:r>
               <a:rPr lang="pt-BR" dirty="0"/>
-              <a:t>Pode ser do tipo 1 x 1 ou 1x para muitos.</a:t>
+              <a:t>.</a:t>
             </a:r>
           </a:p>
         </p:txBody>
@@ -32931,13 +33731,13 @@
           <p:nvPr>
             <p:extLst>
               <p:ext uri="{D42A27DB-BD31-4B8C-83A1-F6EECF244321}">
-                <p14:modId xmlns:p14="http://schemas.microsoft.com/office/powerpoint/2010/main" val="2042584582"/>
+                <p14:modId xmlns:p14="http://schemas.microsoft.com/office/powerpoint/2010/main" val="2396420402"/>
               </p:ext>
             </p:extLst>
           </p:nvPr>
         </p:nvGraphicFramePr>
         <p:xfrm>
-          <a:off x="2818701" y="2743200"/>
+          <a:off x="2661947" y="2447109"/>
           <a:ext cx="6543413" cy="3395133"/>
         </p:xfrm>
         <a:graphic>
@@ -32994,8 +33794,8 @@
         </p:nvSpPr>
         <p:spPr>
           <a:xfrm>
-            <a:off x="1476461" y="578840"/>
-            <a:ext cx="8019877" cy="2281805"/>
+            <a:off x="1476462" y="586862"/>
+            <a:ext cx="9035020" cy="1174458"/>
           </a:xfrm>
         </p:spPr>
         <p:txBody>
@@ -33005,15 +33805,47 @@
           <a:lstStyle/>
           <a:p>
             <a:r>
-              <a:rPr lang="pt-BR" dirty="0"/>
-              <a:t>A comunicação assíncrona ocorre por meio de mensagens,</a:t>
+              <a:rPr lang="pt-BR" sz="2800" dirty="0">
+                <a:latin typeface="Arial" panose="020B0604020202020204" pitchFamily="34" charset="0"/>
+                <a:cs typeface="Arial" panose="020B0604020202020204" pitchFamily="34" charset="0"/>
+              </a:rPr>
+              <a:t>	</a:t>
             </a:r>
-            <a:br>
-              <a:rPr lang="pt-BR" dirty="0"/>
-            </a:br>
             <a:r>
-              <a:rPr lang="pt-BR" dirty="0"/>
-              <a:t>independente de tecnologia, em formato de texto ou binário.</a:t>
+              <a:rPr lang="pt-BR" sz="2000" b="1" dirty="0">
+                <a:solidFill>
+                  <a:schemeClr val="bg2">
+                    <a:lumMod val="75000"/>
+                  </a:schemeClr>
+                </a:solidFill>
+                <a:latin typeface="Arial" panose="020B0604020202020204" pitchFamily="34" charset="0"/>
+                <a:cs typeface="Arial" panose="020B0604020202020204" pitchFamily="34" charset="0"/>
+              </a:rPr>
+              <a:t>A</a:t>
+            </a:r>
+            <a:r>
+              <a:rPr lang="pt-BR" sz="2800" dirty="0">
+                <a:solidFill>
+                  <a:schemeClr val="bg2">
+                    <a:lumMod val="75000"/>
+                  </a:schemeClr>
+                </a:solidFill>
+                <a:latin typeface="Arial" panose="020B0604020202020204" pitchFamily="34" charset="0"/>
+                <a:cs typeface="Arial" panose="020B0604020202020204" pitchFamily="34" charset="0"/>
+              </a:rPr>
+              <a:t> </a:t>
+            </a:r>
+            <a:r>
+              <a:rPr lang="pt-BR" sz="2000" b="1" dirty="0">
+                <a:solidFill>
+                  <a:schemeClr val="bg2">
+                    <a:lumMod val="75000"/>
+                  </a:schemeClr>
+                </a:solidFill>
+                <a:latin typeface="Arial" panose="020B0604020202020204" pitchFamily="34" charset="0"/>
+                <a:cs typeface="Arial" panose="020B0604020202020204" pitchFamily="34" charset="0"/>
+              </a:rPr>
+              <a:t>comunicação assíncrona ocorre por meio de mensagens, independente de tecnologia, em formato de texto ou binário.</a:t>
             </a:r>
           </a:p>
         </p:txBody>
@@ -33337,8 +34169,8 @@
         </p:nvSpPr>
         <p:spPr>
           <a:xfrm>
-            <a:off x="1742666" y="3428999"/>
-            <a:ext cx="471606" cy="343944"/>
+            <a:off x="1742666" y="3324141"/>
+            <a:ext cx="1758180" cy="448802"/>
           </a:xfrm>
           <a:prstGeom prst="wave">
             <a:avLst/>
@@ -34129,7 +34961,7 @@
         </p:nvSpPr>
         <p:spPr>
           <a:xfrm>
-            <a:off x="671119" y="587228"/>
+            <a:off x="827873" y="1336166"/>
             <a:ext cx="4815281" cy="3296875"/>
           </a:xfrm>
           <a:prstGeom prst="flowChartProcess">
@@ -34174,14 +35006,14 @@
           <p:nvPr>
             <p:extLst>
               <p:ext uri="{D42A27DB-BD31-4B8C-83A1-F6EECF244321}">
-                <p14:modId xmlns:p14="http://schemas.microsoft.com/office/powerpoint/2010/main" val="1965973680"/>
+                <p14:modId xmlns:p14="http://schemas.microsoft.com/office/powerpoint/2010/main" val="1939660691"/>
               </p:ext>
             </p:extLst>
           </p:nvPr>
         </p:nvGraphicFramePr>
         <p:xfrm>
-          <a:off x="981513" y="1585519"/>
-          <a:ext cx="3942826" cy="1843480"/>
+          <a:off x="1184365" y="2107473"/>
+          <a:ext cx="4249783" cy="2046515"/>
         </p:xfrm>
         <a:graphic>
           <a:graphicData uri="http://schemas.openxmlformats.org/drawingml/2006/diagram">
@@ -34204,7 +35036,7 @@
         <p:spPr>
           <a:xfrm>
             <a:off x="5796791" y="858274"/>
-            <a:ext cx="5352177" cy="3693319"/>
+            <a:ext cx="5324055" cy="3693319"/>
           </a:xfrm>
           <a:prstGeom prst="rect">
             <a:avLst/>
@@ -34326,7 +35158,7 @@
         </p:nvSpPr>
         <p:spPr>
           <a:xfrm>
-            <a:off x="2457974" y="810537"/>
+            <a:off x="2784944" y="1424188"/>
             <a:ext cx="1048624" cy="408464"/>
           </a:xfrm>
           <a:prstGeom prst="rect">
@@ -34361,9 +35193,10 @@
             <a:pPr algn="ctr"/>
             <a:r>
               <a:rPr lang="pt-BR" sz="1200" dirty="0">
-                <a:latin typeface="Arial Black" panose="020B0A04020102020204" pitchFamily="34" charset="0"/>
+                <a:latin typeface="Arial" panose="020B0604020202020204" pitchFamily="34" charset="0"/>
+                <a:cs typeface="Arial" panose="020B0604020202020204" pitchFamily="34" charset="0"/>
               </a:rPr>
-              <a:t>Banco Pai</a:t>
+              <a:t>Banco</a:t>
             </a:r>
           </a:p>
         </p:txBody>
@@ -34382,7 +35215,7 @@
         </p:nvSpPr>
         <p:spPr>
           <a:xfrm>
-            <a:off x="2869036" y="1255453"/>
+            <a:off x="3151623" y="1844977"/>
             <a:ext cx="167780" cy="293614"/>
           </a:xfrm>
           <a:prstGeom prst="upDownArrow">
@@ -35794,7 +36627,7 @@
         </p:spPr>
         <p:txBody>
           <a:bodyPr>
-            <a:normAutofit fontScale="90000"/>
+            <a:normAutofit/>
           </a:bodyPr>
           <a:lstStyle/>
           <a:p>
@@ -35805,7 +36638,8 @@
                     <a:lumMod val="50000"/>
                   </a:schemeClr>
                 </a:solidFill>
-                <a:latin typeface="Arial Black" panose="020B0A04020102020204" pitchFamily="34" charset="0"/>
+                <a:latin typeface="Arial" panose="020B0604020202020204" pitchFamily="34" charset="0"/>
+                <a:cs typeface="Arial" panose="020B0604020202020204" pitchFamily="34" charset="0"/>
               </a:rPr>
               <a:t>Até ai tudo lindo mas .....</a:t>
             </a:r>
@@ -36732,7 +37566,7 @@
         </p:blipFill>
         <p:spPr>
           <a:xfrm>
-            <a:off x="1497049" y="2070099"/>
+            <a:off x="1645095" y="1965596"/>
             <a:ext cx="3678068" cy="2728403"/>
           </a:xfrm>
         </p:spPr>
@@ -36751,8 +37585,8 @@
         </p:nvSpPr>
         <p:spPr>
           <a:xfrm>
-            <a:off x="5658374" y="2274838"/>
-            <a:ext cx="3766658" cy="2308324"/>
+            <a:off x="5658373" y="2274838"/>
+            <a:ext cx="4452278" cy="2062103"/>
           </a:xfrm>
           <a:prstGeom prst="rect">
             <a:avLst/>
@@ -36775,11 +37609,23 @@
                 <a:latin typeface="Arial" panose="020B0604020202020204" pitchFamily="34" charset="0"/>
                 <a:cs typeface="Arial" panose="020B0604020202020204" pitchFamily="34" charset="0"/>
               </a:rPr>
-              <a:t>	Quebrar o Sistema em Pedaços que funcionem de forma independente mas que se comuniquem de alguma forma .</a:t>
+              <a:t>	</a:t>
+            </a:r>
+            <a:r>
+              <a:rPr lang="pt-BR" sz="1600" b="1" dirty="0">
+                <a:solidFill>
+                  <a:schemeClr val="bg2">
+                    <a:lumMod val="75000"/>
+                  </a:schemeClr>
+                </a:solidFill>
+                <a:latin typeface="Arial" panose="020B0604020202020204" pitchFamily="34" charset="0"/>
+                <a:cs typeface="Arial" panose="020B0604020202020204" pitchFamily="34" charset="0"/>
+              </a:rPr>
+              <a:t>Quebrar o Sistema em Pedaços que funcionem de forma independente mas que se comuniquem de alguma forma .</a:t>
             </a:r>
           </a:p>
           <a:p>
-            <a:endParaRPr lang="pt-BR" sz="1600" dirty="0">
+            <a:endParaRPr lang="pt-BR" sz="1600" b="1" dirty="0">
               <a:solidFill>
                 <a:schemeClr val="bg2">
                   <a:lumMod val="75000"/>
@@ -36791,7 +37637,7 @@
           </a:p>
           <a:p>
             <a:r>
-              <a:rPr lang="pt-BR" sz="1600" dirty="0">
+              <a:rPr lang="pt-BR" sz="1600" b="1" dirty="0">
                 <a:solidFill>
                   <a:schemeClr val="bg2">
                     <a:lumMod val="75000"/>
@@ -36859,7 +37705,7 @@
         </p:blipFill>
         <p:spPr>
           <a:xfrm>
-            <a:off x="1924278" y="1771316"/>
+            <a:off x="2025457" y="1811523"/>
             <a:ext cx="2705934" cy="3541712"/>
           </a:xfrm>
         </p:spPr>
@@ -36888,7 +37734,7 @@
         </p:blipFill>
         <p:spPr>
           <a:xfrm>
-            <a:off x="6800888" y="1771316"/>
+            <a:off x="6154325" y="1811523"/>
             <a:ext cx="3466834" cy="3541712"/>
           </a:xfrm>
         </p:spPr>
@@ -36907,7 +37753,7 @@
         </p:nvSpPr>
         <p:spPr>
           <a:xfrm>
-            <a:off x="1873688" y="1360306"/>
+            <a:off x="1924278" y="1263483"/>
             <a:ext cx="2807113" cy="369332"/>
           </a:xfrm>
           <a:prstGeom prst="rect">
@@ -36923,7 +37769,7 @@
           <a:p>
             <a:pPr algn="ctr"/>
             <a:r>
-              <a:rPr lang="pt-BR" dirty="0">
+              <a:rPr lang="pt-BR" b="1" dirty="0">
                 <a:solidFill>
                   <a:schemeClr val="bg2">
                     <a:lumMod val="75000"/>
@@ -36951,8 +37797,8 @@
         </p:nvSpPr>
         <p:spPr>
           <a:xfrm>
-            <a:off x="6660859" y="1124985"/>
-            <a:ext cx="3363582" cy="646331"/>
+            <a:off x="6027863" y="1124984"/>
+            <a:ext cx="3719758" cy="646331"/>
           </a:xfrm>
           <a:prstGeom prst="rect">
             <a:avLst/>
@@ -36965,13 +37811,16 @@
           </a:bodyPr>
           <a:lstStyle/>
           <a:p>
+            <a:pPr algn="ctr"/>
             <a:r>
-              <a:rPr lang="pt-BR" dirty="0">
+              <a:rPr lang="pt-BR" b="1" dirty="0">
                 <a:solidFill>
                   <a:schemeClr val="bg2">
                     <a:lumMod val="75000"/>
                   </a:schemeClr>
                 </a:solidFill>
+                <a:latin typeface="Arial" panose="020B0604020202020204" pitchFamily="34" charset="0"/>
+                <a:cs typeface="Arial" panose="020B0604020202020204" pitchFamily="34" charset="0"/>
               </a:rPr>
               <a:t>Microsserviços ,funcionais de forma desacoplada.</a:t>
             </a:r>
@@ -37026,7 +37875,7 @@
         </p:nvSpPr>
         <p:spPr>
           <a:xfrm>
-            <a:off x="1146705" y="609601"/>
+            <a:off x="1738888" y="894827"/>
             <a:ext cx="8165075" cy="791360"/>
           </a:xfrm>
         </p:spPr>
@@ -37035,7 +37884,15 @@
           <a:lstStyle/>
           <a:p>
             <a:r>
-              <a:rPr lang="pt-BR" dirty="0"/>
+              <a:rPr lang="pt-BR" dirty="0">
+                <a:solidFill>
+                  <a:schemeClr val="bg2">
+                    <a:lumMod val="75000"/>
+                  </a:schemeClr>
+                </a:solidFill>
+                <a:latin typeface="Arial" panose="020B0604020202020204" pitchFamily="34" charset="0"/>
+                <a:cs typeface="Arial" panose="020B0604020202020204" pitchFamily="34" charset="0"/>
+              </a:rPr>
               <a:t>Arquitetura em Microsserviços</a:t>
             </a:r>
           </a:p>
@@ -37059,7 +37916,7 @@
         </p:nvSpPr>
         <p:spPr>
           <a:xfrm>
-            <a:off x="1146705" y="1686187"/>
+            <a:off x="1608259" y="1773273"/>
             <a:ext cx="8232187" cy="3003259"/>
           </a:xfrm>
         </p:spPr>
@@ -37071,59 +37928,103 @@
           </a:p>
           <a:p>
             <a:pPr marL="342900" indent="-342900">
-              <a:buFont typeface="Wingdings" panose="05000000000000000000" pitchFamily="2" charset="2"/>
-              <a:buChar char="ü"/>
+              <a:buFont typeface="Arial" panose="020B0604020202020204" pitchFamily="34" charset="0"/>
+              <a:buChar char="•"/>
             </a:pPr>
             <a:r>
-              <a:rPr lang="pt-BR" dirty="0"/>
+              <a:rPr lang="pt-BR" b="1" dirty="0">
+                <a:solidFill>
+                  <a:schemeClr val="bg2">
+                    <a:lumMod val="75000"/>
+                  </a:schemeClr>
+                </a:solidFill>
+                <a:latin typeface="Arial" panose="020B0604020202020204" pitchFamily="34" charset="0"/>
+                <a:cs typeface="Arial" panose="020B0604020202020204" pitchFamily="34" charset="0"/>
+              </a:rPr>
               <a:t>Arquitetura Descentralizada.</a:t>
             </a:r>
           </a:p>
           <a:p>
             <a:pPr marL="342900" indent="-342900">
-              <a:buFont typeface="Wingdings" panose="05000000000000000000" pitchFamily="2" charset="2"/>
-              <a:buChar char="ü"/>
+              <a:buFont typeface="Arial" panose="020B0604020202020204" pitchFamily="34" charset="0"/>
+              <a:buChar char="•"/>
             </a:pPr>
             <a:r>
-              <a:rPr lang="pt-BR" dirty="0"/>
+              <a:rPr lang="pt-BR" b="1" dirty="0">
+                <a:solidFill>
+                  <a:schemeClr val="bg2">
+                    <a:lumMod val="75000"/>
+                  </a:schemeClr>
+                </a:solidFill>
+                <a:latin typeface="Arial" panose="020B0604020202020204" pitchFamily="34" charset="0"/>
+                <a:cs typeface="Arial" panose="020B0604020202020204" pitchFamily="34" charset="0"/>
+              </a:rPr>
               <a:t>Baixo Acoplamento.(A integração não ocorre via Banco de Dados).</a:t>
             </a:r>
           </a:p>
           <a:p>
             <a:pPr marL="342900" indent="-342900">
-              <a:buFont typeface="Wingdings" panose="05000000000000000000" pitchFamily="2" charset="2"/>
-              <a:buChar char="ü"/>
+              <a:buFont typeface="Arial" panose="020B0604020202020204" pitchFamily="34" charset="0"/>
+              <a:buChar char="•"/>
             </a:pPr>
             <a:r>
-              <a:rPr lang="pt-BR" dirty="0"/>
+              <a:rPr lang="pt-BR" b="1" dirty="0">
+                <a:solidFill>
+                  <a:schemeClr val="bg2">
+                    <a:lumMod val="75000"/>
+                  </a:schemeClr>
+                </a:solidFill>
+                <a:latin typeface="Arial" panose="020B0604020202020204" pitchFamily="34" charset="0"/>
+                <a:cs typeface="Arial" panose="020B0604020202020204" pitchFamily="34" charset="0"/>
+              </a:rPr>
               <a:t>Serviço independente e com apenas uma funcionalidade.</a:t>
             </a:r>
           </a:p>
           <a:p>
             <a:pPr marL="342900" indent="-342900">
-              <a:buFont typeface="Wingdings" panose="05000000000000000000" pitchFamily="2" charset="2"/>
-              <a:buChar char="ü"/>
+              <a:buFont typeface="Arial" panose="020B0604020202020204" pitchFamily="34" charset="0"/>
+              <a:buChar char="•"/>
             </a:pPr>
             <a:r>
-              <a:rPr lang="pt-BR" dirty="0"/>
+              <a:rPr lang="pt-BR" b="1" dirty="0">
+                <a:solidFill>
+                  <a:schemeClr val="bg2">
+                    <a:lumMod val="75000"/>
+                  </a:schemeClr>
+                </a:solidFill>
+                <a:latin typeface="Arial" panose="020B0604020202020204" pitchFamily="34" charset="0"/>
+                <a:cs typeface="Arial" panose="020B0604020202020204" pitchFamily="34" charset="0"/>
+              </a:rPr>
               <a:t>Escalabilidade.</a:t>
             </a:r>
           </a:p>
           <a:p>
             <a:pPr marL="342900" indent="-342900">
-              <a:buFont typeface="Wingdings" panose="05000000000000000000" pitchFamily="2" charset="2"/>
-              <a:buChar char="ü"/>
+              <a:buFont typeface="Arial" panose="020B0604020202020204" pitchFamily="34" charset="0"/>
+              <a:buChar char="•"/>
             </a:pPr>
             <a:r>
-              <a:rPr lang="pt-BR" dirty="0"/>
-              <a:t>O Desenvolvimento ocorre sem impacto no restante do </a:t>
+              <a:rPr lang="pt-BR" b="1" dirty="0">
+                <a:solidFill>
+                  <a:schemeClr val="bg2">
+                    <a:lumMod val="75000"/>
+                  </a:schemeClr>
+                </a:solidFill>
+                <a:latin typeface="Arial" panose="020B0604020202020204" pitchFamily="34" charset="0"/>
+                <a:cs typeface="Arial" panose="020B0604020202020204" pitchFamily="34" charset="0"/>
+              </a:rPr>
+              <a:t>O Desenvolvimento ocorre sem impacto no restante do ecossistema</a:t>
             </a:r>
             <a:r>
-              <a:rPr lang="pt-BR" dirty="0" err="1"/>
-              <a:t>ecosssitema</a:t>
-            </a:r>
-            <a:r>
-              <a:rPr lang="pt-BR" dirty="0"/>
+              <a:rPr lang="pt-BR" dirty="0">
+                <a:solidFill>
+                  <a:schemeClr val="bg2">
+                    <a:lumMod val="75000"/>
+                  </a:schemeClr>
+                </a:solidFill>
+                <a:latin typeface="Arial" panose="020B0604020202020204" pitchFamily="34" charset="0"/>
+                <a:cs typeface="Arial" panose="020B0604020202020204" pitchFamily="34" charset="0"/>
+              </a:rPr>
               <a:t>.</a:t>
             </a:r>
           </a:p>
@@ -37183,8 +38084,8 @@
         </p:blipFill>
         <p:spPr>
           <a:xfrm>
-            <a:off x="1872652" y="1399435"/>
-            <a:ext cx="7388793" cy="4059130"/>
+            <a:off x="2338126" y="1556189"/>
+            <a:ext cx="7515748" cy="4128874"/>
           </a:xfrm>
         </p:spPr>
       </p:pic>
@@ -37202,8 +38103,8 @@
         </p:nvSpPr>
         <p:spPr>
           <a:xfrm>
-            <a:off x="2499919" y="612396"/>
-            <a:ext cx="7248088" cy="646331"/>
+            <a:off x="1872652" y="476105"/>
+            <a:ext cx="7875355" cy="923330"/>
           </a:xfrm>
           <a:prstGeom prst="rect">
             <a:avLst/>
@@ -37216,31 +38117,29 @@
           </a:bodyPr>
           <a:lstStyle/>
           <a:p>
+            <a:pPr algn="ctr"/>
             <a:r>
-              <a:rPr lang="pt-BR" dirty="0"/>
+              <a:rPr lang="pt-BR" b="1" dirty="0">
+                <a:solidFill>
+                  <a:schemeClr val="bg2"/>
+                </a:solidFill>
+                <a:latin typeface="Arial" panose="020B0604020202020204" pitchFamily="34" charset="0"/>
+                <a:cs typeface="Arial" panose="020B0604020202020204" pitchFamily="34" charset="0"/>
+              </a:rPr>
               <a:t>Cada Microsserviço tem seu Banco de Dados.</a:t>
             </a:r>
           </a:p>
           <a:p>
+            <a:pPr algn="ctr"/>
             <a:r>
-              <a:rPr lang="pt-BR" dirty="0"/>
-              <a:t>A comunicação ocorre via API – </a:t>
-            </a:r>
-            <a:r>
-              <a:rPr lang="pt-BR" dirty="0" err="1"/>
-              <a:t>Application</a:t>
-            </a:r>
-            <a:r>
-              <a:rPr lang="pt-BR" dirty="0"/>
-              <a:t> </a:t>
-            </a:r>
-            <a:r>
-              <a:rPr lang="pt-BR" dirty="0" err="1"/>
-              <a:t>Programming</a:t>
-            </a:r>
-            <a:r>
-              <a:rPr lang="pt-BR" dirty="0"/>
-              <a:t> Interface.</a:t>
+              <a:rPr lang="pt-BR" b="1" dirty="0">
+                <a:solidFill>
+                  <a:schemeClr val="bg2"/>
+                </a:solidFill>
+                <a:latin typeface="Arial" panose="020B0604020202020204" pitchFamily="34" charset="0"/>
+                <a:cs typeface="Arial" panose="020B0604020202020204" pitchFamily="34" charset="0"/>
+              </a:rPr>
+              <a:t>A comunicação entre eles ocorre via API – Application Programming    Interface.</a:t>
             </a:r>
           </a:p>
         </p:txBody>
